--- a/fig.pptx
+++ b/fig.pptx
@@ -6,36 +6,37 @@
     <p:sldMasterId id="2147483649" r:id="rId2"/>
   </p:sldMasterIdLst>
   <p:notesMasterIdLst>
-    <p:notesMasterId r:id="rId27"/>
+    <p:notesMasterId r:id="rId28"/>
   </p:notesMasterIdLst>
   <p:handoutMasterIdLst>
-    <p:handoutMasterId r:id="rId28"/>
+    <p:handoutMasterId r:id="rId29"/>
   </p:handoutMasterIdLst>
   <p:sldIdLst>
     <p:sldId id="369" r:id="rId3"/>
-    <p:sldId id="361" r:id="rId4"/>
-    <p:sldId id="414" r:id="rId5"/>
-    <p:sldId id="413" r:id="rId6"/>
-    <p:sldId id="415" r:id="rId7"/>
-    <p:sldId id="412" r:id="rId8"/>
-    <p:sldId id="407" r:id="rId9"/>
-    <p:sldId id="402" r:id="rId10"/>
-    <p:sldId id="391" r:id="rId11"/>
-    <p:sldId id="390" r:id="rId12"/>
-    <p:sldId id="377" r:id="rId13"/>
-    <p:sldId id="394" r:id="rId14"/>
-    <p:sldId id="408" r:id="rId15"/>
-    <p:sldId id="393" r:id="rId16"/>
-    <p:sldId id="409" r:id="rId17"/>
-    <p:sldId id="395" r:id="rId18"/>
-    <p:sldId id="410" r:id="rId19"/>
-    <p:sldId id="397" r:id="rId20"/>
-    <p:sldId id="403" r:id="rId21"/>
-    <p:sldId id="411" r:id="rId22"/>
-    <p:sldId id="398" r:id="rId23"/>
-    <p:sldId id="401" r:id="rId24"/>
-    <p:sldId id="399" r:id="rId25"/>
-    <p:sldId id="400" r:id="rId26"/>
+    <p:sldId id="416" r:id="rId4"/>
+    <p:sldId id="361" r:id="rId5"/>
+    <p:sldId id="414" r:id="rId6"/>
+    <p:sldId id="413" r:id="rId7"/>
+    <p:sldId id="415" r:id="rId8"/>
+    <p:sldId id="412" r:id="rId9"/>
+    <p:sldId id="407" r:id="rId10"/>
+    <p:sldId id="402" r:id="rId11"/>
+    <p:sldId id="391" r:id="rId12"/>
+    <p:sldId id="390" r:id="rId13"/>
+    <p:sldId id="377" r:id="rId14"/>
+    <p:sldId id="394" r:id="rId15"/>
+    <p:sldId id="408" r:id="rId16"/>
+    <p:sldId id="393" r:id="rId17"/>
+    <p:sldId id="409" r:id="rId18"/>
+    <p:sldId id="395" r:id="rId19"/>
+    <p:sldId id="410" r:id="rId20"/>
+    <p:sldId id="397" r:id="rId21"/>
+    <p:sldId id="403" r:id="rId22"/>
+    <p:sldId id="411" r:id="rId23"/>
+    <p:sldId id="398" r:id="rId24"/>
+    <p:sldId id="401" r:id="rId25"/>
+    <p:sldId id="399" r:id="rId26"/>
+    <p:sldId id="400" r:id="rId27"/>
   </p:sldIdLst>
   <p:sldSz cx="9144000" cy="6858000" type="screen4x3"/>
   <p:notesSz cx="6797675" cy="9874250"/>
@@ -1624,7 +1625,7 @@
             <a:fld id="{98315EAE-4EE5-42F7-B982-1B0C069EBC7A}" type="slidenum">
               <a:rPr lang="ko-KR" altLang="en-GB"/>
               <a:pPr/>
-              <a:t>10</a:t>
+              <a:t>11</a:t>
             </a:fld>
             <a:endParaRPr lang="en-GB" altLang="ko-KR"/>
           </a:p>
@@ -1791,7 +1792,7 @@
             <a:fld id="{98315EAE-4EE5-42F7-B982-1B0C069EBC7A}" type="slidenum">
               <a:rPr lang="ko-KR" altLang="en-GB"/>
               <a:pPr/>
-              <a:t>11</a:t>
+              <a:t>12</a:t>
             </a:fld>
             <a:endParaRPr lang="en-GB" altLang="ko-KR"/>
           </a:p>
@@ -1913,7 +1914,7 @@
             <a:fld id="{98315EAE-4EE5-42F7-B982-1B0C069EBC7A}" type="slidenum">
               <a:rPr lang="ko-KR" altLang="en-GB"/>
               <a:pPr/>
-              <a:t>12</a:t>
+              <a:t>13</a:t>
             </a:fld>
             <a:endParaRPr lang="en-GB" altLang="ko-KR"/>
           </a:p>
@@ -2038,7 +2039,7 @@
             <a:fld id="{98315EAE-4EE5-42F7-B982-1B0C069EBC7A}" type="slidenum">
               <a:rPr lang="ko-KR" altLang="en-GB"/>
               <a:pPr/>
-              <a:t>13</a:t>
+              <a:t>14</a:t>
             </a:fld>
             <a:endParaRPr lang="en-GB" altLang="ko-KR"/>
           </a:p>
@@ -2163,7 +2164,7 @@
             <a:fld id="{98315EAE-4EE5-42F7-B982-1B0C069EBC7A}" type="slidenum">
               <a:rPr lang="ko-KR" altLang="en-GB"/>
               <a:pPr/>
-              <a:t>14</a:t>
+              <a:t>15</a:t>
             </a:fld>
             <a:endParaRPr lang="en-GB" altLang="ko-KR"/>
           </a:p>
@@ -2288,7 +2289,7 @@
             <a:fld id="{98315EAE-4EE5-42F7-B982-1B0C069EBC7A}" type="slidenum">
               <a:rPr lang="ko-KR" altLang="en-GB"/>
               <a:pPr/>
-              <a:t>15</a:t>
+              <a:t>16</a:t>
             </a:fld>
             <a:endParaRPr lang="en-GB" altLang="ko-KR"/>
           </a:p>
@@ -2413,7 +2414,7 @@
             <a:fld id="{98315EAE-4EE5-42F7-B982-1B0C069EBC7A}" type="slidenum">
               <a:rPr lang="ko-KR" altLang="en-GB"/>
               <a:pPr/>
-              <a:t>16</a:t>
+              <a:t>17</a:t>
             </a:fld>
             <a:endParaRPr lang="en-GB" altLang="ko-KR"/>
           </a:p>
@@ -2578,7 +2579,7 @@
             <a:fld id="{98315EAE-4EE5-42F7-B982-1B0C069EBC7A}" type="slidenum">
               <a:rPr lang="ko-KR" altLang="en-GB"/>
               <a:pPr/>
-              <a:t>17</a:t>
+              <a:t>18</a:t>
             </a:fld>
             <a:endParaRPr lang="en-GB" altLang="ko-KR"/>
           </a:p>
@@ -2743,7 +2744,7 @@
             <a:fld id="{98315EAE-4EE5-42F7-B982-1B0C069EBC7A}" type="slidenum">
               <a:rPr lang="ko-KR" altLang="en-GB"/>
               <a:pPr/>
-              <a:t>18</a:t>
+              <a:t>19</a:t>
             </a:fld>
             <a:endParaRPr lang="en-GB" altLang="ko-KR"/>
           </a:p>
@@ -2867,7 +2868,7 @@
             <a:fld id="{A6C1F415-CFBB-4560-AAEB-C4B36E7BE2F9}" type="slidenum">
               <a:rPr lang="en-US" smtClean="0"/>
               <a:pPr/>
-              <a:t>19</a:t>
+              <a:t>20</a:t>
             </a:fld>
             <a:endParaRPr lang="en-US"/>
           </a:p>
@@ -2926,7 +2927,7 @@
             <a:fld id="{98315EAE-4EE5-42F7-B982-1B0C069EBC7A}" type="slidenum">
               <a:rPr lang="ko-KR" altLang="en-GB"/>
               <a:pPr/>
-              <a:t>2</a:t>
+              <a:t>3</a:t>
             </a:fld>
             <a:endParaRPr lang="en-GB" altLang="ko-KR"/>
           </a:p>
@@ -3052,7 +3053,7 @@
             <a:fld id="{617ABEF4-9690-46E7-8F1E-99680070233D}" type="slidenum">
               <a:rPr lang="ko-KR" altLang="en-GB"/>
               <a:pPr/>
-              <a:t>20</a:t>
+              <a:t>21</a:t>
             </a:fld>
             <a:endParaRPr lang="en-GB" altLang="ko-KR"/>
           </a:p>
@@ -3154,7 +3155,7 @@
             <a:fld id="{617ABEF4-9690-46E7-8F1E-99680070233D}" type="slidenum">
               <a:rPr lang="ko-KR" altLang="en-GB"/>
               <a:pPr/>
-              <a:t>21</a:t>
+              <a:t>22</a:t>
             </a:fld>
             <a:endParaRPr lang="en-GB" altLang="ko-KR"/>
           </a:p>
@@ -3279,7 +3280,7 @@
             <a:fld id="{A7BCD2C8-E4EA-4CE6-A6C0-13E269E70B7D}" type="slidenum">
               <a:rPr lang="ko-KR" altLang="en-GB" smtClean="0"/>
               <a:pPr/>
-              <a:t>22</a:t>
+              <a:t>23</a:t>
             </a:fld>
             <a:endParaRPr lang="en-GB" altLang="ko-KR"/>
           </a:p>
@@ -3338,7 +3339,7 @@
             <a:fld id="{617ABEF4-9690-46E7-8F1E-99680070233D}" type="slidenum">
               <a:rPr lang="ko-KR" altLang="en-GB"/>
               <a:pPr/>
-              <a:t>23</a:t>
+              <a:t>24</a:t>
             </a:fld>
             <a:endParaRPr lang="en-GB" altLang="ko-KR"/>
           </a:p>
@@ -3440,7 +3441,7 @@
             <a:fld id="{617ABEF4-9690-46E7-8F1E-99680070233D}" type="slidenum">
               <a:rPr lang="ko-KR" altLang="en-GB"/>
               <a:pPr/>
-              <a:t>24</a:t>
+              <a:t>25</a:t>
             </a:fld>
             <a:endParaRPr lang="en-GB" altLang="ko-KR"/>
           </a:p>
@@ -3546,7 +3547,7 @@
             <a:fld id="{98315EAE-4EE5-42F7-B982-1B0C069EBC7A}" type="slidenum">
               <a:rPr lang="ko-KR" altLang="en-GB"/>
               <a:pPr/>
-              <a:t>3</a:t>
+              <a:t>4</a:t>
             </a:fld>
             <a:endParaRPr lang="en-GB" altLang="ko-KR"/>
           </a:p>
@@ -3672,7 +3673,7 @@
             <a:fld id="{98315EAE-4EE5-42F7-B982-1B0C069EBC7A}" type="slidenum">
               <a:rPr lang="ko-KR" altLang="en-GB"/>
               <a:pPr/>
-              <a:t>4</a:t>
+              <a:t>5</a:t>
             </a:fld>
             <a:endParaRPr lang="en-GB" altLang="ko-KR"/>
           </a:p>
@@ -3798,7 +3799,7 @@
             <a:fld id="{98315EAE-4EE5-42F7-B982-1B0C069EBC7A}" type="slidenum">
               <a:rPr lang="ko-KR" altLang="en-GB"/>
               <a:pPr/>
-              <a:t>5</a:t>
+              <a:t>6</a:t>
             </a:fld>
             <a:endParaRPr lang="en-GB" altLang="ko-KR"/>
           </a:p>
@@ -3924,7 +3925,7 @@
             <a:fld id="{98315EAE-4EE5-42F7-B982-1B0C069EBC7A}" type="slidenum">
               <a:rPr lang="ko-KR" altLang="en-GB"/>
               <a:pPr/>
-              <a:t>6</a:t>
+              <a:t>7</a:t>
             </a:fld>
             <a:endParaRPr lang="en-GB" altLang="ko-KR"/>
           </a:p>
@@ -4050,7 +4051,7 @@
             <a:fld id="{98315EAE-4EE5-42F7-B982-1B0C069EBC7A}" type="slidenum">
               <a:rPr lang="ko-KR" altLang="en-GB"/>
               <a:pPr/>
-              <a:t>7</a:t>
+              <a:t>8</a:t>
             </a:fld>
             <a:endParaRPr lang="en-GB" altLang="ko-KR"/>
           </a:p>
@@ -4151,7 +4152,7 @@
             <a:fld id="{98315EAE-4EE5-42F7-B982-1B0C069EBC7A}" type="slidenum">
               <a:rPr lang="ko-KR" altLang="en-GB"/>
               <a:pPr/>
-              <a:t>8</a:t>
+              <a:t>9</a:t>
             </a:fld>
             <a:endParaRPr lang="en-GB" altLang="ko-KR"/>
           </a:p>
@@ -4252,7 +4253,7 @@
             <a:fld id="{98315EAE-4EE5-42F7-B982-1B0C069EBC7A}" type="slidenum">
               <a:rPr lang="ko-KR" altLang="en-GB"/>
               <a:pPr/>
-              <a:t>9</a:t>
+              <a:t>10</a:t>
             </a:fld>
             <a:endParaRPr lang="en-GB" altLang="ko-KR"/>
           </a:p>
@@ -7412,7 +7413,7 @@
           <p:nvPr/>
         </p:nvPicPr>
         <p:blipFill>
-          <a:blip r:embed="rId4"/>
+          <a:blip r:embed="rId4" cstate="print"/>
           <a:srcRect/>
           <a:stretch>
             <a:fillRect/>
@@ -7738,7 +7739,7 @@
           <p:nvPr/>
         </p:nvPicPr>
         <p:blipFill>
-          <a:blip r:embed="rId5"/>
+          <a:blip r:embed="rId5" cstate="print"/>
           <a:srcRect/>
           <a:stretch>
             <a:fillRect/>
@@ -8497,14 +8498,7 @@
                 <a:latin typeface="Segoe UI" pitchFamily="34" charset="0"/>
                 <a:cs typeface="Segoe UI" pitchFamily="34" charset="0"/>
               </a:rPr>
-              <a:t>Test </a:t>
-            </a:r>
-            <a:r>
-              <a:rPr lang="en-US" b="1" dirty="0" smtClean="0">
-                <a:latin typeface="Segoe UI" pitchFamily="34" charset="0"/>
-                <a:cs typeface="Segoe UI" pitchFamily="34" charset="0"/>
-              </a:rPr>
-              <a:t>Scenario</a:t>
+              <a:t>Test Scenario</a:t>
             </a:r>
             <a:endParaRPr lang="en-US" b="1" dirty="0">
               <a:latin typeface="Segoe UI" pitchFamily="34" charset="0"/>
@@ -8690,7 +8684,7 @@
                 <a:ea typeface="굴림" pitchFamily="50" charset="-127"/>
                 <a:cs typeface="Segoe UI" pitchFamily="34" charset="0"/>
               </a:rPr>
-              <a:t>Challenges</a:t>
+              <a:t>Our Goal </a:t>
             </a:r>
             <a:endParaRPr lang="en-GB" altLang="ko-KR" dirty="0">
               <a:latin typeface="Segoe UI" pitchFamily="34" charset="0"/>
@@ -8713,7 +8707,7 @@
         <p:spPr>
           <a:xfrm>
             <a:off x="609600" y="1226484"/>
-            <a:ext cx="8458200" cy="4501874"/>
+            <a:ext cx="8458200" cy="5277471"/>
           </a:xfrm>
           <a:ln/>
         </p:spPr>
@@ -8748,7 +8742,7 @@
               <a:rPr lang="en-US" altLang="ko-KR" dirty="0" smtClean="0">
                 <a:ea typeface="굴림" pitchFamily="50" charset="-127"/>
               </a:rPr>
-              <a:t>Select and augment regression system test cases impacted by policy changes with low false-positives and false-negatives</a:t>
+              <a:t>Regression system test cases for policy evolution</a:t>
             </a:r>
           </a:p>
           <a:p>
@@ -8757,7 +8751,7 @@
                 <a:spcPct val="100000"/>
               </a:lnSpc>
               <a:spcBef>
-                <a:spcPct val="20000"/>
+                <a:spcPct val="0"/>
               </a:spcBef>
               <a:tabLst>
                 <a:tab pos="911225" algn="l"/>
@@ -8777,7 +8771,7 @@
               <a:rPr lang="en-US" altLang="ko-KR" dirty="0" smtClean="0">
                 <a:ea typeface="굴림" pitchFamily="50" charset="-127"/>
               </a:rPr>
-              <a:t>require to analyze effects correctly of policy changes</a:t>
+              <a:t>Select and execute only system test cases (from an existing test suite), which expose behavior changes</a:t>
             </a:r>
           </a:p>
           <a:p>
@@ -8786,7 +8780,7 @@
                 <a:spcPct val="100000"/>
               </a:lnSpc>
               <a:spcBef>
-                <a:spcPct val="20000"/>
+                <a:spcPct val="0"/>
               </a:spcBef>
               <a:tabLst>
                 <a:tab pos="911225" algn="l"/>
@@ -8806,34 +8800,8 @@
               <a:rPr lang="en-US" altLang="ko-KR" dirty="0" smtClean="0">
                 <a:ea typeface="굴림" pitchFamily="50" charset="-127"/>
               </a:rPr>
-              <a:t>require to monitor interactions correctly between system test cases and security policies</a:t>
-            </a:r>
-          </a:p>
-          <a:p>
-            <a:pPr marL="1144587" lvl="2" indent="-342900">
-              <a:lnSpc>
-                <a:spcPct val="100000"/>
-              </a:lnSpc>
-              <a:spcBef>
-                <a:spcPct val="20000"/>
-              </a:spcBef>
-              <a:tabLst>
-                <a:tab pos="911225" algn="l"/>
-                <a:tab pos="1825625" algn="l"/>
-                <a:tab pos="2740025" algn="l"/>
-                <a:tab pos="3654425" algn="l"/>
-                <a:tab pos="4568825" algn="l"/>
-                <a:tab pos="5483225" algn="l"/>
-                <a:tab pos="6397625" algn="l"/>
-                <a:tab pos="7312025" algn="l"/>
-                <a:tab pos="8226425" algn="l"/>
-                <a:tab pos="9140825" algn="l"/>
-                <a:tab pos="10055225" algn="l"/>
-              </a:tabLst>
-            </a:pPr>
-            <a:endParaRPr lang="en-US" altLang="ko-KR" dirty="0" smtClean="0">
-              <a:ea typeface="굴림" pitchFamily="50" charset="-127"/>
-            </a:endParaRPr>
+              <a:t>Augment system test cases to expose behavior changes (which are not exposed with existing system tests)</a:t>
+            </a:r>
           </a:p>
           <a:p>
             <a:pPr marL="342900" indent="-342900">
@@ -8858,9 +8826,61 @@
                 <a:tab pos="10055225" algn="l"/>
               </a:tabLst>
             </a:pPr>
-            <a:endParaRPr lang="en-GB" altLang="ko-KR" dirty="0" smtClean="0">
+            <a:endParaRPr lang="en-US" altLang="ko-KR" dirty="0" smtClean="0">
               <a:ea typeface="굴림" pitchFamily="50" charset="-127"/>
             </a:endParaRPr>
+          </a:p>
+          <a:p>
+            <a:pPr marL="342900" indent="-342900">
+              <a:lnSpc>
+                <a:spcPct val="100000"/>
+              </a:lnSpc>
+              <a:spcBef>
+                <a:spcPct val="20000"/>
+              </a:spcBef>
+              <a:buNone/>
+              <a:tabLst>
+                <a:tab pos="911225" algn="l"/>
+                <a:tab pos="1825625" algn="l"/>
+                <a:tab pos="2740025" algn="l"/>
+                <a:tab pos="3654425" algn="l"/>
+                <a:tab pos="4568825" algn="l"/>
+                <a:tab pos="5483225" algn="l"/>
+                <a:tab pos="6397625" algn="l"/>
+                <a:tab pos="7312025" algn="l"/>
+                <a:tab pos="8226425" algn="l"/>
+                <a:tab pos="9140825" algn="l"/>
+                <a:tab pos="10055225" algn="l"/>
+              </a:tabLst>
+            </a:pPr>
+            <a:endParaRPr lang="en-US" altLang="ko-KR" dirty="0" smtClean="0">
+              <a:ea typeface="굴림" pitchFamily="50" charset="-127"/>
+            </a:endParaRPr>
+          </a:p>
+          <a:p>
+            <a:pPr marL="742950" lvl="1" indent="-342900">
+              <a:lnSpc>
+                <a:spcPct val="100000"/>
+              </a:lnSpc>
+              <a:spcBef>
+                <a:spcPct val="0"/>
+              </a:spcBef>
+              <a:buNone/>
+              <a:tabLst>
+                <a:tab pos="911225" algn="l"/>
+                <a:tab pos="1825625" algn="l"/>
+                <a:tab pos="2740025" algn="l"/>
+                <a:tab pos="3654425" algn="l"/>
+                <a:tab pos="4568825" algn="l"/>
+                <a:tab pos="5483225" algn="l"/>
+                <a:tab pos="6397625" algn="l"/>
+                <a:tab pos="7312025" algn="l"/>
+                <a:tab pos="8226425" algn="l"/>
+                <a:tab pos="9140825" algn="l"/>
+                <a:tab pos="10055225" algn="l"/>
+              </a:tabLst>
+            </a:pPr>
+            <a:endParaRPr lang="en-US" dirty="0" smtClean="0"/>
           </a:p>
         </p:txBody>
       </p:sp>
@@ -8957,11 +8977,17 @@
               </a:tabLst>
             </a:pPr>
             <a:r>
-              <a:rPr lang="en-US" dirty="0" smtClean="0"/>
-              <a:t>Definition: Coverage</a:t>
+              <a:rPr lang="en-GB" altLang="ko-KR" dirty="0" smtClean="0">
+                <a:latin typeface="Segoe UI" pitchFamily="34" charset="0"/>
+                <a:ea typeface="굴림" pitchFamily="50" charset="-127"/>
+                <a:cs typeface="Segoe UI" pitchFamily="34" charset="0"/>
+              </a:rPr>
+              <a:t>Challenges</a:t>
             </a:r>
             <a:endParaRPr lang="en-GB" altLang="ko-KR" dirty="0">
+              <a:latin typeface="Segoe UI" pitchFamily="34" charset="0"/>
               <a:ea typeface="굴림" pitchFamily="50" charset="-127"/>
+              <a:cs typeface="Segoe UI" pitchFamily="34" charset="0"/>
             </a:endParaRPr>
           </a:p>
         </p:txBody>
@@ -8978,8 +9004,8 @@
         </p:nvSpPr>
         <p:spPr>
           <a:xfrm>
-            <a:off x="685800" y="1219200"/>
-            <a:ext cx="7924800" cy="1879618"/>
+            <a:off x="609600" y="1226484"/>
+            <a:ext cx="8458200" cy="4501874"/>
           </a:xfrm>
           <a:ln/>
         </p:spPr>
@@ -8994,7 +9020,7 @@
                 <a:spcPct val="100000"/>
               </a:lnSpc>
               <a:spcBef>
-                <a:spcPct val="0"/>
+                <a:spcPct val="20000"/>
               </a:spcBef>
               <a:tabLst>
                 <a:tab pos="911225" algn="l"/>
@@ -9011,8 +9037,10 @@
               </a:tabLst>
             </a:pPr>
             <a:r>
-              <a:rPr lang="en-US" dirty="0" smtClean="0"/>
-              <a:t>Coverage for security policies </a:t>
+              <a:rPr lang="en-US" altLang="ko-KR" dirty="0" smtClean="0">
+                <a:ea typeface="굴림" pitchFamily="50" charset="-127"/>
+              </a:rPr>
+              <a:t>Select and augment regression system test cases impacted by policy changes with low false-positives and false-negatives</a:t>
             </a:r>
           </a:p>
           <a:p>
@@ -9021,7 +9049,7 @@
                 <a:spcPct val="100000"/>
               </a:lnSpc>
               <a:spcBef>
-                <a:spcPct val="0"/>
+                <a:spcPct val="20000"/>
               </a:spcBef>
               <a:tabLst>
                 <a:tab pos="911225" algn="l"/>
@@ -9038,9 +9066,93 @@
               </a:tabLst>
             </a:pPr>
             <a:r>
-              <a:rPr lang="en-US" dirty="0" smtClean="0"/>
-              <a:t>measure which rules of the policy are involved (called “covered”) in policy evaluation [Martin et al. WWW 07]</a:t>
-            </a:r>
+              <a:rPr lang="en-US" altLang="ko-KR" dirty="0" smtClean="0">
+                <a:ea typeface="굴림" pitchFamily="50" charset="-127"/>
+              </a:rPr>
+              <a:t>require to analyze effects correctly of policy changes</a:t>
+            </a:r>
+          </a:p>
+          <a:p>
+            <a:pPr marL="742950" lvl="1" indent="-342900">
+              <a:lnSpc>
+                <a:spcPct val="100000"/>
+              </a:lnSpc>
+              <a:spcBef>
+                <a:spcPct val="20000"/>
+              </a:spcBef>
+              <a:tabLst>
+                <a:tab pos="911225" algn="l"/>
+                <a:tab pos="1825625" algn="l"/>
+                <a:tab pos="2740025" algn="l"/>
+                <a:tab pos="3654425" algn="l"/>
+                <a:tab pos="4568825" algn="l"/>
+                <a:tab pos="5483225" algn="l"/>
+                <a:tab pos="6397625" algn="l"/>
+                <a:tab pos="7312025" algn="l"/>
+                <a:tab pos="8226425" algn="l"/>
+                <a:tab pos="9140825" algn="l"/>
+                <a:tab pos="10055225" algn="l"/>
+              </a:tabLst>
+            </a:pPr>
+            <a:r>
+              <a:rPr lang="en-US" altLang="ko-KR" dirty="0" smtClean="0">
+                <a:ea typeface="굴림" pitchFamily="50" charset="-127"/>
+              </a:rPr>
+              <a:t>require to monitor interactions correctly between system test cases and security policies</a:t>
+            </a:r>
+          </a:p>
+          <a:p>
+            <a:pPr marL="1144587" lvl="2" indent="-342900">
+              <a:lnSpc>
+                <a:spcPct val="100000"/>
+              </a:lnSpc>
+              <a:spcBef>
+                <a:spcPct val="20000"/>
+              </a:spcBef>
+              <a:tabLst>
+                <a:tab pos="911225" algn="l"/>
+                <a:tab pos="1825625" algn="l"/>
+                <a:tab pos="2740025" algn="l"/>
+                <a:tab pos="3654425" algn="l"/>
+                <a:tab pos="4568825" algn="l"/>
+                <a:tab pos="5483225" algn="l"/>
+                <a:tab pos="6397625" algn="l"/>
+                <a:tab pos="7312025" algn="l"/>
+                <a:tab pos="8226425" algn="l"/>
+                <a:tab pos="9140825" algn="l"/>
+                <a:tab pos="10055225" algn="l"/>
+              </a:tabLst>
+            </a:pPr>
+            <a:endParaRPr lang="en-US" altLang="ko-KR" dirty="0" smtClean="0">
+              <a:ea typeface="굴림" pitchFamily="50" charset="-127"/>
+            </a:endParaRPr>
+          </a:p>
+          <a:p>
+            <a:pPr marL="342900" indent="-342900">
+              <a:lnSpc>
+                <a:spcPct val="100000"/>
+              </a:lnSpc>
+              <a:spcBef>
+                <a:spcPct val="20000"/>
+              </a:spcBef>
+              <a:buNone/>
+              <a:tabLst>
+                <a:tab pos="911225" algn="l"/>
+                <a:tab pos="1825625" algn="l"/>
+                <a:tab pos="2740025" algn="l"/>
+                <a:tab pos="3654425" algn="l"/>
+                <a:tab pos="4568825" algn="l"/>
+                <a:tab pos="5483225" algn="l"/>
+                <a:tab pos="6397625" algn="l"/>
+                <a:tab pos="7312025" algn="l"/>
+                <a:tab pos="8226425" algn="l"/>
+                <a:tab pos="9140825" algn="l"/>
+                <a:tab pos="10055225" algn="l"/>
+              </a:tabLst>
+            </a:pPr>
+            <a:endParaRPr lang="en-GB" altLang="ko-KR" dirty="0" smtClean="0">
+              <a:ea typeface="굴림" pitchFamily="50" charset="-127"/>
+            </a:endParaRPr>
           </a:p>
         </p:txBody>
       </p:sp>
@@ -9138,7 +9250,7 @@
             </a:pPr>
             <a:r>
               <a:rPr lang="en-US" dirty="0" smtClean="0"/>
-              <a:t>Test Selection Technique I</a:t>
+              <a:t>Definition: Coverage</a:t>
             </a:r>
             <a:endParaRPr lang="en-GB" altLang="ko-KR" dirty="0">
               <a:ea typeface="굴림" pitchFamily="50" charset="-127"/>
@@ -9159,7 +9271,7 @@
         <p:spPr>
           <a:xfrm>
             <a:off x="685800" y="1219200"/>
-            <a:ext cx="7861300" cy="5819158"/>
+            <a:ext cx="7924800" cy="1879618"/>
           </a:xfrm>
           <a:ln/>
         </p:spPr>
@@ -9191,379 +9303,8 @@
               </a:tabLst>
             </a:pPr>
             <a:r>
-              <a:rPr lang="en-US" sz="2400" dirty="0" smtClean="0"/>
-              <a:t>Find system test cases impacted for policy changes by mutation analysis</a:t>
-            </a:r>
-          </a:p>
-          <a:p>
-            <a:pPr marL="342900" indent="-342900">
-              <a:lnSpc>
-                <a:spcPct val="100000"/>
-              </a:lnSpc>
-              <a:spcBef>
-                <a:spcPct val="0"/>
-              </a:spcBef>
-              <a:tabLst>
-                <a:tab pos="911225" algn="l"/>
-                <a:tab pos="1825625" algn="l"/>
-                <a:tab pos="2740025" algn="l"/>
-                <a:tab pos="3654425" algn="l"/>
-                <a:tab pos="4568825" algn="l"/>
-                <a:tab pos="5483225" algn="l"/>
-                <a:tab pos="6397625" algn="l"/>
-                <a:tab pos="7312025" algn="l"/>
-                <a:tab pos="8226425" algn="l"/>
-                <a:tab pos="9140825" algn="l"/>
-                <a:tab pos="10055225" algn="l"/>
-              </a:tabLst>
-            </a:pPr>
-            <a:endParaRPr lang="en-US" sz="2400" dirty="0" smtClean="0"/>
-          </a:p>
-          <a:p>
-            <a:pPr marL="342900" indent="-342900">
-              <a:lnSpc>
-                <a:spcPct val="100000"/>
-              </a:lnSpc>
-              <a:spcBef>
-                <a:spcPct val="0"/>
-              </a:spcBef>
-              <a:buNone/>
-              <a:tabLst>
-                <a:tab pos="911225" algn="l"/>
-                <a:tab pos="1825625" algn="l"/>
-                <a:tab pos="2740025" algn="l"/>
-                <a:tab pos="3654425" algn="l"/>
-                <a:tab pos="4568825" algn="l"/>
-                <a:tab pos="5483225" algn="l"/>
-                <a:tab pos="6397625" algn="l"/>
-                <a:tab pos="7312025" algn="l"/>
-                <a:tab pos="8226425" algn="l"/>
-                <a:tab pos="9140825" algn="l"/>
-                <a:tab pos="10055225" algn="l"/>
-              </a:tabLst>
-            </a:pPr>
-            <a:r>
               <a:rPr lang="en-US" dirty="0" smtClean="0"/>
-              <a:t>	</a:t>
-            </a:r>
-            <a:r>
-              <a:rPr lang="en-US" sz="2800" dirty="0" smtClean="0"/>
-              <a:t>[Setup: rule-test correlation]</a:t>
-            </a:r>
-          </a:p>
-          <a:p>
-            <a:pPr marL="914400" lvl="1" indent="-514350">
-              <a:lnSpc>
-                <a:spcPct val="100000"/>
-              </a:lnSpc>
-              <a:spcBef>
-                <a:spcPct val="0"/>
-              </a:spcBef>
-              <a:buFont typeface="+mj-lt"/>
-              <a:buAutoNum type="arabicPeriod"/>
-              <a:tabLst>
-                <a:tab pos="911225" algn="l"/>
-                <a:tab pos="1825625" algn="l"/>
-                <a:tab pos="2740025" algn="l"/>
-                <a:tab pos="3654425" algn="l"/>
-                <a:tab pos="4568825" algn="l"/>
-                <a:tab pos="5483225" algn="l"/>
-                <a:tab pos="6397625" algn="l"/>
-                <a:tab pos="7312025" algn="l"/>
-                <a:tab pos="8226425" algn="l"/>
-                <a:tab pos="9140825" algn="l"/>
-                <a:tab pos="10055225" algn="l"/>
-              </a:tabLst>
-            </a:pPr>
-            <a:r>
-              <a:rPr lang="en-US" sz="2400" dirty="0" smtClean="0"/>
-              <a:t>Policy </a:t>
-            </a:r>
-            <a:r>
-              <a:rPr lang="en-US" sz="2400" i="1" dirty="0" smtClean="0"/>
-              <a:t>P</a:t>
-            </a:r>
-            <a:r>
-              <a:rPr lang="en-US" sz="2400" dirty="0" smtClean="0"/>
-              <a:t> and its mutant </a:t>
-            </a:r>
-            <a:r>
-              <a:rPr lang="en-US" sz="2400" i="1" dirty="0" smtClean="0"/>
-              <a:t>Pm</a:t>
-            </a:r>
-            <a:r>
-              <a:rPr lang="en-US" sz="2400" dirty="0" smtClean="0"/>
-              <a:t> by changing rule </a:t>
-            </a:r>
-            <a:r>
-              <a:rPr lang="en-US" sz="2400" i="1" dirty="0" err="1" smtClean="0"/>
-              <a:t>r</a:t>
-            </a:r>
-            <a:r>
-              <a:rPr lang="en-US" sz="2400" i="1" baseline="-25000" dirty="0" err="1" smtClean="0"/>
-              <a:t>i</a:t>
-            </a:r>
-            <a:r>
-              <a:rPr lang="en-US" sz="2400" dirty="0" err="1" smtClean="0"/>
-              <a:t>’s</a:t>
-            </a:r>
-            <a:r>
-              <a:rPr lang="en-US" sz="2400" dirty="0" smtClean="0"/>
-              <a:t> decision (e.g., Permit -&gt; Deny)</a:t>
-            </a:r>
-          </a:p>
-          <a:p>
-            <a:pPr marL="914400" lvl="1" indent="-514350">
-              <a:lnSpc>
-                <a:spcPct val="100000"/>
-              </a:lnSpc>
-              <a:spcBef>
-                <a:spcPct val="0"/>
-              </a:spcBef>
-              <a:buFont typeface="+mj-lt"/>
-              <a:buAutoNum type="arabicPeriod"/>
-              <a:tabLst>
-                <a:tab pos="911225" algn="l"/>
-                <a:tab pos="1825625" algn="l"/>
-                <a:tab pos="2740025" algn="l"/>
-                <a:tab pos="3654425" algn="l"/>
-                <a:tab pos="4568825" algn="l"/>
-                <a:tab pos="5483225" algn="l"/>
-                <a:tab pos="6397625" algn="l"/>
-                <a:tab pos="7312025" algn="l"/>
-                <a:tab pos="8226425" algn="l"/>
-                <a:tab pos="9140825" algn="l"/>
-                <a:tab pos="10055225" algn="l"/>
-              </a:tabLst>
-            </a:pPr>
-            <a:r>
-              <a:rPr lang="en-US" sz="2400" dirty="0" smtClean="0"/>
-              <a:t>Collect requests </a:t>
-            </a:r>
-            <a:r>
-              <a:rPr lang="en-US" sz="2400" i="1" dirty="0" smtClean="0"/>
-              <a:t>Q</a:t>
-            </a:r>
-            <a:r>
-              <a:rPr lang="en-US" sz="2400" dirty="0" smtClean="0"/>
-              <a:t> issued from system test cases </a:t>
-            </a:r>
-            <a:r>
-              <a:rPr lang="en-US" sz="2400" i="1" dirty="0" smtClean="0"/>
-              <a:t>T </a:t>
-            </a:r>
-            <a:endParaRPr lang="en-US" sz="2400" dirty="0" smtClean="0"/>
-          </a:p>
-          <a:p>
-            <a:pPr marL="914400" lvl="1" indent="-514350">
-              <a:lnSpc>
-                <a:spcPct val="100000"/>
-              </a:lnSpc>
-              <a:spcBef>
-                <a:spcPct val="0"/>
-              </a:spcBef>
-              <a:buFont typeface="+mj-lt"/>
-              <a:buAutoNum type="arabicPeriod"/>
-              <a:tabLst>
-                <a:tab pos="911225" algn="l"/>
-                <a:tab pos="1825625" algn="l"/>
-                <a:tab pos="2740025" algn="l"/>
-                <a:tab pos="3654425" algn="l"/>
-                <a:tab pos="4568825" algn="l"/>
-                <a:tab pos="5483225" algn="l"/>
-                <a:tab pos="6397625" algn="l"/>
-                <a:tab pos="7312025" algn="l"/>
-                <a:tab pos="8226425" algn="l"/>
-                <a:tab pos="9140825" algn="l"/>
-                <a:tab pos="10055225" algn="l"/>
-              </a:tabLst>
-            </a:pPr>
-            <a:r>
-              <a:rPr lang="en-US" sz="2400" dirty="0" smtClean="0"/>
-              <a:t>Evaluate </a:t>
-            </a:r>
-            <a:r>
-              <a:rPr lang="en-US" sz="2400" i="1" dirty="0" smtClean="0"/>
-              <a:t>Q </a:t>
-            </a:r>
-            <a:r>
-              <a:rPr lang="en-US" sz="2400" dirty="0" smtClean="0"/>
-              <a:t>against </a:t>
-            </a:r>
-            <a:r>
-              <a:rPr lang="en-US" sz="2400" i="1" dirty="0" smtClean="0"/>
-              <a:t>P</a:t>
-            </a:r>
-            <a:r>
-              <a:rPr lang="en-US" sz="2400" dirty="0" smtClean="0"/>
-              <a:t> and </a:t>
-            </a:r>
-            <a:r>
-              <a:rPr lang="en-US" sz="2400" i="1" dirty="0" smtClean="0"/>
-              <a:t>Pm, </a:t>
-            </a:r>
-            <a:r>
-              <a:rPr lang="en-US" sz="2400" dirty="0" smtClean="0"/>
-              <a:t>respectively and find requests </a:t>
-            </a:r>
-            <a:r>
-              <a:rPr lang="en-US" sz="2400" i="1" dirty="0" err="1" smtClean="0"/>
-              <a:t>Q</a:t>
-            </a:r>
-            <a:r>
-              <a:rPr lang="en-US" sz="2400" i="1" baseline="-25000" dirty="0" err="1" smtClean="0"/>
-              <a:t>imp</a:t>
-            </a:r>
-            <a:r>
-              <a:rPr lang="en-US" sz="2400" i="1" baseline="-25000" dirty="0" smtClean="0"/>
-              <a:t> </a:t>
-            </a:r>
-            <a:r>
-              <a:rPr lang="en-US" sz="2400" dirty="0" smtClean="0"/>
-              <a:t>(</a:t>
-            </a:r>
-            <a:r>
-              <a:rPr lang="en-US" sz="2400" i="1" dirty="0" err="1" smtClean="0"/>
-              <a:t>Q</a:t>
-            </a:r>
-            <a:r>
-              <a:rPr lang="en-US" sz="2400" i="1" baseline="-25000" dirty="0" err="1" smtClean="0"/>
-              <a:t>imp</a:t>
-            </a:r>
-            <a:r>
-              <a:rPr lang="en-US" sz="2400" i="1" baseline="-25000" dirty="0" smtClean="0"/>
-              <a:t> </a:t>
-            </a:r>
-            <a:r>
-              <a:rPr lang="az-Cyrl-AZ" sz="2400" i="1" dirty="0" smtClean="0"/>
-              <a:t>Є</a:t>
-            </a:r>
-            <a:r>
-              <a:rPr lang="en-US" sz="2400" i="1" dirty="0" smtClean="0"/>
-              <a:t> Q) </a:t>
-            </a:r>
-            <a:r>
-              <a:rPr lang="en-US" sz="2400" dirty="0" smtClean="0"/>
-              <a:t>which expose different policy behaviors </a:t>
-            </a:r>
-          </a:p>
-          <a:p>
-            <a:pPr marL="914400" lvl="1" indent="-514350">
-              <a:lnSpc>
-                <a:spcPct val="100000"/>
-              </a:lnSpc>
-              <a:spcBef>
-                <a:spcPct val="0"/>
-              </a:spcBef>
-              <a:buFont typeface="+mj-lt"/>
-              <a:buAutoNum type="arabicPeriod"/>
-              <a:tabLst>
-                <a:tab pos="911225" algn="l"/>
-                <a:tab pos="1825625" algn="l"/>
-                <a:tab pos="2740025" algn="l"/>
-                <a:tab pos="3654425" algn="l"/>
-                <a:tab pos="4568825" algn="l"/>
-                <a:tab pos="5483225" algn="l"/>
-                <a:tab pos="6397625" algn="l"/>
-                <a:tab pos="7312025" algn="l"/>
-                <a:tab pos="8226425" algn="l"/>
-                <a:tab pos="9140825" algn="l"/>
-                <a:tab pos="10055225" algn="l"/>
-              </a:tabLst>
-            </a:pPr>
-            <a:r>
-              <a:rPr lang="en-US" sz="2400" dirty="0" smtClean="0"/>
-              <a:t>Correlate </a:t>
-            </a:r>
-            <a:r>
-              <a:rPr lang="en-US" sz="2400" i="1" dirty="0" err="1" smtClean="0"/>
-              <a:t>r</a:t>
-            </a:r>
-            <a:r>
-              <a:rPr lang="en-US" sz="2400" i="1" baseline="-25000" dirty="0" err="1" smtClean="0"/>
-              <a:t>i</a:t>
-            </a:r>
-            <a:r>
-              <a:rPr lang="en-US" sz="2400" dirty="0" smtClean="0"/>
-              <a:t> with system tests </a:t>
-            </a:r>
-            <a:r>
-              <a:rPr lang="en-US" sz="2400" i="1" dirty="0" err="1" smtClean="0"/>
-              <a:t>T</a:t>
-            </a:r>
-            <a:r>
-              <a:rPr lang="en-US" sz="2400" i="1" baseline="-25000" dirty="0" err="1" smtClean="0"/>
-              <a:t>imp</a:t>
-            </a:r>
-            <a:r>
-              <a:rPr lang="en-US" sz="2400" i="1" baseline="-25000" dirty="0" smtClean="0"/>
-              <a:t> </a:t>
-            </a:r>
-            <a:r>
-              <a:rPr lang="en-US" sz="2400" dirty="0" smtClean="0"/>
-              <a:t>(</a:t>
-            </a:r>
-            <a:r>
-              <a:rPr lang="en-US" sz="2400" i="1" dirty="0" err="1" smtClean="0"/>
-              <a:t>T</a:t>
-            </a:r>
-            <a:r>
-              <a:rPr lang="en-US" sz="2400" i="1" baseline="-25000" dirty="0" err="1" smtClean="0"/>
-              <a:t>imp</a:t>
-            </a:r>
-            <a:r>
-              <a:rPr lang="en-US" sz="2400" i="1" baseline="-25000" dirty="0" smtClean="0"/>
-              <a:t> </a:t>
-            </a:r>
-            <a:r>
-              <a:rPr lang="az-Cyrl-AZ" sz="2400" i="1" dirty="0" smtClean="0"/>
-              <a:t>Є</a:t>
-            </a:r>
-            <a:r>
-              <a:rPr lang="en-US" sz="2400" i="1" dirty="0" smtClean="0"/>
-              <a:t> T), which issue</a:t>
-            </a:r>
-            <a:r>
-              <a:rPr lang="en-US" sz="2400" dirty="0" smtClean="0"/>
-              <a:t> requests </a:t>
-            </a:r>
-            <a:r>
-              <a:rPr lang="en-US" sz="2400" i="1" dirty="0" err="1" smtClean="0"/>
-              <a:t>Q</a:t>
-            </a:r>
-            <a:r>
-              <a:rPr lang="en-US" sz="2400" i="1" baseline="-25000" dirty="0" err="1" smtClean="0"/>
-              <a:t>imp</a:t>
-            </a:r>
-            <a:endParaRPr lang="en-US" sz="2400" dirty="0" smtClean="0"/>
-          </a:p>
-          <a:p>
-            <a:pPr marL="914400" lvl="1" indent="-514350">
-              <a:lnSpc>
-                <a:spcPct val="100000"/>
-              </a:lnSpc>
-              <a:spcBef>
-                <a:spcPct val="0"/>
-              </a:spcBef>
-              <a:buFont typeface="+mj-lt"/>
-              <a:buAutoNum type="arabicPeriod"/>
-              <a:tabLst>
-                <a:tab pos="911225" algn="l"/>
-                <a:tab pos="1825625" algn="l"/>
-                <a:tab pos="2740025" algn="l"/>
-                <a:tab pos="3654425" algn="l"/>
-                <a:tab pos="4568825" algn="l"/>
-                <a:tab pos="5483225" algn="l"/>
-                <a:tab pos="6397625" algn="l"/>
-                <a:tab pos="7312025" algn="l"/>
-                <a:tab pos="8226425" algn="l"/>
-                <a:tab pos="9140825" algn="l"/>
-                <a:tab pos="10055225" algn="l"/>
-              </a:tabLst>
-            </a:pPr>
-            <a:r>
-              <a:rPr lang="en-US" sz="2400" dirty="0" smtClean="0"/>
-              <a:t>Continue until we find each rule’s correlated system test cases in turn</a:t>
+              <a:t>Coverage for security policies </a:t>
             </a:r>
           </a:p>
           <a:p>
@@ -9588,7 +9329,10 @@
                 <a:tab pos="10055225" algn="l"/>
               </a:tabLst>
             </a:pPr>
-            <a:endParaRPr lang="en-US" dirty="0" smtClean="0"/>
+            <a:r>
+              <a:rPr lang="en-US" dirty="0" smtClean="0"/>
+              <a:t>measure which rules of the policy are involved (called “covered”) in policy evaluation [Martin et al. WWW 07]</a:t>
+            </a:r>
           </a:p>
         </p:txBody>
       </p:sp>
@@ -9686,7 +9430,7 @@
             </a:pPr>
             <a:r>
               <a:rPr lang="en-US" dirty="0" smtClean="0"/>
-              <a:t>Test Selection Technique I - cont</a:t>
+              <a:t>Test Selection Technique I</a:t>
             </a:r>
             <a:endParaRPr lang="en-GB" altLang="ko-KR" dirty="0">
               <a:ea typeface="굴림" pitchFamily="50" charset="-127"/>
@@ -9707,7 +9451,7 @@
         <p:spPr>
           <a:xfrm>
             <a:off x="685800" y="1219200"/>
-            <a:ext cx="7861300" cy="4741940"/>
+            <a:ext cx="7861300" cy="5819158"/>
           </a:xfrm>
           <a:ln/>
         </p:spPr>
@@ -9717,7 +9461,7 @@
           </a:bodyPr>
           <a:lstStyle/>
           <a:p>
-            <a:pPr marL="742950" lvl="1" indent="-342900">
+            <a:pPr marL="342900" indent="-342900">
               <a:lnSpc>
                 <a:spcPct val="100000"/>
               </a:lnSpc>
@@ -9738,7 +9482,34 @@
                 <a:tab pos="10055225" algn="l"/>
               </a:tabLst>
             </a:pPr>
-            <a:endParaRPr lang="en-US" dirty="0" smtClean="0"/>
+            <a:r>
+              <a:rPr lang="en-US" sz="2400" dirty="0" smtClean="0"/>
+              <a:t>Find system test cases impacted for policy changes by mutation analysis</a:t>
+            </a:r>
+          </a:p>
+          <a:p>
+            <a:pPr marL="342900" indent="-342900">
+              <a:lnSpc>
+                <a:spcPct val="100000"/>
+              </a:lnSpc>
+              <a:spcBef>
+                <a:spcPct val="0"/>
+              </a:spcBef>
+              <a:tabLst>
+                <a:tab pos="911225" algn="l"/>
+                <a:tab pos="1825625" algn="l"/>
+                <a:tab pos="2740025" algn="l"/>
+                <a:tab pos="3654425" algn="l"/>
+                <a:tab pos="4568825" algn="l"/>
+                <a:tab pos="5483225" algn="l"/>
+                <a:tab pos="6397625" algn="l"/>
+                <a:tab pos="7312025" algn="l"/>
+                <a:tab pos="8226425" algn="l"/>
+                <a:tab pos="9140825" algn="l"/>
+                <a:tab pos="10055225" algn="l"/>
+              </a:tabLst>
+            </a:pPr>
+            <a:endParaRPr lang="en-US" sz="2400" dirty="0" smtClean="0"/>
           </a:p>
           <a:p>
             <a:pPr marL="342900" indent="-342900">
@@ -9765,7 +9536,11 @@
             </a:pPr>
             <a:r>
               <a:rPr lang="en-US" dirty="0" smtClean="0"/>
-              <a:t>[Test selection for policy changes]</a:t>
+              <a:t>	</a:t>
+            </a:r>
+            <a:r>
+              <a:rPr lang="en-US" sz="2800" dirty="0" smtClean="0"/>
+              <a:t>[Setup: rule-test correlation]</a:t>
             </a:r>
           </a:p>
           <a:p>
@@ -9793,16 +9568,40 @@
               </a:tabLst>
             </a:pPr>
             <a:r>
-              <a:rPr lang="en-US" dirty="0" smtClean="0"/>
-              <a:t>Find rules </a:t>
-            </a:r>
-            <a:r>
-              <a:rPr lang="en-US" i="1" dirty="0" smtClean="0"/>
-              <a:t>R</a:t>
-            </a:r>
-            <a:r>
-              <a:rPr lang="en-US" dirty="0" smtClean="0"/>
-              <a:t> impacted by policy changes</a:t>
+              <a:rPr lang="en-US" sz="2400" dirty="0" smtClean="0"/>
+              <a:t>Policy </a:t>
+            </a:r>
+            <a:r>
+              <a:rPr lang="en-US" sz="2400" i="1" dirty="0" smtClean="0"/>
+              <a:t>P</a:t>
+            </a:r>
+            <a:r>
+              <a:rPr lang="en-US" sz="2400" dirty="0" smtClean="0"/>
+              <a:t> and its mutant </a:t>
+            </a:r>
+            <a:r>
+              <a:rPr lang="en-US" sz="2400" i="1" dirty="0" smtClean="0"/>
+              <a:t>Pm</a:t>
+            </a:r>
+            <a:r>
+              <a:rPr lang="en-US" sz="2400" dirty="0" smtClean="0"/>
+              <a:t> by changing rule </a:t>
+            </a:r>
+            <a:r>
+              <a:rPr lang="en-US" sz="2400" i="1" dirty="0" err="1" smtClean="0"/>
+              <a:t>r</a:t>
+            </a:r>
+            <a:r>
+              <a:rPr lang="en-US" sz="2400" i="1" baseline="-25000" dirty="0" err="1" smtClean="0"/>
+              <a:t>i</a:t>
+            </a:r>
+            <a:r>
+              <a:rPr lang="en-US" sz="2400" dirty="0" err="1" smtClean="0"/>
+              <a:t>’s</a:t>
+            </a:r>
+            <a:r>
+              <a:rPr lang="en-US" sz="2400" dirty="0" smtClean="0"/>
+              <a:t> decision (e.g., Permit -&gt; Deny)</a:t>
             </a:r>
           </a:p>
           <a:p>
@@ -9830,36 +9629,33 @@
               </a:tabLst>
             </a:pPr>
             <a:r>
-              <a:rPr lang="en-US" dirty="0" smtClean="0"/>
-              <a:t>Select system test cases correlated with a rule </a:t>
-            </a:r>
-            <a:r>
-              <a:rPr lang="en-US" i="1" dirty="0" smtClean="0"/>
-              <a:t>r</a:t>
-            </a:r>
-            <a:r>
-              <a:rPr lang="en-US" i="1" baseline="-25000" dirty="0" smtClean="0"/>
-              <a:t> </a:t>
-            </a:r>
-            <a:r>
-              <a:rPr lang="az-Cyrl-AZ" i="1" dirty="0" smtClean="0"/>
-              <a:t>Є </a:t>
-            </a:r>
-            <a:r>
-              <a:rPr lang="en-US" i="1" dirty="0" smtClean="0"/>
-              <a:t>R</a:t>
-            </a:r>
-            <a:endParaRPr lang="en-US" dirty="0" smtClean="0"/>
-          </a:p>
-          <a:p>
-            <a:pPr marL="342900" indent="-342900">
+              <a:rPr lang="en-US" sz="2400" dirty="0" smtClean="0"/>
+              <a:t>Collect requests </a:t>
+            </a:r>
+            <a:r>
+              <a:rPr lang="en-US" sz="2400" i="1" dirty="0" smtClean="0"/>
+              <a:t>Q</a:t>
+            </a:r>
+            <a:r>
+              <a:rPr lang="en-US" sz="2400" dirty="0" smtClean="0"/>
+              <a:t> issued from system test cases </a:t>
+            </a:r>
+            <a:r>
+              <a:rPr lang="en-US" sz="2400" i="1" dirty="0" smtClean="0"/>
+              <a:t>T </a:t>
+            </a:r>
+            <a:endParaRPr lang="en-US" sz="2400" dirty="0" smtClean="0"/>
+          </a:p>
+          <a:p>
+            <a:pPr marL="914400" lvl="1" indent="-514350">
               <a:lnSpc>
                 <a:spcPct val="100000"/>
               </a:lnSpc>
               <a:spcBef>
                 <a:spcPct val="0"/>
               </a:spcBef>
-              <a:buNone/>
+              <a:buFont typeface="+mj-lt"/>
+              <a:buAutoNum type="arabicPeriod"/>
               <a:tabLst>
                 <a:tab pos="911225" algn="l"/>
                 <a:tab pos="1825625" algn="l"/>
@@ -9874,17 +9670,85 @@
                 <a:tab pos="10055225" algn="l"/>
               </a:tabLst>
             </a:pPr>
-            <a:endParaRPr lang="en-US" sz="2300" dirty="0" smtClean="0"/>
-          </a:p>
-          <a:p>
-            <a:pPr marL="342900" indent="-342900">
+            <a:r>
+              <a:rPr lang="en-US" sz="2400" dirty="0" smtClean="0"/>
+              <a:t>Evaluate </a:t>
+            </a:r>
+            <a:r>
+              <a:rPr lang="en-US" sz="2400" i="1" dirty="0" smtClean="0"/>
+              <a:t>Q </a:t>
+            </a:r>
+            <a:r>
+              <a:rPr lang="en-US" sz="2400" dirty="0" smtClean="0"/>
+              <a:t>against </a:t>
+            </a:r>
+            <a:r>
+              <a:rPr lang="en-US" sz="2400" i="1" dirty="0" smtClean="0"/>
+              <a:t>P</a:t>
+            </a:r>
+            <a:r>
+              <a:rPr lang="en-US" sz="2400" dirty="0" smtClean="0"/>
+              <a:t> and </a:t>
+            </a:r>
+            <a:r>
+              <a:rPr lang="en-US" sz="2400" i="1" dirty="0" smtClean="0"/>
+              <a:t>Pm, </a:t>
+            </a:r>
+            <a:r>
+              <a:rPr lang="en-US" sz="2400" dirty="0" smtClean="0"/>
+              <a:t>respectively and find requests </a:t>
+            </a:r>
+            <a:r>
+              <a:rPr lang="en-US" sz="2400" i="1" dirty="0" err="1" smtClean="0"/>
+              <a:t>Q</a:t>
+            </a:r>
+            <a:r>
+              <a:rPr lang="en-US" sz="2400" i="1" baseline="-25000" dirty="0" err="1" smtClean="0"/>
+              <a:t>imp</a:t>
+            </a:r>
+            <a:r>
+              <a:rPr lang="en-US" sz="2400" i="1" baseline="-25000" dirty="0" smtClean="0"/>
+              <a:t> </a:t>
+            </a:r>
+            <a:r>
+              <a:rPr lang="en-US" sz="2400" dirty="0" smtClean="0"/>
+              <a:t>(</a:t>
+            </a:r>
+            <a:r>
+              <a:rPr lang="en-US" sz="2400" i="1" dirty="0" err="1" smtClean="0"/>
+              <a:t>Q</a:t>
+            </a:r>
+            <a:r>
+              <a:rPr lang="en-US" sz="2400" i="1" baseline="-25000" dirty="0" err="1" smtClean="0"/>
+              <a:t>imp</a:t>
+            </a:r>
+            <a:r>
+              <a:rPr lang="en-US" sz="2400" i="1" baseline="-25000" dirty="0" smtClean="0"/>
+              <a:t> </a:t>
+            </a:r>
+            <a:r>
+              <a:rPr lang="az-Cyrl-AZ" sz="2400" i="1" dirty="0" smtClean="0"/>
+              <a:t>Є</a:t>
+            </a:r>
+            <a:r>
+              <a:rPr lang="en-US" sz="2400" i="1" dirty="0" smtClean="0"/>
+              <a:t> Q) </a:t>
+            </a:r>
+            <a:r>
+              <a:rPr lang="en-US" sz="2400" dirty="0" smtClean="0"/>
+              <a:t>which expose different policy behaviors </a:t>
+            </a:r>
+          </a:p>
+          <a:p>
+            <a:pPr marL="914400" lvl="1" indent="-514350">
               <a:lnSpc>
                 <a:spcPct val="100000"/>
               </a:lnSpc>
               <a:spcBef>
                 <a:spcPct val="0"/>
               </a:spcBef>
-              <a:buNone/>
+              <a:buFont typeface="+mj-lt"/>
+              <a:buAutoNum type="arabicPeriod"/>
               <a:tabLst>
                 <a:tab pos="911225" algn="l"/>
                 <a:tab pos="1825625" algn="l"/>
@@ -9899,17 +9763,82 @@
                 <a:tab pos="10055225" algn="l"/>
               </a:tabLst>
             </a:pPr>
-            <a:endParaRPr lang="en-US" sz="2300" dirty="0" smtClean="0"/>
-          </a:p>
-          <a:p>
-            <a:pPr marL="342900" indent="-342900">
+            <a:r>
+              <a:rPr lang="en-US" sz="2400" dirty="0" smtClean="0"/>
+              <a:t>Correlate </a:t>
+            </a:r>
+            <a:r>
+              <a:rPr lang="en-US" sz="2400" i="1" dirty="0" err="1" smtClean="0"/>
+              <a:t>r</a:t>
+            </a:r>
+            <a:r>
+              <a:rPr lang="en-US" sz="2400" i="1" baseline="-25000" dirty="0" err="1" smtClean="0"/>
+              <a:t>i</a:t>
+            </a:r>
+            <a:r>
+              <a:rPr lang="en-US" sz="2400" dirty="0" smtClean="0"/>
+              <a:t> with system tests </a:t>
+            </a:r>
+            <a:r>
+              <a:rPr lang="en-US" sz="2400" i="1" dirty="0" err="1" smtClean="0"/>
+              <a:t>T</a:t>
+            </a:r>
+            <a:r>
+              <a:rPr lang="en-US" sz="2400" i="1" baseline="-25000" dirty="0" err="1" smtClean="0"/>
+              <a:t>imp</a:t>
+            </a:r>
+            <a:r>
+              <a:rPr lang="en-US" sz="2400" i="1" baseline="-25000" dirty="0" smtClean="0"/>
+              <a:t> </a:t>
+            </a:r>
+            <a:r>
+              <a:rPr lang="en-US" sz="2400" dirty="0" smtClean="0"/>
+              <a:t>(</a:t>
+            </a:r>
+            <a:r>
+              <a:rPr lang="en-US" sz="2400" i="1" dirty="0" err="1" smtClean="0"/>
+              <a:t>T</a:t>
+            </a:r>
+            <a:r>
+              <a:rPr lang="en-US" sz="2400" i="1" baseline="-25000" dirty="0" err="1" smtClean="0"/>
+              <a:t>imp</a:t>
+            </a:r>
+            <a:r>
+              <a:rPr lang="en-US" sz="2400" i="1" baseline="-25000" dirty="0" smtClean="0"/>
+              <a:t> </a:t>
+            </a:r>
+            <a:r>
+              <a:rPr lang="az-Cyrl-AZ" sz="2400" i="1" dirty="0" smtClean="0"/>
+              <a:t>Є</a:t>
+            </a:r>
+            <a:r>
+              <a:rPr lang="en-US" sz="2400" i="1" dirty="0" smtClean="0"/>
+              <a:t> T), which issue</a:t>
+            </a:r>
+            <a:r>
+              <a:rPr lang="en-US" sz="2400" dirty="0" smtClean="0"/>
+              <a:t> requests </a:t>
+            </a:r>
+            <a:r>
+              <a:rPr lang="en-US" sz="2400" i="1" dirty="0" err="1" smtClean="0"/>
+              <a:t>Q</a:t>
+            </a:r>
+            <a:r>
+              <a:rPr lang="en-US" sz="2400" i="1" baseline="-25000" dirty="0" err="1" smtClean="0"/>
+              <a:t>imp</a:t>
+            </a:r>
+            <a:endParaRPr lang="en-US" sz="2400" dirty="0" smtClean="0"/>
+          </a:p>
+          <a:p>
+            <a:pPr marL="914400" lvl="1" indent="-514350">
               <a:lnSpc>
                 <a:spcPct val="100000"/>
               </a:lnSpc>
               <a:spcBef>
                 <a:spcPct val="0"/>
               </a:spcBef>
-              <a:buNone/>
+              <a:buFont typeface="+mj-lt"/>
+              <a:buAutoNum type="arabicPeriod"/>
               <a:tabLst>
                 <a:tab pos="911225" algn="l"/>
                 <a:tab pos="1825625" algn="l"/>
@@ -9925,41 +9854,33 @@
               </a:tabLst>
             </a:pPr>
             <a:r>
-              <a:rPr lang="en-US" sz="2800" dirty="0" smtClean="0"/>
-              <a:t>Cost: given </a:t>
-            </a:r>
-            <a:r>
-              <a:rPr lang="en-US" sz="2800" i="1" dirty="0" smtClean="0"/>
-              <a:t>n</a:t>
-            </a:r>
-            <a:r>
-              <a:rPr lang="en-US" sz="2800" dirty="0" smtClean="0"/>
-              <a:t> rules in </a:t>
-            </a:r>
-            <a:r>
-              <a:rPr lang="en-US" sz="2800" i="1" dirty="0" smtClean="0"/>
-              <a:t>P</a:t>
-            </a:r>
-            <a:r>
-              <a:rPr lang="en-US" sz="2800" dirty="0" smtClean="0"/>
-              <a:t> , we need to execute </a:t>
-            </a:r>
-            <a:r>
-              <a:rPr lang="en-US" sz="2800" i="1" dirty="0" smtClean="0"/>
-              <a:t>R</a:t>
-            </a:r>
-            <a:r>
-              <a:rPr lang="en-US" sz="2800" dirty="0" smtClean="0"/>
-              <a:t> for 2*</a:t>
-            </a:r>
-            <a:r>
-              <a:rPr lang="en-US" sz="2800" i="1" dirty="0" smtClean="0"/>
-              <a:t>n</a:t>
-            </a:r>
-            <a:r>
-              <a:rPr lang="en-US" sz="2800" dirty="0" smtClean="0"/>
-              <a:t> times. However, we are enabled to conduct setup process prior to encountering policy changes.</a:t>
-            </a:r>
+              <a:rPr lang="en-US" sz="2400" dirty="0" smtClean="0"/>
+              <a:t>Continue until we find each rule’s correlated system test cases in turn</a:t>
+            </a:r>
+          </a:p>
+          <a:p>
+            <a:pPr marL="742950" lvl="1" indent="-342900">
+              <a:lnSpc>
+                <a:spcPct val="100000"/>
+              </a:lnSpc>
+              <a:spcBef>
+                <a:spcPct val="0"/>
+              </a:spcBef>
+              <a:tabLst>
+                <a:tab pos="911225" algn="l"/>
+                <a:tab pos="1825625" algn="l"/>
+                <a:tab pos="2740025" algn="l"/>
+                <a:tab pos="3654425" algn="l"/>
+                <a:tab pos="4568825" algn="l"/>
+                <a:tab pos="5483225" algn="l"/>
+                <a:tab pos="6397625" algn="l"/>
+                <a:tab pos="7312025" algn="l"/>
+                <a:tab pos="8226425" algn="l"/>
+                <a:tab pos="9140825" algn="l"/>
+                <a:tab pos="10055225" algn="l"/>
+              </a:tabLst>
+            </a:pPr>
+            <a:endParaRPr lang="en-US" dirty="0" smtClean="0"/>
           </a:p>
         </p:txBody>
       </p:sp>
@@ -10057,7 +9978,7 @@
             </a:pPr>
             <a:r>
               <a:rPr lang="en-US" dirty="0" smtClean="0"/>
-              <a:t>Test Selection Technique II</a:t>
+              <a:t>Test Selection Technique I - cont</a:t>
             </a:r>
             <a:endParaRPr lang="en-GB" altLang="ko-KR" dirty="0">
               <a:ea typeface="굴림" pitchFamily="50" charset="-127"/>
@@ -10078,7 +9999,7 @@
         <p:spPr>
           <a:xfrm>
             <a:off x="685800" y="1219200"/>
-            <a:ext cx="7861300" cy="4649607"/>
+            <a:ext cx="7861300" cy="4741940"/>
           </a:xfrm>
           <a:ln/>
         </p:spPr>
@@ -10088,33 +10009,6 @@
           </a:bodyPr>
           <a:lstStyle/>
           <a:p>
-            <a:pPr marL="342900" indent="-342900">
-              <a:lnSpc>
-                <a:spcPct val="100000"/>
-              </a:lnSpc>
-              <a:spcBef>
-                <a:spcPct val="0"/>
-              </a:spcBef>
-              <a:tabLst>
-                <a:tab pos="911225" algn="l"/>
-                <a:tab pos="1825625" algn="l"/>
-                <a:tab pos="2740025" algn="l"/>
-                <a:tab pos="3654425" algn="l"/>
-                <a:tab pos="4568825" algn="l"/>
-                <a:tab pos="5483225" algn="l"/>
-                <a:tab pos="6397625" algn="l"/>
-                <a:tab pos="7312025" algn="l"/>
-                <a:tab pos="8226425" algn="l"/>
-                <a:tab pos="9140825" algn="l"/>
-                <a:tab pos="10055225" algn="l"/>
-              </a:tabLst>
-            </a:pPr>
-            <a:r>
-              <a:rPr lang="en-US" dirty="0" smtClean="0"/>
-              <a:t>Find system test cases impacted for policy changes by analyzing which rules are evaluated (i.e., covered)</a:t>
-            </a:r>
-          </a:p>
-          <a:p>
             <a:pPr marL="742950" lvl="1" indent="-342900">
               <a:lnSpc>
                 <a:spcPct val="100000"/>
@@ -10122,7 +10016,6 @@
               <a:spcBef>
                 <a:spcPct val="0"/>
               </a:spcBef>
-              <a:buNone/>
               <a:tabLst>
                 <a:tab pos="911225" algn="l"/>
                 <a:tab pos="1825625" algn="l"/>
@@ -10164,17 +10057,19 @@
             </a:pPr>
             <a:r>
               <a:rPr lang="en-US" dirty="0" smtClean="0"/>
-              <a:t>	[Setup: rule-test correlation]</a:t>
-            </a:r>
-          </a:p>
-          <a:p>
-            <a:pPr marL="742950" lvl="1" indent="-342900">
+              <a:t>[Test selection for policy changes]</a:t>
+            </a:r>
+          </a:p>
+          <a:p>
+            <a:pPr marL="914400" lvl="1" indent="-514350">
               <a:lnSpc>
                 <a:spcPct val="100000"/>
               </a:lnSpc>
               <a:spcBef>
                 <a:spcPct val="0"/>
               </a:spcBef>
+              <a:buFont typeface="+mj-lt"/>
+              <a:buAutoNum type="arabicPeriod"/>
               <a:tabLst>
                 <a:tab pos="911225" algn="l"/>
                 <a:tab pos="1825625" algn="l"/>
@@ -10191,22 +10086,27 @@
             </a:pPr>
             <a:r>
               <a:rPr lang="en-US" dirty="0" smtClean="0"/>
-              <a:t>Execute systems test cases </a:t>
+              <a:t>Find rules </a:t>
             </a:r>
             <a:r>
               <a:rPr lang="en-US" i="1" dirty="0" smtClean="0"/>
-              <a:t>T</a:t>
-            </a:r>
-            <a:endParaRPr lang="en-US" dirty="0" smtClean="0"/>
-          </a:p>
-          <a:p>
-            <a:pPr marL="742950" lvl="1" indent="-342900">
+              <a:t>R</a:t>
+            </a:r>
+            <a:r>
+              <a:rPr lang="en-US" dirty="0" smtClean="0"/>
+              <a:t> impacted by policy changes</a:t>
+            </a:r>
+          </a:p>
+          <a:p>
+            <a:pPr marL="914400" lvl="1" indent="-514350">
               <a:lnSpc>
                 <a:spcPct val="100000"/>
               </a:lnSpc>
               <a:spcBef>
                 <a:spcPct val="0"/>
               </a:spcBef>
+              <a:buFont typeface="+mj-lt"/>
+              <a:buAutoNum type="arabicPeriod"/>
               <a:tabLst>
                 <a:tab pos="911225" algn="l"/>
                 <a:tab pos="1825625" algn="l"/>
@@ -10223,34 +10123,35 @@
             </a:pPr>
             <a:r>
               <a:rPr lang="en-US" dirty="0" smtClean="0"/>
-              <a:t>Detect which rules </a:t>
-            </a:r>
-            <a:r>
-              <a:rPr lang="en-US" i="1" dirty="0" err="1" smtClean="0"/>
-              <a:t>rs</a:t>
-            </a:r>
-            <a:r>
-              <a:rPr lang="en-US" dirty="0" smtClean="0"/>
-              <a:t> are evaluated for each system test case </a:t>
-            </a:r>
-            <a:r>
-              <a:rPr lang="en-US" i="1" dirty="0" err="1" smtClean="0"/>
-              <a:t>T</a:t>
-            </a:r>
-            <a:r>
-              <a:rPr lang="en-US" i="1" baseline="-25000" dirty="0" err="1" smtClean="0"/>
-              <a:t>imp</a:t>
+              <a:t>Select system test cases correlated with a rule </a:t>
+            </a:r>
+            <a:r>
+              <a:rPr lang="en-US" i="1" dirty="0" smtClean="0"/>
+              <a:t>r</a:t>
+            </a:r>
+            <a:r>
+              <a:rPr lang="en-US" i="1" baseline="-25000" dirty="0" smtClean="0"/>
+              <a:t> </a:t>
+            </a:r>
+            <a:r>
+              <a:rPr lang="az-Cyrl-AZ" i="1" dirty="0" smtClean="0"/>
+              <a:t>Є </a:t>
+            </a:r>
+            <a:r>
+              <a:rPr lang="en-US" i="1" dirty="0" smtClean="0"/>
+              <a:t>R</a:t>
             </a:r>
             <a:endParaRPr lang="en-US" dirty="0" smtClean="0"/>
           </a:p>
           <a:p>
-            <a:pPr marL="742950" lvl="1" indent="-342900">
+            <a:pPr marL="342900" indent="-342900">
               <a:lnSpc>
                 <a:spcPct val="100000"/>
               </a:lnSpc>
               <a:spcBef>
                 <a:spcPct val="0"/>
               </a:spcBef>
+              <a:buNone/>
               <a:tabLst>
                 <a:tab pos="911225" algn="l"/>
                 <a:tab pos="1825625" algn="l"/>
@@ -10265,17 +10166,91 @@
                 <a:tab pos="10055225" algn="l"/>
               </a:tabLst>
             </a:pPr>
-            <a:r>
-              <a:rPr lang="en-US" dirty="0" smtClean="0"/>
-              <a:t>Correlate a rule </a:t>
-            </a:r>
-            <a:r>
-              <a:rPr lang="en-US" i="1" dirty="0" smtClean="0"/>
-              <a:t>r</a:t>
-            </a:r>
-            <a:r>
-              <a:rPr lang="en-US" dirty="0" smtClean="0"/>
-              <a:t> with its corresponding system test cases</a:t>
+            <a:endParaRPr lang="en-US" sz="2300" dirty="0" smtClean="0"/>
+          </a:p>
+          <a:p>
+            <a:pPr marL="342900" indent="-342900">
+              <a:lnSpc>
+                <a:spcPct val="100000"/>
+              </a:lnSpc>
+              <a:spcBef>
+                <a:spcPct val="0"/>
+              </a:spcBef>
+              <a:buNone/>
+              <a:tabLst>
+                <a:tab pos="911225" algn="l"/>
+                <a:tab pos="1825625" algn="l"/>
+                <a:tab pos="2740025" algn="l"/>
+                <a:tab pos="3654425" algn="l"/>
+                <a:tab pos="4568825" algn="l"/>
+                <a:tab pos="5483225" algn="l"/>
+                <a:tab pos="6397625" algn="l"/>
+                <a:tab pos="7312025" algn="l"/>
+                <a:tab pos="8226425" algn="l"/>
+                <a:tab pos="9140825" algn="l"/>
+                <a:tab pos="10055225" algn="l"/>
+              </a:tabLst>
+            </a:pPr>
+            <a:endParaRPr lang="en-US" sz="2300" dirty="0" smtClean="0"/>
+          </a:p>
+          <a:p>
+            <a:pPr marL="342900" indent="-342900">
+              <a:lnSpc>
+                <a:spcPct val="100000"/>
+              </a:lnSpc>
+              <a:spcBef>
+                <a:spcPct val="0"/>
+              </a:spcBef>
+              <a:buNone/>
+              <a:tabLst>
+                <a:tab pos="911225" algn="l"/>
+                <a:tab pos="1825625" algn="l"/>
+                <a:tab pos="2740025" algn="l"/>
+                <a:tab pos="3654425" algn="l"/>
+                <a:tab pos="4568825" algn="l"/>
+                <a:tab pos="5483225" algn="l"/>
+                <a:tab pos="6397625" algn="l"/>
+                <a:tab pos="7312025" algn="l"/>
+                <a:tab pos="8226425" algn="l"/>
+                <a:tab pos="9140825" algn="l"/>
+                <a:tab pos="10055225" algn="l"/>
+              </a:tabLst>
+            </a:pPr>
+            <a:r>
+              <a:rPr lang="en-US" sz="2800" dirty="0" smtClean="0"/>
+              <a:t>Cost: given </a:t>
+            </a:r>
+            <a:r>
+              <a:rPr lang="en-US" sz="2800" i="1" dirty="0" smtClean="0"/>
+              <a:t>n</a:t>
+            </a:r>
+            <a:r>
+              <a:rPr lang="en-US" sz="2800" dirty="0" smtClean="0"/>
+              <a:t> rules in </a:t>
+            </a:r>
+            <a:r>
+              <a:rPr lang="en-US" sz="2800" i="1" dirty="0" smtClean="0"/>
+              <a:t>P</a:t>
+            </a:r>
+            <a:r>
+              <a:rPr lang="en-US" sz="2800" dirty="0" smtClean="0"/>
+              <a:t> , we need to execute </a:t>
+            </a:r>
+            <a:r>
+              <a:rPr lang="en-US" sz="2800" i="1" dirty="0" smtClean="0"/>
+              <a:t>R</a:t>
+            </a:r>
+            <a:r>
+              <a:rPr lang="en-US" sz="2800" dirty="0" smtClean="0"/>
+              <a:t> for 2*</a:t>
+            </a:r>
+            <a:r>
+              <a:rPr lang="en-US" sz="2800" i="1" dirty="0" smtClean="0"/>
+              <a:t>n</a:t>
+            </a:r>
+            <a:r>
+              <a:rPr lang="en-US" sz="2800" dirty="0" smtClean="0"/>
+              <a:t> times. However, we are enabled to conduct setup process prior to encountering policy changes.</a:t>
             </a:r>
           </a:p>
         </p:txBody>
@@ -10395,7 +10370,7 @@
         <p:spPr>
           <a:xfrm>
             <a:off x="685800" y="1219200"/>
-            <a:ext cx="7861300" cy="4311053"/>
+            <a:ext cx="7861300" cy="4649607"/>
           </a:xfrm>
           <a:ln/>
         </p:spPr>
@@ -10404,6 +10379,58 @@
             <a:spAutoFit/>
           </a:bodyPr>
           <a:lstStyle/>
+          <a:p>
+            <a:pPr marL="342900" indent="-342900">
+              <a:lnSpc>
+                <a:spcPct val="100000"/>
+              </a:lnSpc>
+              <a:spcBef>
+                <a:spcPct val="0"/>
+              </a:spcBef>
+              <a:tabLst>
+                <a:tab pos="911225" algn="l"/>
+                <a:tab pos="1825625" algn="l"/>
+                <a:tab pos="2740025" algn="l"/>
+                <a:tab pos="3654425" algn="l"/>
+                <a:tab pos="4568825" algn="l"/>
+                <a:tab pos="5483225" algn="l"/>
+                <a:tab pos="6397625" algn="l"/>
+                <a:tab pos="7312025" algn="l"/>
+                <a:tab pos="8226425" algn="l"/>
+                <a:tab pos="9140825" algn="l"/>
+                <a:tab pos="10055225" algn="l"/>
+              </a:tabLst>
+            </a:pPr>
+            <a:r>
+              <a:rPr lang="en-US" dirty="0" smtClean="0"/>
+              <a:t>Find system test cases impacted for policy changes by analyzing which rules are evaluated (i.e., covered)</a:t>
+            </a:r>
+          </a:p>
+          <a:p>
+            <a:pPr marL="742950" lvl="1" indent="-342900">
+              <a:lnSpc>
+                <a:spcPct val="100000"/>
+              </a:lnSpc>
+              <a:spcBef>
+                <a:spcPct val="0"/>
+              </a:spcBef>
+              <a:buNone/>
+              <a:tabLst>
+                <a:tab pos="911225" algn="l"/>
+                <a:tab pos="1825625" algn="l"/>
+                <a:tab pos="2740025" algn="l"/>
+                <a:tab pos="3654425" algn="l"/>
+                <a:tab pos="4568825" algn="l"/>
+                <a:tab pos="5483225" algn="l"/>
+                <a:tab pos="6397625" algn="l"/>
+                <a:tab pos="7312025" algn="l"/>
+                <a:tab pos="8226425" algn="l"/>
+                <a:tab pos="9140825" algn="l"/>
+                <a:tab pos="10055225" algn="l"/>
+              </a:tabLst>
+            </a:pPr>
+            <a:endParaRPr lang="en-US" dirty="0" smtClean="0"/>
+          </a:p>
           <a:p>
             <a:pPr marL="342900" indent="-342900">
               <a:lnSpc>
@@ -10429,19 +10456,17 @@
             </a:pPr>
             <a:r>
               <a:rPr lang="en-US" dirty="0" smtClean="0"/>
-              <a:t>[Test selection for policy changes]</a:t>
-            </a:r>
-          </a:p>
-          <a:p>
-            <a:pPr marL="914400" lvl="1" indent="-514350">
+              <a:t>	[Setup: rule-test correlation]</a:t>
+            </a:r>
+          </a:p>
+          <a:p>
+            <a:pPr marL="742950" lvl="1" indent="-342900">
               <a:lnSpc>
                 <a:spcPct val="100000"/>
               </a:lnSpc>
               <a:spcBef>
                 <a:spcPct val="0"/>
               </a:spcBef>
-              <a:buFont typeface="+mj-lt"/>
-              <a:buAutoNum type="arabicPeriod"/>
               <a:tabLst>
                 <a:tab pos="911225" algn="l"/>
                 <a:tab pos="1825625" algn="l"/>
@@ -10458,27 +10483,22 @@
             </a:pPr>
             <a:r>
               <a:rPr lang="en-US" dirty="0" smtClean="0"/>
-              <a:t>Find rules </a:t>
+              <a:t>Execute systems test cases </a:t>
             </a:r>
             <a:r>
               <a:rPr lang="en-US" i="1" dirty="0" smtClean="0"/>
-              <a:t>R</a:t>
-            </a:r>
-            <a:r>
-              <a:rPr lang="en-US" dirty="0" smtClean="0"/>
-              <a:t> impacted by policy changes</a:t>
-            </a:r>
-          </a:p>
-          <a:p>
-            <a:pPr marL="914400" lvl="1" indent="-514350">
+              <a:t>T</a:t>
+            </a:r>
+            <a:endParaRPr lang="en-US" dirty="0" smtClean="0"/>
+          </a:p>
+          <a:p>
+            <a:pPr marL="742950" lvl="1" indent="-342900">
               <a:lnSpc>
                 <a:spcPct val="100000"/>
               </a:lnSpc>
               <a:spcBef>
                 <a:spcPct val="0"/>
               </a:spcBef>
-              <a:buFont typeface="+mj-lt"/>
-              <a:buAutoNum type="arabicPeriod"/>
               <a:tabLst>
                 <a:tab pos="911225" algn="l"/>
                 <a:tab pos="1825625" algn="l"/>
@@ -10495,35 +10515,34 @@
             </a:pPr>
             <a:r>
               <a:rPr lang="en-US" dirty="0" smtClean="0"/>
-              <a:t>Select system test cases correlated with a rule </a:t>
-            </a:r>
-            <a:r>
-              <a:rPr lang="en-US" i="1" dirty="0" smtClean="0"/>
-              <a:t>r</a:t>
-            </a:r>
-            <a:r>
-              <a:rPr lang="en-US" i="1" baseline="-25000" dirty="0" smtClean="0"/>
-              <a:t> </a:t>
-            </a:r>
-            <a:r>
-              <a:rPr lang="az-Cyrl-AZ" i="1" dirty="0" smtClean="0"/>
-              <a:t>Є </a:t>
-            </a:r>
-            <a:r>
-              <a:rPr lang="en-US" i="1" dirty="0" smtClean="0"/>
-              <a:t>R</a:t>
+              <a:t>Detect which rules </a:t>
+            </a:r>
+            <a:r>
+              <a:rPr lang="en-US" i="1" dirty="0" err="1" smtClean="0"/>
+              <a:t>rs</a:t>
+            </a:r>
+            <a:r>
+              <a:rPr lang="en-US" dirty="0" smtClean="0"/>
+              <a:t> are evaluated for each system test case </a:t>
+            </a:r>
+            <a:r>
+              <a:rPr lang="en-US" i="1" dirty="0" err="1" smtClean="0"/>
+              <a:t>T</a:t>
+            </a:r>
+            <a:r>
+              <a:rPr lang="en-US" i="1" baseline="-25000" dirty="0" err="1" smtClean="0"/>
+              <a:t>imp</a:t>
             </a:r>
             <a:endParaRPr lang="en-US" dirty="0" smtClean="0"/>
           </a:p>
           <a:p>
-            <a:pPr marL="342900" indent="-342900">
+            <a:pPr marL="742950" lvl="1" indent="-342900">
               <a:lnSpc>
                 <a:spcPct val="100000"/>
               </a:lnSpc>
               <a:spcBef>
                 <a:spcPct val="0"/>
               </a:spcBef>
-              <a:buNone/>
               <a:tabLst>
                 <a:tab pos="911225" algn="l"/>
                 <a:tab pos="1825625" algn="l"/>
@@ -10538,83 +10557,17 @@
                 <a:tab pos="10055225" algn="l"/>
               </a:tabLst>
             </a:pPr>
-            <a:endParaRPr lang="en-US" sz="2300" dirty="0" smtClean="0"/>
-          </a:p>
-          <a:p>
-            <a:pPr marL="342900" indent="-342900">
-              <a:lnSpc>
-                <a:spcPct val="100000"/>
-              </a:lnSpc>
-              <a:spcBef>
-                <a:spcPct val="0"/>
-              </a:spcBef>
-              <a:buNone/>
-              <a:tabLst>
-                <a:tab pos="911225" algn="l"/>
-                <a:tab pos="1825625" algn="l"/>
-                <a:tab pos="2740025" algn="l"/>
-                <a:tab pos="3654425" algn="l"/>
-                <a:tab pos="4568825" algn="l"/>
-                <a:tab pos="5483225" algn="l"/>
-                <a:tab pos="6397625" algn="l"/>
-                <a:tab pos="7312025" algn="l"/>
-                <a:tab pos="8226425" algn="l"/>
-                <a:tab pos="9140825" algn="l"/>
-                <a:tab pos="10055225" algn="l"/>
-              </a:tabLst>
-            </a:pPr>
-            <a:endParaRPr lang="en-US" sz="2300" dirty="0" smtClean="0"/>
-          </a:p>
-          <a:p>
-            <a:pPr marL="342900" indent="-342900">
-              <a:lnSpc>
-                <a:spcPct val="100000"/>
-              </a:lnSpc>
-              <a:spcBef>
-                <a:spcPct val="0"/>
-              </a:spcBef>
-              <a:buNone/>
-              <a:tabLst>
-                <a:tab pos="911225" algn="l"/>
-                <a:tab pos="1825625" algn="l"/>
-                <a:tab pos="2740025" algn="l"/>
-                <a:tab pos="3654425" algn="l"/>
-                <a:tab pos="4568825" algn="l"/>
-                <a:tab pos="5483225" algn="l"/>
-                <a:tab pos="6397625" algn="l"/>
-                <a:tab pos="7312025" algn="l"/>
-                <a:tab pos="8226425" algn="l"/>
-                <a:tab pos="9140825" algn="l"/>
-                <a:tab pos="10055225" algn="l"/>
-              </a:tabLst>
-            </a:pPr>
-            <a:r>
-              <a:rPr lang="en-US" sz="2800" dirty="0" smtClean="0"/>
-              <a:t>Cost: given </a:t>
-            </a:r>
-            <a:r>
-              <a:rPr lang="en-US" sz="2800" i="1" dirty="0" smtClean="0"/>
-              <a:t>n</a:t>
-            </a:r>
-            <a:r>
-              <a:rPr lang="en-US" sz="2800" dirty="0" smtClean="0"/>
-              <a:t> rules in </a:t>
-            </a:r>
-            <a:r>
-              <a:rPr lang="en-US" sz="2800" i="1" dirty="0" smtClean="0"/>
-              <a:t>P</a:t>
-            </a:r>
-            <a:r>
-              <a:rPr lang="en-US" sz="2800" dirty="0" smtClean="0"/>
-              <a:t> , we need to execute </a:t>
-            </a:r>
-            <a:r>
-              <a:rPr lang="en-US" sz="2800" i="1" dirty="0" smtClean="0"/>
-              <a:t>T</a:t>
-            </a:r>
-            <a:r>
-              <a:rPr lang="en-US" sz="2800" dirty="0" smtClean="0"/>
-              <a:t> once. However, we are enabled to conduct setup process prior to encountering policy changes.</a:t>
+            <a:r>
+              <a:rPr lang="en-US" dirty="0" smtClean="0"/>
+              <a:t>Correlate a rule </a:t>
+            </a:r>
+            <a:r>
+              <a:rPr lang="en-US" i="1" dirty="0" smtClean="0"/>
+              <a:t>r</a:t>
+            </a:r>
+            <a:r>
+              <a:rPr lang="en-US" dirty="0" smtClean="0"/>
+              <a:t> with its corresponding system test cases</a:t>
             </a:r>
           </a:p>
         </p:txBody>
@@ -10713,7 +10666,7 @@
             </a:pPr>
             <a:r>
               <a:rPr lang="en-US" dirty="0" smtClean="0"/>
-              <a:t>Test Selection Techniques III</a:t>
+              <a:t>Test Selection Technique II</a:t>
             </a:r>
             <a:endParaRPr lang="en-GB" altLang="ko-KR" dirty="0">
               <a:ea typeface="굴림" pitchFamily="50" charset="-127"/>
@@ -10733,8 +10686,8 @@
         </p:nvSpPr>
         <p:spPr>
           <a:xfrm>
-            <a:off x="685800" y="1295400"/>
-            <a:ext cx="7861300" cy="4218720"/>
+            <a:off x="685800" y="1219200"/>
+            <a:ext cx="7861300" cy="4311053"/>
           </a:xfrm>
           <a:ln/>
         </p:spPr>
@@ -10743,57 +10696,6 @@
             <a:spAutoFit/>
           </a:bodyPr>
           <a:lstStyle/>
-          <a:p>
-            <a:pPr marL="342900" indent="-342900">
-              <a:lnSpc>
-                <a:spcPct val="100000"/>
-              </a:lnSpc>
-              <a:spcBef>
-                <a:spcPct val="0"/>
-              </a:spcBef>
-              <a:tabLst>
-                <a:tab pos="911225" algn="l"/>
-                <a:tab pos="1825625" algn="l"/>
-                <a:tab pos="2740025" algn="l"/>
-                <a:tab pos="3654425" algn="l"/>
-                <a:tab pos="4568825" algn="l"/>
-                <a:tab pos="5483225" algn="l"/>
-                <a:tab pos="6397625" algn="l"/>
-                <a:tab pos="7312025" algn="l"/>
-                <a:tab pos="8226425" algn="l"/>
-                <a:tab pos="9140825" algn="l"/>
-                <a:tab pos="10055225" algn="l"/>
-              </a:tabLst>
-            </a:pPr>
-            <a:r>
-              <a:rPr lang="en-US" dirty="0" smtClean="0"/>
-              <a:t>Find system test cases impacted for policy changes by recording and evaluating requests</a:t>
-            </a:r>
-          </a:p>
-          <a:p>
-            <a:pPr marL="742950" lvl="1" indent="-342900">
-              <a:lnSpc>
-                <a:spcPct val="100000"/>
-              </a:lnSpc>
-              <a:spcBef>
-                <a:spcPct val="0"/>
-              </a:spcBef>
-              <a:tabLst>
-                <a:tab pos="911225" algn="l"/>
-                <a:tab pos="1825625" algn="l"/>
-                <a:tab pos="2740025" algn="l"/>
-                <a:tab pos="3654425" algn="l"/>
-                <a:tab pos="4568825" algn="l"/>
-                <a:tab pos="5483225" algn="l"/>
-                <a:tab pos="6397625" algn="l"/>
-                <a:tab pos="7312025" algn="l"/>
-                <a:tab pos="8226425" algn="l"/>
-                <a:tab pos="9140825" algn="l"/>
-                <a:tab pos="10055225" algn="l"/>
-              </a:tabLst>
-            </a:pPr>
-            <a:endParaRPr lang="en-US" sz="2400" dirty="0" smtClean="0"/>
-          </a:p>
           <a:p>
             <a:pPr marL="342900" indent="-342900">
               <a:lnSpc>
@@ -10819,7 +10721,7 @@
             </a:pPr>
             <a:r>
               <a:rPr lang="en-US" dirty="0" smtClean="0"/>
-              <a:t>[Setup: request collection]</a:t>
+              <a:t>[Test selection for policy changes]</a:t>
             </a:r>
           </a:p>
           <a:p>
@@ -10848,18 +10750,27 @@
             </a:pPr>
             <a:r>
               <a:rPr lang="en-US" dirty="0" smtClean="0"/>
-              <a:t>Record all requests issued to policy decision point (PDP) for each system test case</a:t>
-            </a:r>
-            <a:endParaRPr lang="en-US" sz="2400" dirty="0" smtClean="0"/>
-          </a:p>
-          <a:p>
-            <a:pPr marL="342900" indent="-342900">
+              <a:t>Find rules </a:t>
+            </a:r>
+            <a:r>
+              <a:rPr lang="en-US" i="1" dirty="0" smtClean="0"/>
+              <a:t>R</a:t>
+            </a:r>
+            <a:r>
+              <a:rPr lang="en-US" dirty="0" smtClean="0"/>
+              <a:t> impacted by policy changes</a:t>
+            </a:r>
+          </a:p>
+          <a:p>
+            <a:pPr marL="914400" lvl="1" indent="-514350">
               <a:lnSpc>
                 <a:spcPct val="100000"/>
               </a:lnSpc>
               <a:spcBef>
                 <a:spcPct val="0"/>
               </a:spcBef>
+              <a:buFont typeface="+mj-lt"/>
+              <a:buAutoNum type="arabicPeriod"/>
               <a:tabLst>
                 <a:tab pos="911225" algn="l"/>
                 <a:tab pos="1825625" algn="l"/>
@@ -10874,7 +10785,129 @@
                 <a:tab pos="10055225" algn="l"/>
               </a:tabLst>
             </a:pPr>
+            <a:r>
+              <a:rPr lang="en-US" dirty="0" smtClean="0"/>
+              <a:t>Select system test cases correlated with a rule </a:t>
+            </a:r>
+            <a:r>
+              <a:rPr lang="en-US" i="1" dirty="0" smtClean="0"/>
+              <a:t>r</a:t>
+            </a:r>
+            <a:r>
+              <a:rPr lang="en-US" i="1" baseline="-25000" dirty="0" smtClean="0"/>
+              <a:t> </a:t>
+            </a:r>
+            <a:r>
+              <a:rPr lang="az-Cyrl-AZ" i="1" dirty="0" smtClean="0"/>
+              <a:t>Є </a:t>
+            </a:r>
+            <a:r>
+              <a:rPr lang="en-US" i="1" dirty="0" smtClean="0"/>
+              <a:t>R</a:t>
+            </a:r>
             <a:endParaRPr lang="en-US" dirty="0" smtClean="0"/>
+          </a:p>
+          <a:p>
+            <a:pPr marL="342900" indent="-342900">
+              <a:lnSpc>
+                <a:spcPct val="100000"/>
+              </a:lnSpc>
+              <a:spcBef>
+                <a:spcPct val="0"/>
+              </a:spcBef>
+              <a:buNone/>
+              <a:tabLst>
+                <a:tab pos="911225" algn="l"/>
+                <a:tab pos="1825625" algn="l"/>
+                <a:tab pos="2740025" algn="l"/>
+                <a:tab pos="3654425" algn="l"/>
+                <a:tab pos="4568825" algn="l"/>
+                <a:tab pos="5483225" algn="l"/>
+                <a:tab pos="6397625" algn="l"/>
+                <a:tab pos="7312025" algn="l"/>
+                <a:tab pos="8226425" algn="l"/>
+                <a:tab pos="9140825" algn="l"/>
+                <a:tab pos="10055225" algn="l"/>
+              </a:tabLst>
+            </a:pPr>
+            <a:endParaRPr lang="en-US" sz="2300" dirty="0" smtClean="0"/>
+          </a:p>
+          <a:p>
+            <a:pPr marL="342900" indent="-342900">
+              <a:lnSpc>
+                <a:spcPct val="100000"/>
+              </a:lnSpc>
+              <a:spcBef>
+                <a:spcPct val="0"/>
+              </a:spcBef>
+              <a:buNone/>
+              <a:tabLst>
+                <a:tab pos="911225" algn="l"/>
+                <a:tab pos="1825625" algn="l"/>
+                <a:tab pos="2740025" algn="l"/>
+                <a:tab pos="3654425" algn="l"/>
+                <a:tab pos="4568825" algn="l"/>
+                <a:tab pos="5483225" algn="l"/>
+                <a:tab pos="6397625" algn="l"/>
+                <a:tab pos="7312025" algn="l"/>
+                <a:tab pos="8226425" algn="l"/>
+                <a:tab pos="9140825" algn="l"/>
+                <a:tab pos="10055225" algn="l"/>
+              </a:tabLst>
+            </a:pPr>
+            <a:endParaRPr lang="en-US" sz="2300" dirty="0" smtClean="0"/>
+          </a:p>
+          <a:p>
+            <a:pPr marL="342900" indent="-342900">
+              <a:lnSpc>
+                <a:spcPct val="100000"/>
+              </a:lnSpc>
+              <a:spcBef>
+                <a:spcPct val="0"/>
+              </a:spcBef>
+              <a:buNone/>
+              <a:tabLst>
+                <a:tab pos="911225" algn="l"/>
+                <a:tab pos="1825625" algn="l"/>
+                <a:tab pos="2740025" algn="l"/>
+                <a:tab pos="3654425" algn="l"/>
+                <a:tab pos="4568825" algn="l"/>
+                <a:tab pos="5483225" algn="l"/>
+                <a:tab pos="6397625" algn="l"/>
+                <a:tab pos="7312025" algn="l"/>
+                <a:tab pos="8226425" algn="l"/>
+                <a:tab pos="9140825" algn="l"/>
+                <a:tab pos="10055225" algn="l"/>
+              </a:tabLst>
+            </a:pPr>
+            <a:r>
+              <a:rPr lang="en-US" sz="2800" dirty="0" smtClean="0"/>
+              <a:t>Cost: given </a:t>
+            </a:r>
+            <a:r>
+              <a:rPr lang="en-US" sz="2800" i="1" dirty="0" smtClean="0"/>
+              <a:t>n</a:t>
+            </a:r>
+            <a:r>
+              <a:rPr lang="en-US" sz="2800" dirty="0" smtClean="0"/>
+              <a:t> rules in </a:t>
+            </a:r>
+            <a:r>
+              <a:rPr lang="en-US" sz="2800" i="1" dirty="0" smtClean="0"/>
+              <a:t>P</a:t>
+            </a:r>
+            <a:r>
+              <a:rPr lang="en-US" sz="2800" dirty="0" smtClean="0"/>
+              <a:t> , we need to execute </a:t>
+            </a:r>
+            <a:r>
+              <a:rPr lang="en-US" sz="2800" i="1" dirty="0" smtClean="0"/>
+              <a:t>T</a:t>
+            </a:r>
+            <a:r>
+              <a:rPr lang="en-US" sz="2800" dirty="0" smtClean="0"/>
+              <a:t> once. However, we are enabled to conduct setup process prior to encountering policy changes.</a:t>
+            </a:r>
           </a:p>
         </p:txBody>
       </p:sp>
@@ -10972,7 +11005,7 @@
             </a:pPr>
             <a:r>
               <a:rPr lang="en-US" dirty="0" smtClean="0"/>
-              <a:t>Test Selection Techniques III - cont</a:t>
+              <a:t>Test Selection Techniques III</a:t>
             </a:r>
             <a:endParaRPr lang="en-GB" altLang="ko-KR" dirty="0">
               <a:ea typeface="굴림" pitchFamily="50" charset="-127"/>
@@ -10993,7 +11026,7 @@
         <p:spPr>
           <a:xfrm>
             <a:off x="685800" y="1295400"/>
-            <a:ext cx="7861300" cy="5326716"/>
+            <a:ext cx="7861300" cy="4218720"/>
           </a:xfrm>
           <a:ln/>
         </p:spPr>
@@ -11002,6 +11035,57 @@
             <a:spAutoFit/>
           </a:bodyPr>
           <a:lstStyle/>
+          <a:p>
+            <a:pPr marL="342900" indent="-342900">
+              <a:lnSpc>
+                <a:spcPct val="100000"/>
+              </a:lnSpc>
+              <a:spcBef>
+                <a:spcPct val="0"/>
+              </a:spcBef>
+              <a:tabLst>
+                <a:tab pos="911225" algn="l"/>
+                <a:tab pos="1825625" algn="l"/>
+                <a:tab pos="2740025" algn="l"/>
+                <a:tab pos="3654425" algn="l"/>
+                <a:tab pos="4568825" algn="l"/>
+                <a:tab pos="5483225" algn="l"/>
+                <a:tab pos="6397625" algn="l"/>
+                <a:tab pos="7312025" algn="l"/>
+                <a:tab pos="8226425" algn="l"/>
+                <a:tab pos="9140825" algn="l"/>
+                <a:tab pos="10055225" algn="l"/>
+              </a:tabLst>
+            </a:pPr>
+            <a:r>
+              <a:rPr lang="en-US" dirty="0" smtClean="0"/>
+              <a:t>Find system test cases impacted for policy changes by recording and evaluating requests</a:t>
+            </a:r>
+          </a:p>
+          <a:p>
+            <a:pPr marL="742950" lvl="1" indent="-342900">
+              <a:lnSpc>
+                <a:spcPct val="100000"/>
+              </a:lnSpc>
+              <a:spcBef>
+                <a:spcPct val="0"/>
+              </a:spcBef>
+              <a:tabLst>
+                <a:tab pos="911225" algn="l"/>
+                <a:tab pos="1825625" algn="l"/>
+                <a:tab pos="2740025" algn="l"/>
+                <a:tab pos="3654425" algn="l"/>
+                <a:tab pos="4568825" algn="l"/>
+                <a:tab pos="5483225" algn="l"/>
+                <a:tab pos="6397625" algn="l"/>
+                <a:tab pos="7312025" algn="l"/>
+                <a:tab pos="8226425" algn="l"/>
+                <a:tab pos="9140825" algn="l"/>
+                <a:tab pos="10055225" algn="l"/>
+              </a:tabLst>
+            </a:pPr>
+            <a:endParaRPr lang="en-US" sz="2400" dirty="0" smtClean="0"/>
+          </a:p>
           <a:p>
             <a:pPr marL="342900" indent="-342900">
               <a:lnSpc>
@@ -11025,36 +11109,10 @@
                 <a:tab pos="10055225" algn="l"/>
               </a:tabLst>
             </a:pPr>
-            <a:endParaRPr lang="en-US" dirty="0" smtClean="0"/>
-          </a:p>
-          <a:p>
-            <a:pPr marL="342900" indent="-342900">
-              <a:lnSpc>
-                <a:spcPct val="100000"/>
-              </a:lnSpc>
-              <a:spcBef>
-                <a:spcPct val="0"/>
-              </a:spcBef>
-              <a:buNone/>
-              <a:tabLst>
-                <a:tab pos="911225" algn="l"/>
-                <a:tab pos="1825625" algn="l"/>
-                <a:tab pos="2740025" algn="l"/>
-                <a:tab pos="3654425" algn="l"/>
-                <a:tab pos="4568825" algn="l"/>
-                <a:tab pos="5483225" algn="l"/>
-                <a:tab pos="6397625" algn="l"/>
-                <a:tab pos="7312025" algn="l"/>
-                <a:tab pos="8226425" algn="l"/>
-                <a:tab pos="9140825" algn="l"/>
-                <a:tab pos="10055225" algn="l"/>
-              </a:tabLst>
-            </a:pPr>
             <a:r>
               <a:rPr lang="en-US" dirty="0" smtClean="0"/>
-              <a:t>[Test selection for policy changes]</a:t>
-            </a:r>
-            <a:endParaRPr lang="en-US" sz="2400" dirty="0" smtClean="0"/>
+              <a:t>[Setup: request collection]</a:t>
+            </a:r>
           </a:p>
           <a:p>
             <a:pPr marL="914400" lvl="1" indent="-514350">
@@ -11082,138 +11140,8 @@
             </a:pPr>
             <a:r>
               <a:rPr lang="en-US" dirty="0" smtClean="0"/>
-              <a:t>Select requests (with corresponding system test cases) to evaluate different decisions for two different policy versions</a:t>
-            </a:r>
-          </a:p>
-          <a:p>
-            <a:pPr marL="914400" lvl="1" indent="-514350">
-              <a:lnSpc>
-                <a:spcPct val="100000"/>
-              </a:lnSpc>
-              <a:spcBef>
-                <a:spcPct val="0"/>
-              </a:spcBef>
-              <a:buFont typeface="+mj-lt"/>
-              <a:buAutoNum type="arabicPeriod"/>
-              <a:tabLst>
-                <a:tab pos="911225" algn="l"/>
-                <a:tab pos="1825625" algn="l"/>
-                <a:tab pos="2740025" algn="l"/>
-                <a:tab pos="3654425" algn="l"/>
-                <a:tab pos="4568825" algn="l"/>
-                <a:tab pos="5483225" algn="l"/>
-                <a:tab pos="6397625" algn="l"/>
-                <a:tab pos="7312025" algn="l"/>
-                <a:tab pos="8226425" algn="l"/>
-                <a:tab pos="9140825" algn="l"/>
-                <a:tab pos="10055225" algn="l"/>
-              </a:tabLst>
-            </a:pPr>
-            <a:endParaRPr lang="en-US" dirty="0" smtClean="0"/>
-          </a:p>
-          <a:p>
-            <a:pPr marL="914400" lvl="1" indent="-514350">
-              <a:lnSpc>
-                <a:spcPct val="100000"/>
-              </a:lnSpc>
-              <a:spcBef>
-                <a:spcPct val="0"/>
-              </a:spcBef>
-              <a:buFont typeface="+mj-lt"/>
-              <a:buAutoNum type="arabicPeriod"/>
-              <a:tabLst>
-                <a:tab pos="911225" algn="l"/>
-                <a:tab pos="1825625" algn="l"/>
-                <a:tab pos="2740025" algn="l"/>
-                <a:tab pos="3654425" algn="l"/>
-                <a:tab pos="4568825" algn="l"/>
-                <a:tab pos="5483225" algn="l"/>
-                <a:tab pos="6397625" algn="l"/>
-                <a:tab pos="7312025" algn="l"/>
-                <a:tab pos="8226425" algn="l"/>
-                <a:tab pos="9140825" algn="l"/>
-                <a:tab pos="10055225" algn="l"/>
-              </a:tabLst>
-            </a:pPr>
-            <a:endParaRPr lang="en-US" dirty="0" smtClean="0"/>
-          </a:p>
-          <a:p>
-            <a:pPr marL="342900" indent="-342900">
-              <a:lnSpc>
-                <a:spcPct val="100000"/>
-              </a:lnSpc>
-              <a:spcBef>
-                <a:spcPct val="0"/>
-              </a:spcBef>
-              <a:buNone/>
-              <a:tabLst>
-                <a:tab pos="911225" algn="l"/>
-                <a:tab pos="1825625" algn="l"/>
-                <a:tab pos="2740025" algn="l"/>
-                <a:tab pos="3654425" algn="l"/>
-                <a:tab pos="4568825" algn="l"/>
-                <a:tab pos="5483225" algn="l"/>
-                <a:tab pos="6397625" algn="l"/>
-                <a:tab pos="7312025" algn="l"/>
-                <a:tab pos="8226425" algn="l"/>
-                <a:tab pos="9140825" algn="l"/>
-                <a:tab pos="10055225" algn="l"/>
-              </a:tabLst>
-            </a:pPr>
-            <a:r>
-              <a:rPr lang="en-US" sz="2800" dirty="0" smtClean="0"/>
-              <a:t>Cost: given n rules, we need to execute all of system test cases for only once.</a:t>
-            </a:r>
-          </a:p>
-          <a:p>
-            <a:pPr marL="342900" indent="-342900">
-              <a:lnSpc>
-                <a:spcPct val="100000"/>
-              </a:lnSpc>
-              <a:spcBef>
-                <a:spcPct val="0"/>
-              </a:spcBef>
-              <a:buNone/>
-              <a:tabLst>
-                <a:tab pos="911225" algn="l"/>
-                <a:tab pos="1825625" algn="l"/>
-                <a:tab pos="2740025" algn="l"/>
-                <a:tab pos="3654425" algn="l"/>
-                <a:tab pos="4568825" algn="l"/>
-                <a:tab pos="5483225" algn="l"/>
-                <a:tab pos="6397625" algn="l"/>
-                <a:tab pos="7312025" algn="l"/>
-                <a:tab pos="8226425" algn="l"/>
-                <a:tab pos="9140825" algn="l"/>
-                <a:tab pos="10055225" algn="l"/>
-              </a:tabLst>
-            </a:pPr>
-            <a:endParaRPr lang="en-US" sz="2400" dirty="0" smtClean="0"/>
-          </a:p>
-          <a:p>
-            <a:pPr marL="342900" lvl="1" indent="-342900">
-              <a:lnSpc>
-                <a:spcPct val="100000"/>
-              </a:lnSpc>
-              <a:spcBef>
-                <a:spcPct val="0"/>
-              </a:spcBef>
-              <a:buFont typeface="Times New Roman" pitchFamily="18" charset="0"/>
-              <a:buChar char="•"/>
-              <a:tabLst>
-                <a:tab pos="911225" algn="l"/>
-                <a:tab pos="1825625" algn="l"/>
-                <a:tab pos="2740025" algn="l"/>
-                <a:tab pos="3654425" algn="l"/>
-                <a:tab pos="4568825" algn="l"/>
-                <a:tab pos="5483225" algn="l"/>
-                <a:tab pos="6397625" algn="l"/>
-                <a:tab pos="7312025" algn="l"/>
-                <a:tab pos="8226425" algn="l"/>
-                <a:tab pos="9140825" algn="l"/>
-                <a:tab pos="10055225" algn="l"/>
-              </a:tabLst>
-            </a:pPr>
+              <a:t>Record all requests issued to policy decision point (PDP) for each system test case</a:t>
+            </a:r>
             <a:endParaRPr lang="en-US" sz="2400" dirty="0" smtClean="0"/>
           </a:p>
           <a:p>
@@ -11336,7 +11264,7 @@
             </a:pPr>
             <a:r>
               <a:rPr lang="en-US" dirty="0" smtClean="0"/>
-              <a:t>Test Augmentation Technique</a:t>
+              <a:t>Test Selection Techniques III - cont</a:t>
             </a:r>
             <a:endParaRPr lang="en-GB" altLang="ko-KR" dirty="0">
               <a:ea typeface="굴림" pitchFamily="50" charset="-127"/>
@@ -11357,7 +11285,7 @@
         <p:spPr>
           <a:xfrm>
             <a:off x="685800" y="1295400"/>
-            <a:ext cx="7861300" cy="5880713"/>
+            <a:ext cx="7861300" cy="5326716"/>
           </a:xfrm>
           <a:ln/>
         </p:spPr>
@@ -11374,6 +11302,7 @@
               <a:spcBef>
                 <a:spcPct val="0"/>
               </a:spcBef>
+              <a:buNone/>
               <a:tabLst>
                 <a:tab pos="911225" algn="l"/>
                 <a:tab pos="1825625" algn="l"/>
@@ -11388,10 +11317,36 @@
                 <a:tab pos="10055225" algn="l"/>
               </a:tabLst>
             </a:pPr>
+            <a:endParaRPr lang="en-US" dirty="0" smtClean="0"/>
+          </a:p>
+          <a:p>
+            <a:pPr marL="342900" indent="-342900">
+              <a:lnSpc>
+                <a:spcPct val="100000"/>
+              </a:lnSpc>
+              <a:spcBef>
+                <a:spcPct val="0"/>
+              </a:spcBef>
+              <a:buNone/>
+              <a:tabLst>
+                <a:tab pos="911225" algn="l"/>
+                <a:tab pos="1825625" algn="l"/>
+                <a:tab pos="2740025" algn="l"/>
+                <a:tab pos="3654425" algn="l"/>
+                <a:tab pos="4568825" algn="l"/>
+                <a:tab pos="5483225" algn="l"/>
+                <a:tab pos="6397625" algn="l"/>
+                <a:tab pos="7312025" algn="l"/>
+                <a:tab pos="8226425" algn="l"/>
+                <a:tab pos="9140825" algn="l"/>
+                <a:tab pos="10055225" algn="l"/>
+              </a:tabLst>
+            </a:pPr>
             <a:r>
               <a:rPr lang="en-US" dirty="0" smtClean="0"/>
-              <a:t>Augment system test cases for policy evolution</a:t>
-            </a:r>
+              <a:t>[Test selection for policy changes]</a:t>
+            </a:r>
+            <a:endParaRPr lang="en-US" sz="2400" dirty="0" smtClean="0"/>
           </a:p>
           <a:p>
             <a:pPr marL="914400" lvl="1" indent="-514350">
@@ -11418,16 +11373,8 @@
               </a:tabLst>
             </a:pPr>
             <a:r>
-              <a:rPr lang="en-US" sz="2400" dirty="0" smtClean="0"/>
-              <a:t>Collect request-response pairs </a:t>
-            </a:r>
-            <a:r>
-              <a:rPr lang="en-US" sz="2400" i="1" dirty="0" err="1" smtClean="0"/>
-              <a:t>qs</a:t>
-            </a:r>
-            <a:r>
-              <a:rPr lang="en-US" sz="2400" dirty="0" smtClean="0"/>
-              <a:t>, which  expose different policy behaviors</a:t>
+              <a:rPr lang="en-US" dirty="0" smtClean="0"/>
+              <a:t>Select requests (with corresponding system test cases) to evaluate different decisions for two different policy versions</a:t>
             </a:r>
           </a:p>
           <a:p>
@@ -11454,58 +11401,7 @@
                 <a:tab pos="10055225" algn="l"/>
               </a:tabLst>
             </a:pPr>
-            <a:r>
-              <a:rPr lang="en-US" sz="2400" dirty="0" smtClean="0"/>
-              <a:t>Select only pairs </a:t>
-            </a:r>
-            <a:r>
-              <a:rPr lang="en-US" sz="2400" i="1" dirty="0" err="1" smtClean="0"/>
-              <a:t>qs</a:t>
-            </a:r>
-            <a:r>
-              <a:rPr lang="en-US" sz="2400" i="1" baseline="-25000" dirty="0" err="1" smtClean="0"/>
-              <a:t>i</a:t>
-            </a:r>
-            <a:r>
-              <a:rPr lang="en-US" sz="2400" i="1" baseline="-25000" dirty="0" smtClean="0"/>
-              <a:t> </a:t>
-            </a:r>
-            <a:r>
-              <a:rPr lang="en-US" sz="2400" dirty="0" smtClean="0"/>
-              <a:t>(</a:t>
-            </a:r>
-            <a:r>
-              <a:rPr lang="en-US" sz="2400" i="1" dirty="0" err="1" smtClean="0"/>
-              <a:t>qs</a:t>
-            </a:r>
-            <a:r>
-              <a:rPr lang="en-US" sz="2400" i="1" baseline="-25000" dirty="0" err="1" smtClean="0"/>
-              <a:t>i</a:t>
-            </a:r>
-            <a:r>
-              <a:rPr lang="en-US" sz="2400" i="1" baseline="-25000" dirty="0" smtClean="0"/>
-              <a:t> </a:t>
-            </a:r>
-            <a:r>
-              <a:rPr lang="az-Cyrl-AZ" sz="2400" i="1" dirty="0" smtClean="0"/>
-              <a:t>С</a:t>
-            </a:r>
-            <a:r>
-              <a:rPr lang="en-US" sz="2400" i="1" dirty="0" smtClean="0"/>
-              <a:t> </a:t>
-            </a:r>
-            <a:r>
-              <a:rPr lang="en-US" sz="2400" i="1" dirty="0" err="1" smtClean="0"/>
-              <a:t>qs</a:t>
-            </a:r>
-            <a:r>
-              <a:rPr lang="en-US" sz="2400" i="1" dirty="0" smtClean="0"/>
-              <a:t> ) </a:t>
-            </a:r>
-            <a:r>
-              <a:rPr lang="en-US" sz="2400" dirty="0" smtClean="0"/>
-              <a:t>, which cannot be issued from existing system tests</a:t>
-            </a:r>
+            <a:endParaRPr lang="en-US" dirty="0" smtClean="0"/>
           </a:p>
           <a:p>
             <a:pPr marL="914400" lvl="1" indent="-514350">
@@ -11531,126 +11427,10 @@
                 <a:tab pos="10055225" algn="l"/>
               </a:tabLst>
             </a:pPr>
-            <a:r>
-              <a:rPr lang="en-US" sz="2400" dirty="0" smtClean="0"/>
-              <a:t>Find system test cases to issue requests in high similarity with </a:t>
-            </a:r>
-            <a:r>
-              <a:rPr lang="en-US" sz="2400" i="1" dirty="0" err="1" smtClean="0"/>
-              <a:t>qs</a:t>
-            </a:r>
-            <a:r>
-              <a:rPr lang="en-US" sz="2400" i="1" baseline="-25000" dirty="0" err="1" smtClean="0"/>
-              <a:t>i</a:t>
-            </a:r>
-            <a:r>
-              <a:rPr lang="en-US" sz="2400" i="1" baseline="-25000" dirty="0" smtClean="0"/>
-              <a:t>  </a:t>
-            </a:r>
-            <a:r>
-              <a:rPr lang="en-US" sz="2400" dirty="0" smtClean="0"/>
-              <a:t>by counting the number of the common attribute values</a:t>
-            </a:r>
-          </a:p>
-          <a:p>
-            <a:pPr marL="1316037" lvl="2" indent="-514350">
-              <a:lnSpc>
-                <a:spcPct val="100000"/>
-              </a:lnSpc>
-              <a:spcBef>
-                <a:spcPct val="0"/>
-              </a:spcBef>
-              <a:tabLst>
-                <a:tab pos="911225" algn="l"/>
-                <a:tab pos="1825625" algn="l"/>
-                <a:tab pos="2740025" algn="l"/>
-                <a:tab pos="3654425" algn="l"/>
-                <a:tab pos="4568825" algn="l"/>
-                <a:tab pos="5483225" algn="l"/>
-                <a:tab pos="6397625" algn="l"/>
-                <a:tab pos="7312025" algn="l"/>
-                <a:tab pos="8226425" algn="l"/>
-                <a:tab pos="9140825" algn="l"/>
-                <a:tab pos="10055225" algn="l"/>
-              </a:tabLst>
-            </a:pPr>
-            <a:r>
-              <a:rPr lang="en-US" sz="2000" dirty="0" smtClean="0"/>
-              <a:t>Two requests (faculty, write, grades) and (student, write, grades) include two common attribute values</a:t>
-            </a:r>
-          </a:p>
-          <a:p>
-            <a:pPr marL="914400" lvl="1" indent="-514350">
-              <a:lnSpc>
-                <a:spcPct val="100000"/>
-              </a:lnSpc>
-              <a:spcBef>
-                <a:spcPct val="0"/>
-              </a:spcBef>
-              <a:buFont typeface="+mj-lt"/>
-              <a:buAutoNum type="arabicPeriod"/>
-              <a:tabLst>
-                <a:tab pos="911225" algn="l"/>
-                <a:tab pos="1825625" algn="l"/>
-                <a:tab pos="2740025" algn="l"/>
-                <a:tab pos="3654425" algn="l"/>
-                <a:tab pos="4568825" algn="l"/>
-                <a:tab pos="5483225" algn="l"/>
-                <a:tab pos="6397625" algn="l"/>
-                <a:tab pos="7312025" algn="l"/>
-                <a:tab pos="8226425" algn="l"/>
-                <a:tab pos="9140825" algn="l"/>
-                <a:tab pos="10055225" algn="l"/>
-              </a:tabLst>
-            </a:pPr>
-            <a:r>
-              <a:rPr lang="en-US" sz="2400" dirty="0" smtClean="0"/>
-              <a:t>Manually modify system test cases to issue a request </a:t>
-            </a:r>
-            <a:r>
-              <a:rPr lang="en-US" sz="2400" i="1" dirty="0" smtClean="0"/>
-              <a:t>q</a:t>
-            </a:r>
-            <a:r>
-              <a:rPr lang="en-US" sz="2400" dirty="0" smtClean="0"/>
-              <a:t> (</a:t>
-            </a:r>
-            <a:r>
-              <a:rPr lang="en-US" sz="2400" i="1" dirty="0" smtClean="0"/>
-              <a:t>q</a:t>
-            </a:r>
-            <a:r>
-              <a:rPr lang="en-US" sz="2400" i="1" baseline="-25000" dirty="0" smtClean="0"/>
-              <a:t> </a:t>
-            </a:r>
-            <a:r>
-              <a:rPr lang="az-Cyrl-AZ" sz="2400" i="1" dirty="0" smtClean="0"/>
-              <a:t>Є</a:t>
-            </a:r>
-            <a:r>
-              <a:rPr lang="en-US" sz="2400" i="1" dirty="0" smtClean="0"/>
-              <a:t> </a:t>
-            </a:r>
-            <a:r>
-              <a:rPr lang="en-US" sz="2400" i="1" dirty="0" err="1" smtClean="0"/>
-              <a:t>qs</a:t>
-            </a:r>
-            <a:r>
-              <a:rPr lang="en-US" sz="2400" i="1" baseline="-25000" dirty="0" err="1" smtClean="0"/>
-              <a:t>i</a:t>
-            </a:r>
-            <a:r>
-              <a:rPr lang="en-US" sz="2400" i="1" baseline="-25000" dirty="0" smtClean="0"/>
-              <a:t> </a:t>
-            </a:r>
-            <a:r>
-              <a:rPr lang="en-US" sz="2400" i="1" dirty="0" smtClean="0"/>
-              <a:t>)</a:t>
-            </a:r>
-            <a:endParaRPr lang="en-US" sz="2400" dirty="0" smtClean="0"/>
-          </a:p>
-          <a:p>
-            <a:pPr marL="342900" lvl="1" indent="-342900">
+            <a:endParaRPr lang="en-US" dirty="0" smtClean="0"/>
+          </a:p>
+          <a:p>
+            <a:pPr marL="342900" indent="-342900">
               <a:lnSpc>
                 <a:spcPct val="100000"/>
               </a:lnSpc>
@@ -11672,7 +11452,61 @@
                 <a:tab pos="10055225" algn="l"/>
               </a:tabLst>
             </a:pPr>
-            <a:endParaRPr lang="en-US" dirty="0" smtClean="0"/>
+            <a:r>
+              <a:rPr lang="en-US" sz="2800" dirty="0" smtClean="0"/>
+              <a:t>Cost: given n rules, we need to execute all of system test cases for only once.</a:t>
+            </a:r>
+          </a:p>
+          <a:p>
+            <a:pPr marL="342900" indent="-342900">
+              <a:lnSpc>
+                <a:spcPct val="100000"/>
+              </a:lnSpc>
+              <a:spcBef>
+                <a:spcPct val="0"/>
+              </a:spcBef>
+              <a:buNone/>
+              <a:tabLst>
+                <a:tab pos="911225" algn="l"/>
+                <a:tab pos="1825625" algn="l"/>
+                <a:tab pos="2740025" algn="l"/>
+                <a:tab pos="3654425" algn="l"/>
+                <a:tab pos="4568825" algn="l"/>
+                <a:tab pos="5483225" algn="l"/>
+                <a:tab pos="6397625" algn="l"/>
+                <a:tab pos="7312025" algn="l"/>
+                <a:tab pos="8226425" algn="l"/>
+                <a:tab pos="9140825" algn="l"/>
+                <a:tab pos="10055225" algn="l"/>
+              </a:tabLst>
+            </a:pPr>
+            <a:endParaRPr lang="en-US" sz="2400" dirty="0" smtClean="0"/>
+          </a:p>
+          <a:p>
+            <a:pPr marL="342900" lvl="1" indent="-342900">
+              <a:lnSpc>
+                <a:spcPct val="100000"/>
+              </a:lnSpc>
+              <a:spcBef>
+                <a:spcPct val="0"/>
+              </a:spcBef>
+              <a:buFont typeface="Times New Roman" pitchFamily="18" charset="0"/>
+              <a:buChar char="•"/>
+              <a:tabLst>
+                <a:tab pos="911225" algn="l"/>
+                <a:tab pos="1825625" algn="l"/>
+                <a:tab pos="2740025" algn="l"/>
+                <a:tab pos="3654425" algn="l"/>
+                <a:tab pos="4568825" algn="l"/>
+                <a:tab pos="5483225" algn="l"/>
+                <a:tab pos="6397625" algn="l"/>
+                <a:tab pos="7312025" algn="l"/>
+                <a:tab pos="8226425" algn="l"/>
+                <a:tab pos="9140825" algn="l"/>
+                <a:tab pos="10055225" algn="l"/>
+              </a:tabLst>
+            </a:pPr>
+            <a:endParaRPr lang="en-US" sz="2400" dirty="0" smtClean="0"/>
           </a:p>
           <a:p>
             <a:pPr marL="342900" indent="-342900">
@@ -11696,7 +11530,7 @@
                 <a:tab pos="10055225" algn="l"/>
               </a:tabLst>
             </a:pPr>
-            <a:endParaRPr lang="en-US" sz="2800" dirty="0" smtClean="0"/>
+            <a:endParaRPr lang="en-US" dirty="0" smtClean="0"/>
           </a:p>
         </p:txBody>
       </p:sp>
@@ -11737,6 +11571,575 @@
 </file>
 
 <file path=ppt/slides/slide19.xml><?xml version="1.0" encoding="utf-8"?>
+<p:sld xmlns:a="http://schemas.openxmlformats.org/drawingml/2006/main" xmlns:r="http://schemas.openxmlformats.org/officeDocument/2006/relationships" xmlns:p="http://schemas.openxmlformats.org/presentationml/2006/main">
+  <p:cSld>
+    <p:spTree>
+      <p:nvGrpSpPr>
+        <p:cNvPr id="1" name=""/>
+        <p:cNvGrpSpPr/>
+        <p:nvPr/>
+      </p:nvGrpSpPr>
+      <p:grpSpPr>
+        <a:xfrm>
+          <a:off x="0" y="0"/>
+          <a:ext cx="0" cy="0"/>
+          <a:chOff x="0" y="0"/>
+          <a:chExt cx="0" cy="0"/>
+        </a:xfrm>
+      </p:grpSpPr>
+      <p:sp>
+        <p:nvSpPr>
+          <p:cNvPr id="265218" name="Rectangle 2"/>
+          <p:cNvSpPr>
+            <a:spLocks noGrp="1" noChangeArrowheads="1"/>
+          </p:cNvSpPr>
+          <p:nvPr>
+            <p:ph type="title"/>
+          </p:nvPr>
+        </p:nvSpPr>
+        <p:spPr>
+          <a:xfrm>
+            <a:off x="609600" y="301625"/>
+            <a:ext cx="8240713" cy="614363"/>
+          </a:xfrm>
+          <a:ln/>
+        </p:spPr>
+        <p:txBody>
+          <a:bodyPr lIns="92160" tIns="46080" rIns="92160" bIns="46080">
+            <a:spAutoFit/>
+          </a:bodyPr>
+          <a:lstStyle/>
+          <a:p>
+            <a:pPr>
+              <a:tabLst>
+                <a:tab pos="0" algn="l"/>
+                <a:tab pos="914400" algn="l"/>
+                <a:tab pos="1828800" algn="l"/>
+                <a:tab pos="2743200" algn="l"/>
+                <a:tab pos="3657600" algn="l"/>
+                <a:tab pos="4572000" algn="l"/>
+                <a:tab pos="5486400" algn="l"/>
+                <a:tab pos="6400800" algn="l"/>
+                <a:tab pos="7315200" algn="l"/>
+                <a:tab pos="8229600" algn="l"/>
+                <a:tab pos="9144000" algn="l"/>
+                <a:tab pos="10058400" algn="l"/>
+              </a:tabLst>
+            </a:pPr>
+            <a:r>
+              <a:rPr lang="en-US" dirty="0" smtClean="0"/>
+              <a:t>Test Augmentation Technique</a:t>
+            </a:r>
+            <a:endParaRPr lang="en-GB" altLang="ko-KR" dirty="0">
+              <a:ea typeface="굴림" pitchFamily="50" charset="-127"/>
+            </a:endParaRPr>
+          </a:p>
+        </p:txBody>
+      </p:sp>
+      <p:sp>
+        <p:nvSpPr>
+          <p:cNvPr id="265219" name="Rectangle 3"/>
+          <p:cNvSpPr>
+            <a:spLocks noGrp="1" noChangeArrowheads="1"/>
+          </p:cNvSpPr>
+          <p:nvPr>
+            <p:ph type="body" sz="half" idx="1"/>
+          </p:nvPr>
+        </p:nvSpPr>
+        <p:spPr>
+          <a:xfrm>
+            <a:off x="685800" y="1295400"/>
+            <a:ext cx="7861300" cy="5880713"/>
+          </a:xfrm>
+          <a:ln/>
+        </p:spPr>
+        <p:txBody>
+          <a:bodyPr wrap="square" lIns="90000" tIns="46800" rIns="90000" bIns="46800">
+            <a:spAutoFit/>
+          </a:bodyPr>
+          <a:lstStyle/>
+          <a:p>
+            <a:pPr marL="342900" indent="-342900">
+              <a:lnSpc>
+                <a:spcPct val="100000"/>
+              </a:lnSpc>
+              <a:spcBef>
+                <a:spcPct val="0"/>
+              </a:spcBef>
+              <a:tabLst>
+                <a:tab pos="911225" algn="l"/>
+                <a:tab pos="1825625" algn="l"/>
+                <a:tab pos="2740025" algn="l"/>
+                <a:tab pos="3654425" algn="l"/>
+                <a:tab pos="4568825" algn="l"/>
+                <a:tab pos="5483225" algn="l"/>
+                <a:tab pos="6397625" algn="l"/>
+                <a:tab pos="7312025" algn="l"/>
+                <a:tab pos="8226425" algn="l"/>
+                <a:tab pos="9140825" algn="l"/>
+                <a:tab pos="10055225" algn="l"/>
+              </a:tabLst>
+            </a:pPr>
+            <a:r>
+              <a:rPr lang="en-US" dirty="0" smtClean="0"/>
+              <a:t>Augment system test cases for policy evolution</a:t>
+            </a:r>
+          </a:p>
+          <a:p>
+            <a:pPr marL="914400" lvl="1" indent="-514350">
+              <a:lnSpc>
+                <a:spcPct val="100000"/>
+              </a:lnSpc>
+              <a:spcBef>
+                <a:spcPct val="0"/>
+              </a:spcBef>
+              <a:buFont typeface="+mj-lt"/>
+              <a:buAutoNum type="arabicPeriod"/>
+              <a:tabLst>
+                <a:tab pos="911225" algn="l"/>
+                <a:tab pos="1825625" algn="l"/>
+                <a:tab pos="2740025" algn="l"/>
+                <a:tab pos="3654425" algn="l"/>
+                <a:tab pos="4568825" algn="l"/>
+                <a:tab pos="5483225" algn="l"/>
+                <a:tab pos="6397625" algn="l"/>
+                <a:tab pos="7312025" algn="l"/>
+                <a:tab pos="8226425" algn="l"/>
+                <a:tab pos="9140825" algn="l"/>
+                <a:tab pos="10055225" algn="l"/>
+              </a:tabLst>
+            </a:pPr>
+            <a:r>
+              <a:rPr lang="en-US" sz="2400" dirty="0" smtClean="0"/>
+              <a:t>Collect request-response pairs </a:t>
+            </a:r>
+            <a:r>
+              <a:rPr lang="en-US" sz="2400" i="1" dirty="0" err="1" smtClean="0"/>
+              <a:t>qs</a:t>
+            </a:r>
+            <a:r>
+              <a:rPr lang="en-US" sz="2400" dirty="0" smtClean="0"/>
+              <a:t>, which  expose different policy behaviors</a:t>
+            </a:r>
+          </a:p>
+          <a:p>
+            <a:pPr marL="914400" lvl="1" indent="-514350">
+              <a:lnSpc>
+                <a:spcPct val="100000"/>
+              </a:lnSpc>
+              <a:spcBef>
+                <a:spcPct val="0"/>
+              </a:spcBef>
+              <a:buFont typeface="+mj-lt"/>
+              <a:buAutoNum type="arabicPeriod"/>
+              <a:tabLst>
+                <a:tab pos="911225" algn="l"/>
+                <a:tab pos="1825625" algn="l"/>
+                <a:tab pos="2740025" algn="l"/>
+                <a:tab pos="3654425" algn="l"/>
+                <a:tab pos="4568825" algn="l"/>
+                <a:tab pos="5483225" algn="l"/>
+                <a:tab pos="6397625" algn="l"/>
+                <a:tab pos="7312025" algn="l"/>
+                <a:tab pos="8226425" algn="l"/>
+                <a:tab pos="9140825" algn="l"/>
+                <a:tab pos="10055225" algn="l"/>
+              </a:tabLst>
+            </a:pPr>
+            <a:r>
+              <a:rPr lang="en-US" sz="2400" dirty="0" smtClean="0"/>
+              <a:t>Select only pairs </a:t>
+            </a:r>
+            <a:r>
+              <a:rPr lang="en-US" sz="2400" i="1" dirty="0" err="1" smtClean="0"/>
+              <a:t>qs</a:t>
+            </a:r>
+            <a:r>
+              <a:rPr lang="en-US" sz="2400" i="1" baseline="-25000" dirty="0" err="1" smtClean="0"/>
+              <a:t>i</a:t>
+            </a:r>
+            <a:r>
+              <a:rPr lang="en-US" sz="2400" i="1" baseline="-25000" dirty="0" smtClean="0"/>
+              <a:t> </a:t>
+            </a:r>
+            <a:r>
+              <a:rPr lang="en-US" sz="2400" dirty="0" smtClean="0"/>
+              <a:t>(</a:t>
+            </a:r>
+            <a:r>
+              <a:rPr lang="en-US" sz="2400" i="1" dirty="0" err="1" smtClean="0"/>
+              <a:t>qs</a:t>
+            </a:r>
+            <a:r>
+              <a:rPr lang="en-US" sz="2400" i="1" baseline="-25000" dirty="0" err="1" smtClean="0"/>
+              <a:t>i</a:t>
+            </a:r>
+            <a:r>
+              <a:rPr lang="en-US" sz="2400" i="1" baseline="-25000" dirty="0" smtClean="0"/>
+              <a:t> </a:t>
+            </a:r>
+            <a:r>
+              <a:rPr lang="az-Cyrl-AZ" sz="2400" i="1" dirty="0" smtClean="0"/>
+              <a:t>С</a:t>
+            </a:r>
+            <a:r>
+              <a:rPr lang="en-US" sz="2400" i="1" dirty="0" smtClean="0"/>
+              <a:t> </a:t>
+            </a:r>
+            <a:r>
+              <a:rPr lang="en-US" sz="2400" i="1" dirty="0" err="1" smtClean="0"/>
+              <a:t>qs</a:t>
+            </a:r>
+            <a:r>
+              <a:rPr lang="en-US" sz="2400" i="1" dirty="0" smtClean="0"/>
+              <a:t> ) </a:t>
+            </a:r>
+            <a:r>
+              <a:rPr lang="en-US" sz="2400" dirty="0" smtClean="0"/>
+              <a:t>, which cannot be issued from existing system tests</a:t>
+            </a:r>
+          </a:p>
+          <a:p>
+            <a:pPr marL="914400" lvl="1" indent="-514350">
+              <a:lnSpc>
+                <a:spcPct val="100000"/>
+              </a:lnSpc>
+              <a:spcBef>
+                <a:spcPct val="0"/>
+              </a:spcBef>
+              <a:buFont typeface="+mj-lt"/>
+              <a:buAutoNum type="arabicPeriod"/>
+              <a:tabLst>
+                <a:tab pos="911225" algn="l"/>
+                <a:tab pos="1825625" algn="l"/>
+                <a:tab pos="2740025" algn="l"/>
+                <a:tab pos="3654425" algn="l"/>
+                <a:tab pos="4568825" algn="l"/>
+                <a:tab pos="5483225" algn="l"/>
+                <a:tab pos="6397625" algn="l"/>
+                <a:tab pos="7312025" algn="l"/>
+                <a:tab pos="8226425" algn="l"/>
+                <a:tab pos="9140825" algn="l"/>
+                <a:tab pos="10055225" algn="l"/>
+              </a:tabLst>
+            </a:pPr>
+            <a:r>
+              <a:rPr lang="en-US" sz="2400" dirty="0" smtClean="0"/>
+              <a:t>Find system test cases to issue requests in high similarity with </a:t>
+            </a:r>
+            <a:r>
+              <a:rPr lang="en-US" sz="2400" i="1" dirty="0" err="1" smtClean="0"/>
+              <a:t>qs</a:t>
+            </a:r>
+            <a:r>
+              <a:rPr lang="en-US" sz="2400" i="1" baseline="-25000" dirty="0" err="1" smtClean="0"/>
+              <a:t>i</a:t>
+            </a:r>
+            <a:r>
+              <a:rPr lang="en-US" sz="2400" i="1" baseline="-25000" dirty="0" smtClean="0"/>
+              <a:t>  </a:t>
+            </a:r>
+            <a:r>
+              <a:rPr lang="en-US" sz="2400" dirty="0" smtClean="0"/>
+              <a:t>by counting the number of the common attribute values</a:t>
+            </a:r>
+          </a:p>
+          <a:p>
+            <a:pPr marL="1316037" lvl="2" indent="-514350">
+              <a:lnSpc>
+                <a:spcPct val="100000"/>
+              </a:lnSpc>
+              <a:spcBef>
+                <a:spcPct val="0"/>
+              </a:spcBef>
+              <a:tabLst>
+                <a:tab pos="911225" algn="l"/>
+                <a:tab pos="1825625" algn="l"/>
+                <a:tab pos="2740025" algn="l"/>
+                <a:tab pos="3654425" algn="l"/>
+                <a:tab pos="4568825" algn="l"/>
+                <a:tab pos="5483225" algn="l"/>
+                <a:tab pos="6397625" algn="l"/>
+                <a:tab pos="7312025" algn="l"/>
+                <a:tab pos="8226425" algn="l"/>
+                <a:tab pos="9140825" algn="l"/>
+                <a:tab pos="10055225" algn="l"/>
+              </a:tabLst>
+            </a:pPr>
+            <a:r>
+              <a:rPr lang="en-US" sz="2000" dirty="0" smtClean="0"/>
+              <a:t>Two requests (faculty, write, grades) and (student, write, grades) include two common attribute values</a:t>
+            </a:r>
+          </a:p>
+          <a:p>
+            <a:pPr marL="914400" lvl="1" indent="-514350">
+              <a:lnSpc>
+                <a:spcPct val="100000"/>
+              </a:lnSpc>
+              <a:spcBef>
+                <a:spcPct val="0"/>
+              </a:spcBef>
+              <a:buFont typeface="+mj-lt"/>
+              <a:buAutoNum type="arabicPeriod"/>
+              <a:tabLst>
+                <a:tab pos="911225" algn="l"/>
+                <a:tab pos="1825625" algn="l"/>
+                <a:tab pos="2740025" algn="l"/>
+                <a:tab pos="3654425" algn="l"/>
+                <a:tab pos="4568825" algn="l"/>
+                <a:tab pos="5483225" algn="l"/>
+                <a:tab pos="6397625" algn="l"/>
+                <a:tab pos="7312025" algn="l"/>
+                <a:tab pos="8226425" algn="l"/>
+                <a:tab pos="9140825" algn="l"/>
+                <a:tab pos="10055225" algn="l"/>
+              </a:tabLst>
+            </a:pPr>
+            <a:r>
+              <a:rPr lang="en-US" sz="2400" dirty="0" smtClean="0"/>
+              <a:t>Manually modify system test cases to issue a request </a:t>
+            </a:r>
+            <a:r>
+              <a:rPr lang="en-US" sz="2400" i="1" dirty="0" smtClean="0"/>
+              <a:t>q</a:t>
+            </a:r>
+            <a:r>
+              <a:rPr lang="en-US" sz="2400" dirty="0" smtClean="0"/>
+              <a:t> (</a:t>
+            </a:r>
+            <a:r>
+              <a:rPr lang="en-US" sz="2400" i="1" dirty="0" smtClean="0"/>
+              <a:t>q</a:t>
+            </a:r>
+            <a:r>
+              <a:rPr lang="en-US" sz="2400" i="1" baseline="-25000" dirty="0" smtClean="0"/>
+              <a:t> </a:t>
+            </a:r>
+            <a:r>
+              <a:rPr lang="az-Cyrl-AZ" sz="2400" i="1" dirty="0" smtClean="0"/>
+              <a:t>Є</a:t>
+            </a:r>
+            <a:r>
+              <a:rPr lang="en-US" sz="2400" i="1" dirty="0" smtClean="0"/>
+              <a:t> </a:t>
+            </a:r>
+            <a:r>
+              <a:rPr lang="en-US" sz="2400" i="1" dirty="0" err="1" smtClean="0"/>
+              <a:t>qs</a:t>
+            </a:r>
+            <a:r>
+              <a:rPr lang="en-US" sz="2400" i="1" baseline="-25000" dirty="0" err="1" smtClean="0"/>
+              <a:t>i</a:t>
+            </a:r>
+            <a:r>
+              <a:rPr lang="en-US" sz="2400" i="1" baseline="-25000" dirty="0" smtClean="0"/>
+              <a:t> </a:t>
+            </a:r>
+            <a:r>
+              <a:rPr lang="en-US" sz="2400" i="1" dirty="0" smtClean="0"/>
+              <a:t>)</a:t>
+            </a:r>
+            <a:endParaRPr lang="en-US" sz="2400" dirty="0" smtClean="0"/>
+          </a:p>
+          <a:p>
+            <a:pPr marL="342900" lvl="1" indent="-342900">
+              <a:lnSpc>
+                <a:spcPct val="100000"/>
+              </a:lnSpc>
+              <a:spcBef>
+                <a:spcPct val="0"/>
+              </a:spcBef>
+              <a:buNone/>
+              <a:tabLst>
+                <a:tab pos="911225" algn="l"/>
+                <a:tab pos="1825625" algn="l"/>
+                <a:tab pos="2740025" algn="l"/>
+                <a:tab pos="3654425" algn="l"/>
+                <a:tab pos="4568825" algn="l"/>
+                <a:tab pos="5483225" algn="l"/>
+                <a:tab pos="6397625" algn="l"/>
+                <a:tab pos="7312025" algn="l"/>
+                <a:tab pos="8226425" algn="l"/>
+                <a:tab pos="9140825" algn="l"/>
+                <a:tab pos="10055225" algn="l"/>
+              </a:tabLst>
+            </a:pPr>
+            <a:endParaRPr lang="en-US" dirty="0" smtClean="0"/>
+          </a:p>
+          <a:p>
+            <a:pPr marL="342900" indent="-342900">
+              <a:lnSpc>
+                <a:spcPct val="100000"/>
+              </a:lnSpc>
+              <a:spcBef>
+                <a:spcPct val="0"/>
+              </a:spcBef>
+              <a:tabLst>
+                <a:tab pos="911225" algn="l"/>
+                <a:tab pos="1825625" algn="l"/>
+                <a:tab pos="2740025" algn="l"/>
+                <a:tab pos="3654425" algn="l"/>
+                <a:tab pos="4568825" algn="l"/>
+                <a:tab pos="5483225" algn="l"/>
+                <a:tab pos="6397625" algn="l"/>
+                <a:tab pos="7312025" algn="l"/>
+                <a:tab pos="8226425" algn="l"/>
+                <a:tab pos="9140825" algn="l"/>
+                <a:tab pos="10055225" algn="l"/>
+              </a:tabLst>
+            </a:pPr>
+            <a:endParaRPr lang="en-US" sz="2800" dirty="0" smtClean="0"/>
+          </a:p>
+        </p:txBody>
+      </p:sp>
+    </p:spTree>
+  </p:cSld>
+  <p:clrMapOvr>
+    <a:masterClrMapping/>
+  </p:clrMapOvr>
+  <p:transition spd="med"/>
+  <p:timing>
+    <p:tnLst>
+      <p:par>
+        <p:cTn id="1" dur="indefinite" restart="never" nodeType="tmRoot">
+          <p:childTnLst>
+            <p:seq concurrent="1" nextAc="seek">
+              <p:cTn id="2" dur="0" nodeType="mainSeq"/>
+              <p:prevCondLst>
+                <p:cond evt="onPrev" delay="0">
+                  <p:tgtEl>
+                    <p:sldTgt/>
+                  </p:tgtEl>
+                </p:cond>
+              </p:prevCondLst>
+              <p:nextCondLst>
+                <p:cond evt="onNext" delay="0">
+                  <p:tgtEl>
+                    <p:sldTgt/>
+                  </p:tgtEl>
+                </p:cond>
+              </p:nextCondLst>
+            </p:seq>
+          </p:childTnLst>
+        </p:cTn>
+      </p:par>
+    </p:tnLst>
+  </p:timing>
+</p:sld>
+</file>
+
+<file path=ppt/slides/slide2.xml><?xml version="1.0" encoding="utf-8"?>
+<p:sld xmlns:a="http://schemas.openxmlformats.org/drawingml/2006/main" xmlns:r="http://schemas.openxmlformats.org/officeDocument/2006/relationships" xmlns:p="http://schemas.openxmlformats.org/presentationml/2006/main">
+  <p:cSld>
+    <p:spTree>
+      <p:nvGrpSpPr>
+        <p:cNvPr id="1" name=""/>
+        <p:cNvGrpSpPr/>
+        <p:nvPr/>
+      </p:nvGrpSpPr>
+      <p:grpSpPr>
+        <a:xfrm>
+          <a:off x="0" y="0"/>
+          <a:ext cx="0" cy="0"/>
+          <a:chOff x="0" y="0"/>
+          <a:chExt cx="0" cy="0"/>
+        </a:xfrm>
+      </p:grpSpPr>
+      <p:sp>
+        <p:nvSpPr>
+          <p:cNvPr id="2" name="제목 1"/>
+          <p:cNvSpPr>
+            <a:spLocks noGrp="1"/>
+          </p:cNvSpPr>
+          <p:nvPr>
+            <p:ph type="title"/>
+          </p:nvPr>
+        </p:nvSpPr>
+        <p:spPr/>
+        <p:txBody>
+          <a:bodyPr/>
+          <a:lstStyle/>
+          <a:p>
+            <a:endParaRPr lang="en-US"/>
+          </a:p>
+        </p:txBody>
+      </p:sp>
+      <p:sp>
+        <p:nvSpPr>
+          <p:cNvPr id="6" name="직사각형 5"/>
+          <p:cNvSpPr/>
+          <p:nvPr/>
+        </p:nvSpPr>
+        <p:spPr bwMode="auto">
+          <a:xfrm>
+            <a:off x="1828800" y="2362200"/>
+            <a:ext cx="2057400" cy="1371600"/>
+          </a:xfrm>
+          <a:prstGeom prst="rect">
+            <a:avLst/>
+          </a:prstGeom>
+          <a:solidFill>
+            <a:srgbClr val="00B8FF"/>
+          </a:solidFill>
+          <a:ln w="9525" cap="flat" cmpd="sng" algn="ctr">
+            <a:solidFill>
+              <a:schemeClr val="tx1"/>
+            </a:solidFill>
+            <a:prstDash val="solid"/>
+            <a:round/>
+            <a:headEnd type="none" w="med" len="med"/>
+            <a:tailEnd type="none" w="med" len="med"/>
+          </a:ln>
+          <a:effectLst/>
+        </p:spPr>
+        <p:txBody>
+          <a:bodyPr vert="horz" wrap="square" lIns="91440" tIns="45720" rIns="91440" bIns="45720" numCol="1" rtlCol="0" anchor="t" anchorCtr="0" compatLnSpc="1">
+            <a:prstTxWarp prst="textNoShape">
+              <a:avLst/>
+            </a:prstTxWarp>
+          </a:bodyPr>
+          <a:lstStyle/>
+          <a:p>
+            <a:pPr marL="0" marR="0" indent="0" algn="l" defTabSz="457200" rtl="0" eaLnBrk="1" fontAlgn="base" latinLnBrk="0" hangingPunct="1">
+              <a:lnSpc>
+                <a:spcPct val="95000"/>
+              </a:lnSpc>
+              <a:spcBef>
+                <a:spcPct val="0"/>
+              </a:spcBef>
+              <a:spcAft>
+                <a:spcPct val="0"/>
+              </a:spcAft>
+              <a:buClr>
+                <a:srgbClr val="000000"/>
+              </a:buClr>
+              <a:buSzPct val="100000"/>
+              <a:buFont typeface="Times New Roman" pitchFamily="18" charset="0"/>
+              <a:buNone/>
+              <a:tabLst/>
+            </a:pPr>
+            <a:endParaRPr kumimoji="0" lang="en-US" sz="2400" b="0" i="0" u="none" strike="noStrike" cap="none" normalizeH="0" baseline="0" smtClean="0">
+              <a:ln>
+                <a:noFill/>
+              </a:ln>
+              <a:solidFill>
+                <a:schemeClr val="bg1"/>
+              </a:solidFill>
+              <a:effectLst/>
+              <a:latin typeface="Times New Roman" pitchFamily="18" charset="0"/>
+            </a:endParaRPr>
+          </a:p>
+        </p:txBody>
+      </p:sp>
+    </p:spTree>
+  </p:cSld>
+  <p:clrMapOvr>
+    <a:masterClrMapping/>
+  </p:clrMapOvr>
+</p:sld>
+</file>
+
+<file path=ppt/slides/slide20.xml><?xml version="1.0" encoding="utf-8"?>
 <p:sld xmlns:a="http://schemas.openxmlformats.org/drawingml/2006/main" xmlns:r="http://schemas.openxmlformats.org/officeDocument/2006/relationships" xmlns:p="http://schemas.openxmlformats.org/presentationml/2006/main">
   <p:cSld>
     <p:spTree>
@@ -12734,532 +13137,6 @@
 </p:sld>
 </file>
 
-<file path=ppt/slides/slide2.xml><?xml version="1.0" encoding="utf-8"?>
-<p:sld xmlns:a="http://schemas.openxmlformats.org/drawingml/2006/main" xmlns:r="http://schemas.openxmlformats.org/officeDocument/2006/relationships" xmlns:p="http://schemas.openxmlformats.org/presentationml/2006/main">
-  <p:cSld>
-    <p:spTree>
-      <p:nvGrpSpPr>
-        <p:cNvPr id="1" name=""/>
-        <p:cNvGrpSpPr/>
-        <p:nvPr/>
-      </p:nvGrpSpPr>
-      <p:grpSpPr>
-        <a:xfrm>
-          <a:off x="0" y="0"/>
-          <a:ext cx="0" cy="0"/>
-          <a:chOff x="0" y="0"/>
-          <a:chExt cx="0" cy="0"/>
-        </a:xfrm>
-      </p:grpSpPr>
-      <p:sp>
-        <p:nvSpPr>
-          <p:cNvPr id="265218" name="Rectangle 2"/>
-          <p:cNvSpPr>
-            <a:spLocks noGrp="1" noChangeArrowheads="1"/>
-          </p:cNvSpPr>
-          <p:nvPr>
-            <p:ph type="title"/>
-          </p:nvPr>
-        </p:nvSpPr>
-        <p:spPr>
-          <a:xfrm>
-            <a:off x="609600" y="301625"/>
-            <a:ext cx="8240713" cy="614363"/>
-          </a:xfrm>
-          <a:ln/>
-        </p:spPr>
-        <p:txBody>
-          <a:bodyPr lIns="92160" tIns="46080" rIns="92160" bIns="46080">
-            <a:spAutoFit/>
-          </a:bodyPr>
-          <a:lstStyle/>
-          <a:p>
-            <a:pPr>
-              <a:tabLst>
-                <a:tab pos="0" algn="l"/>
-                <a:tab pos="914400" algn="l"/>
-                <a:tab pos="1828800" algn="l"/>
-                <a:tab pos="2743200" algn="l"/>
-                <a:tab pos="3657600" algn="l"/>
-                <a:tab pos="4572000" algn="l"/>
-                <a:tab pos="5486400" algn="l"/>
-                <a:tab pos="6400800" algn="l"/>
-                <a:tab pos="7315200" algn="l"/>
-                <a:tab pos="8229600" algn="l"/>
-                <a:tab pos="9144000" algn="l"/>
-                <a:tab pos="10058400" algn="l"/>
-              </a:tabLst>
-            </a:pPr>
-            <a:r>
-              <a:rPr lang="en-GB" altLang="ko-KR" dirty="0" smtClean="0">
-                <a:latin typeface="Segoe UI" pitchFamily="34" charset="0"/>
-                <a:ea typeface="굴림" pitchFamily="50" charset="-127"/>
-                <a:cs typeface="Segoe UI" pitchFamily="34" charset="0"/>
-              </a:rPr>
-              <a:t>Example</a:t>
-            </a:r>
-            <a:endParaRPr lang="en-GB" altLang="ko-KR" dirty="0">
-              <a:latin typeface="Segoe UI" pitchFamily="34" charset="0"/>
-              <a:ea typeface="굴림" pitchFamily="50" charset="-127"/>
-              <a:cs typeface="Segoe UI" pitchFamily="34" charset="0"/>
-            </a:endParaRPr>
-          </a:p>
-        </p:txBody>
-      </p:sp>
-      <p:sp>
-        <p:nvSpPr>
-          <p:cNvPr id="265219" name="Rectangle 3"/>
-          <p:cNvSpPr>
-            <a:spLocks noGrp="1" noChangeArrowheads="1"/>
-          </p:cNvSpPr>
-          <p:nvPr>
-            <p:ph type="body" sz="half" idx="1"/>
-          </p:nvPr>
-        </p:nvSpPr>
-        <p:spPr>
-          <a:xfrm>
-            <a:off x="609600" y="1226484"/>
-            <a:ext cx="2971800" cy="1880131"/>
-          </a:xfrm>
-          <a:ln/>
-        </p:spPr>
-        <p:txBody>
-          <a:bodyPr wrap="square" lIns="90000" tIns="46800" rIns="90000" bIns="46800">
-            <a:spAutoFit/>
-          </a:bodyPr>
-          <a:lstStyle/>
-          <a:p>
-            <a:r>
-              <a:rPr lang="en-US" sz="3000" dirty="0" smtClean="0"/>
-              <a:t>Test </a:t>
-            </a:r>
-            <a:r>
-              <a:rPr lang="en-US" altLang="ko-KR" sz="2800" dirty="0" err="1" smtClean="0"/>
-              <a:t>deleteUserAccount</a:t>
-            </a:r>
-            <a:r>
-              <a:rPr lang="en-US" sz="3000" dirty="0" err="1" smtClean="0"/>
-              <a:t>Code</a:t>
-            </a:r>
-            <a:endParaRPr lang="en-US" dirty="0" smtClean="0"/>
-          </a:p>
-          <a:p>
-            <a:pPr lvl="1"/>
-            <a:endParaRPr lang="en-US" dirty="0" smtClean="0"/>
-          </a:p>
-        </p:txBody>
-      </p:sp>
-    </p:spTree>
-  </p:cSld>
-  <p:clrMapOvr>
-    <a:masterClrMapping/>
-  </p:clrMapOvr>
-  <p:transition spd="med"/>
-  <p:timing>
-    <p:tnLst>
-      <p:par>
-        <p:cTn id="1" dur="indefinite" restart="never" nodeType="tmRoot">
-          <p:childTnLst>
-            <p:seq concurrent="1" nextAc="seek">
-              <p:cTn id="2" dur="0" nodeType="mainSeq"/>
-              <p:prevCondLst>
-                <p:cond evt="onPrev" delay="0">
-                  <p:tgtEl>
-                    <p:sldTgt/>
-                  </p:tgtEl>
-                </p:cond>
-              </p:prevCondLst>
-              <p:nextCondLst>
-                <p:cond evt="onNext" delay="0">
-                  <p:tgtEl>
-                    <p:sldTgt/>
-                  </p:tgtEl>
-                </p:cond>
-              </p:nextCondLst>
-            </p:seq>
-          </p:childTnLst>
-        </p:cTn>
-      </p:par>
-    </p:tnLst>
-  </p:timing>
-</p:sld>
-</file>
-
-<file path=ppt/slides/slide20.xml><?xml version="1.0" encoding="utf-8"?>
-<p:sld xmlns:a="http://schemas.openxmlformats.org/drawingml/2006/main" xmlns:r="http://schemas.openxmlformats.org/officeDocument/2006/relationships" xmlns:p="http://schemas.openxmlformats.org/presentationml/2006/main">
-  <p:cSld>
-    <p:spTree>
-      <p:nvGrpSpPr>
-        <p:cNvPr id="1" name=""/>
-        <p:cNvGrpSpPr/>
-        <p:nvPr/>
-      </p:nvGrpSpPr>
-      <p:grpSpPr>
-        <a:xfrm>
-          <a:off x="0" y="0"/>
-          <a:ext cx="0" cy="0"/>
-          <a:chOff x="0" y="0"/>
-          <a:chExt cx="0" cy="0"/>
-        </a:xfrm>
-      </p:grpSpPr>
-      <p:sp>
-        <p:nvSpPr>
-          <p:cNvPr id="181250" name="Rectangle 2"/>
-          <p:cNvSpPr>
-            <a:spLocks noGrp="1" noChangeArrowheads="1"/>
-          </p:cNvSpPr>
-          <p:nvPr>
-            <p:ph type="title"/>
-          </p:nvPr>
-        </p:nvSpPr>
-        <p:spPr>
-          <a:xfrm>
-            <a:off x="609600" y="457200"/>
-            <a:ext cx="8242300" cy="526298"/>
-          </a:xfrm>
-          <a:ln/>
-        </p:spPr>
-        <p:txBody>
-          <a:bodyPr>
-            <a:spAutoFit/>
-          </a:bodyPr>
-          <a:lstStyle/>
-          <a:p>
-            <a:pPr>
-              <a:tabLst>
-                <a:tab pos="0" algn="l"/>
-                <a:tab pos="914400" algn="l"/>
-                <a:tab pos="1828800" algn="l"/>
-                <a:tab pos="2743200" algn="l"/>
-                <a:tab pos="3657600" algn="l"/>
-                <a:tab pos="4572000" algn="l"/>
-                <a:tab pos="5486400" algn="l"/>
-                <a:tab pos="6400800" algn="l"/>
-                <a:tab pos="7315200" algn="l"/>
-                <a:tab pos="8229600" algn="l"/>
-                <a:tab pos="9144000" algn="l"/>
-                <a:tab pos="10058400" algn="l"/>
-              </a:tabLst>
-            </a:pPr>
-            <a:r>
-              <a:rPr lang="en-GB" altLang="ko-KR" dirty="0" smtClean="0">
-                <a:ea typeface="굴림" pitchFamily="50" charset="-127"/>
-              </a:rPr>
-              <a:t>Metrics</a:t>
-            </a:r>
-            <a:endParaRPr lang="en-GB" altLang="ko-KR" dirty="0">
-              <a:ea typeface="굴림" pitchFamily="50" charset="-127"/>
-            </a:endParaRPr>
-          </a:p>
-        </p:txBody>
-      </p:sp>
-      <p:sp>
-        <p:nvSpPr>
-          <p:cNvPr id="181251" name="Rectangle 3"/>
-          <p:cNvSpPr>
-            <a:spLocks noGrp="1" noChangeArrowheads="1"/>
-          </p:cNvSpPr>
-          <p:nvPr>
-            <p:ph type="body" idx="1"/>
-          </p:nvPr>
-        </p:nvSpPr>
-        <p:spPr>
-          <a:xfrm>
-            <a:off x="609600" y="1219200"/>
-            <a:ext cx="8382000" cy="6714146"/>
-          </a:xfrm>
-          <a:ln/>
-        </p:spPr>
-        <p:txBody>
-          <a:bodyPr wrap="square">
-            <a:spAutoFit/>
-          </a:bodyPr>
-          <a:lstStyle/>
-          <a:p>
-            <a:pPr>
-              <a:tabLst>
-                <a:tab pos="911225" algn="l"/>
-                <a:tab pos="1825625" algn="l"/>
-                <a:tab pos="2740025" algn="l"/>
-                <a:tab pos="3654425" algn="l"/>
-                <a:tab pos="4568825" algn="l"/>
-                <a:tab pos="5483225" algn="l"/>
-                <a:tab pos="6397625" algn="l"/>
-                <a:tab pos="7312025" algn="l"/>
-                <a:tab pos="8226425" algn="l"/>
-                <a:tab pos="9140825" algn="l"/>
-                <a:tab pos="10055225" algn="l"/>
-              </a:tabLst>
-            </a:pPr>
-            <a:r>
-              <a:rPr lang="en-US" altLang="ko-KR" dirty="0" smtClean="0">
-                <a:solidFill>
-                  <a:schemeClr val="tx1"/>
-                </a:solidFill>
-                <a:ea typeface="굴림" pitchFamily="50" charset="-127"/>
-              </a:rPr>
-              <a:t>True Positive: # </a:t>
-            </a:r>
-            <a:r>
-              <a:rPr lang="en-US" altLang="ko-KR" dirty="0" err="1" smtClean="0">
-                <a:solidFill>
-                  <a:schemeClr val="tx1"/>
-                </a:solidFill>
-                <a:ea typeface="굴림" pitchFamily="50" charset="-127"/>
-              </a:rPr>
-              <a:t>correclty</a:t>
-            </a:r>
-            <a:r>
-              <a:rPr lang="en-US" altLang="ko-KR" dirty="0" smtClean="0">
-                <a:solidFill>
-                  <a:schemeClr val="tx1"/>
-                </a:solidFill>
-                <a:ea typeface="굴림" pitchFamily="50" charset="-127"/>
-              </a:rPr>
-              <a:t> T/ # collected T</a:t>
-            </a:r>
-          </a:p>
-          <a:p>
-            <a:pPr>
-              <a:tabLst>
-                <a:tab pos="911225" algn="l"/>
-                <a:tab pos="1825625" algn="l"/>
-                <a:tab pos="2740025" algn="l"/>
-                <a:tab pos="3654425" algn="l"/>
-                <a:tab pos="4568825" algn="l"/>
-                <a:tab pos="5483225" algn="l"/>
-                <a:tab pos="6397625" algn="l"/>
-                <a:tab pos="7312025" algn="l"/>
-                <a:tab pos="8226425" algn="l"/>
-                <a:tab pos="9140825" algn="l"/>
-                <a:tab pos="10055225" algn="l"/>
-              </a:tabLst>
-            </a:pPr>
-            <a:r>
-              <a:rPr lang="en-US" altLang="ko-KR" dirty="0" smtClean="0">
-                <a:solidFill>
-                  <a:schemeClr val="tx1"/>
-                </a:solidFill>
-                <a:ea typeface="굴림" pitchFamily="50" charset="-127"/>
-              </a:rPr>
-              <a:t>False Positive: System test cases as when they are selected</a:t>
-            </a:r>
-          </a:p>
-          <a:p>
-            <a:pPr>
-              <a:tabLst>
-                <a:tab pos="911225" algn="l"/>
-                <a:tab pos="1825625" algn="l"/>
-                <a:tab pos="2740025" algn="l"/>
-                <a:tab pos="3654425" algn="l"/>
-                <a:tab pos="4568825" algn="l"/>
-                <a:tab pos="5483225" algn="l"/>
-                <a:tab pos="6397625" algn="l"/>
-                <a:tab pos="7312025" algn="l"/>
-                <a:tab pos="8226425" algn="l"/>
-                <a:tab pos="9140825" algn="l"/>
-                <a:tab pos="10055225" algn="l"/>
-              </a:tabLst>
-            </a:pPr>
-            <a:r>
-              <a:rPr lang="en-US" altLang="ko-KR" dirty="0" smtClean="0">
-                <a:solidFill>
-                  <a:schemeClr val="tx1"/>
-                </a:solidFill>
-                <a:ea typeface="굴림" pitchFamily="50" charset="-127"/>
-              </a:rPr>
-              <a:t>the  entities predicted as vulnerable when they are not vulnerable</a:t>
-            </a:r>
-          </a:p>
-          <a:p>
-            <a:pPr>
-              <a:tabLst>
-                <a:tab pos="911225" algn="l"/>
-                <a:tab pos="1825625" algn="l"/>
-                <a:tab pos="2740025" algn="l"/>
-                <a:tab pos="3654425" algn="l"/>
-                <a:tab pos="4568825" algn="l"/>
-                <a:tab pos="5483225" algn="l"/>
-                <a:tab pos="6397625" algn="l"/>
-                <a:tab pos="7312025" algn="l"/>
-                <a:tab pos="8226425" algn="l"/>
-                <a:tab pos="9140825" algn="l"/>
-                <a:tab pos="10055225" algn="l"/>
-              </a:tabLst>
-            </a:pPr>
-            <a:r>
-              <a:rPr lang="en-US" altLang="ko-KR" dirty="0" smtClean="0">
-                <a:solidFill>
-                  <a:schemeClr val="tx1"/>
-                </a:solidFill>
-                <a:ea typeface="굴림" pitchFamily="50" charset="-127"/>
-              </a:rPr>
-              <a:t>False Negative: Selected Test cases</a:t>
-            </a:r>
-          </a:p>
-          <a:p>
-            <a:pPr>
-              <a:tabLst>
-                <a:tab pos="911225" algn="l"/>
-                <a:tab pos="1825625" algn="l"/>
-                <a:tab pos="2740025" algn="l"/>
-                <a:tab pos="3654425" algn="l"/>
-                <a:tab pos="4568825" algn="l"/>
-                <a:tab pos="5483225" algn="l"/>
-                <a:tab pos="6397625" algn="l"/>
-                <a:tab pos="7312025" algn="l"/>
-                <a:tab pos="8226425" algn="l"/>
-                <a:tab pos="9140825" algn="l"/>
-                <a:tab pos="10055225" algn="l"/>
-              </a:tabLst>
-            </a:pPr>
-            <a:r>
-              <a:rPr lang="en-US" altLang="ko-KR" dirty="0" smtClean="0">
-                <a:solidFill>
-                  <a:schemeClr val="tx1"/>
-                </a:solidFill>
-                <a:ea typeface="굴림" pitchFamily="50" charset="-127"/>
-              </a:rPr>
-              <a:t>entities predicted as non-vulnerable when they are vulnerable</a:t>
-            </a:r>
-          </a:p>
-          <a:p>
-            <a:pPr>
-              <a:tabLst>
-                <a:tab pos="911225" algn="l"/>
-                <a:tab pos="1825625" algn="l"/>
-                <a:tab pos="2740025" algn="l"/>
-                <a:tab pos="3654425" algn="l"/>
-                <a:tab pos="4568825" algn="l"/>
-                <a:tab pos="5483225" algn="l"/>
-                <a:tab pos="6397625" algn="l"/>
-                <a:tab pos="7312025" algn="l"/>
-                <a:tab pos="8226425" algn="l"/>
-                <a:tab pos="9140825" algn="l"/>
-                <a:tab pos="10055225" algn="l"/>
-              </a:tabLst>
-            </a:pPr>
-            <a:r>
-              <a:rPr lang="en-US" altLang="ko-KR" dirty="0" smtClean="0">
-                <a:solidFill>
-                  <a:schemeClr val="tx1"/>
-                </a:solidFill>
-                <a:ea typeface="굴림" pitchFamily="50" charset="-127"/>
-              </a:rPr>
-              <a:t>True Negative:  </a:t>
-            </a:r>
-          </a:p>
-          <a:p>
-            <a:pPr>
-              <a:tabLst>
-                <a:tab pos="911225" algn="l"/>
-                <a:tab pos="1825625" algn="l"/>
-                <a:tab pos="2740025" algn="l"/>
-                <a:tab pos="3654425" algn="l"/>
-                <a:tab pos="4568825" algn="l"/>
-                <a:tab pos="5483225" algn="l"/>
-                <a:tab pos="6397625" algn="l"/>
-                <a:tab pos="7312025" algn="l"/>
-                <a:tab pos="8226425" algn="l"/>
-                <a:tab pos="9140825" algn="l"/>
-                <a:tab pos="10055225" algn="l"/>
-              </a:tabLst>
-            </a:pPr>
-            <a:r>
-              <a:rPr lang="en-US" altLang="ko-KR" dirty="0" smtClean="0">
-                <a:solidFill>
-                  <a:schemeClr val="tx1"/>
-                </a:solidFill>
-                <a:ea typeface="굴림" pitchFamily="50" charset="-127"/>
-              </a:rPr>
-              <a:t>Elapsed time for execution</a:t>
-            </a:r>
-          </a:p>
-          <a:p>
-            <a:pPr>
-              <a:tabLst>
-                <a:tab pos="911225" algn="l"/>
-                <a:tab pos="1825625" algn="l"/>
-                <a:tab pos="2740025" algn="l"/>
-                <a:tab pos="3654425" algn="l"/>
-                <a:tab pos="4568825" algn="l"/>
-                <a:tab pos="5483225" algn="l"/>
-                <a:tab pos="6397625" algn="l"/>
-                <a:tab pos="7312025" algn="l"/>
-                <a:tab pos="8226425" algn="l"/>
-                <a:tab pos="9140825" algn="l"/>
-                <a:tab pos="10055225" algn="l"/>
-              </a:tabLst>
-            </a:pPr>
-            <a:r>
-              <a:rPr lang="en-US" altLang="ko-KR" dirty="0" smtClean="0">
-                <a:solidFill>
-                  <a:schemeClr val="tx1"/>
-                </a:solidFill>
-                <a:ea typeface="굴림" pitchFamily="50" charset="-127"/>
-              </a:rPr>
-              <a:t>The number of test runs</a:t>
-            </a:r>
-          </a:p>
-          <a:p>
-            <a:pPr lvl="1">
-              <a:buNone/>
-              <a:tabLst>
-                <a:tab pos="911225" algn="l"/>
-                <a:tab pos="1825625" algn="l"/>
-                <a:tab pos="2740025" algn="l"/>
-                <a:tab pos="3654425" algn="l"/>
-                <a:tab pos="4568825" algn="l"/>
-                <a:tab pos="5483225" algn="l"/>
-                <a:tab pos="6397625" algn="l"/>
-                <a:tab pos="7312025" algn="l"/>
-                <a:tab pos="8226425" algn="l"/>
-                <a:tab pos="9140825" algn="l"/>
-                <a:tab pos="10055225" algn="l"/>
-              </a:tabLst>
-            </a:pPr>
-            <a:r>
-              <a:rPr lang="en-US" altLang="ko-KR" sz="2400" dirty="0" smtClean="0">
-                <a:solidFill>
-                  <a:schemeClr val="tx1"/>
-                </a:solidFill>
-                <a:ea typeface="굴림" pitchFamily="50" charset="-127"/>
-              </a:rPr>
-              <a:t/>
-            </a:r>
-            <a:br>
-              <a:rPr lang="en-US" altLang="ko-KR" sz="2400" dirty="0" smtClean="0">
-                <a:solidFill>
-                  <a:schemeClr val="tx1"/>
-                </a:solidFill>
-                <a:ea typeface="굴림" pitchFamily="50" charset="-127"/>
-              </a:rPr>
-            </a:br>
-            <a:endParaRPr lang="en-US" altLang="ko-KR" dirty="0" smtClean="0">
-              <a:solidFill>
-                <a:schemeClr val="tx1"/>
-              </a:solidFill>
-              <a:ea typeface="굴림" pitchFamily="50" charset="-127"/>
-            </a:endParaRPr>
-          </a:p>
-        </p:txBody>
-      </p:sp>
-    </p:spTree>
-  </p:cSld>
-  <p:clrMapOvr>
-    <a:masterClrMapping/>
-  </p:clrMapOvr>
-  <p:transition spd="med"/>
-  <p:timing>
-    <p:tnLst>
-      <p:par>
-        <p:cTn id="1" dur="indefinite" restart="never" nodeType="tmRoot"/>
-      </p:par>
-    </p:tnLst>
-  </p:timing>
-</p:sld>
-</file>
-
 <file path=ppt/slides/slide21.xml><?xml version="1.0" encoding="utf-8"?>
 <p:sld xmlns:a="http://schemas.openxmlformats.org/drawingml/2006/main" xmlns:r="http://schemas.openxmlformats.org/officeDocument/2006/relationships" xmlns:p="http://schemas.openxmlformats.org/presentationml/2006/main">
   <p:cSld>
@@ -13320,7 +13197,7 @@
               <a:rPr lang="en-GB" altLang="ko-KR" dirty="0" smtClean="0">
                 <a:ea typeface="굴림" pitchFamily="50" charset="-127"/>
               </a:rPr>
-              <a:t>Research Questions</a:t>
+              <a:t>Metrics</a:t>
             </a:r>
             <a:endParaRPr lang="en-GB" altLang="ko-KR" dirty="0">
               <a:ea typeface="굴림" pitchFamily="50" charset="-127"/>
@@ -13341,7 +13218,7 @@
         <p:spPr>
           <a:xfrm>
             <a:off x="609600" y="1219200"/>
-            <a:ext cx="8382000" cy="4640758"/>
+            <a:ext cx="8382000" cy="6714146"/>
           </a:xfrm>
           <a:ln/>
         </p:spPr>
@@ -13367,80 +13244,32 @@
               </a:tabLst>
             </a:pPr>
             <a:r>
-              <a:rPr lang="en-US" altLang="ko-KR" sz="2800" dirty="0" smtClean="0">
+              <a:rPr lang="en-US" altLang="ko-KR" dirty="0" smtClean="0">
                 <a:solidFill>
                   <a:schemeClr val="tx1"/>
                 </a:solidFill>
                 <a:ea typeface="굴림" pitchFamily="50" charset="-127"/>
               </a:rPr>
-              <a:t>RQ1: How effectively our proposed techniques select system test cases with policy changes?</a:t>
-            </a:r>
-          </a:p>
-          <a:p>
-            <a:pPr lvl="1">
-              <a:tabLst>
-                <a:tab pos="911225" algn="l"/>
-                <a:tab pos="1825625" algn="l"/>
-                <a:tab pos="2740025" algn="l"/>
-                <a:tab pos="3654425" algn="l"/>
-                <a:tab pos="4568825" algn="l"/>
-                <a:tab pos="5483225" algn="l"/>
-                <a:tab pos="6397625" algn="l"/>
-                <a:tab pos="7312025" algn="l"/>
-                <a:tab pos="8226425" algn="l"/>
-                <a:tab pos="9140825" algn="l"/>
-                <a:tab pos="10055225" algn="l"/>
-              </a:tabLst>
-            </a:pPr>
-            <a:r>
-              <a:rPr lang="en-US" altLang="ko-KR" sz="2400" dirty="0" smtClean="0">
+              <a:t>True Positive: # </a:t>
+            </a:r>
+            <a:r>
+              <a:rPr lang="en-US" altLang="ko-KR" dirty="0" err="1" smtClean="0">
                 <a:solidFill>
                   <a:schemeClr val="tx1"/>
                 </a:solidFill>
                 <a:ea typeface="굴림" pitchFamily="50" charset="-127"/>
               </a:rPr>
-              <a:t>Precision and recall</a:t>
-            </a:r>
-          </a:p>
-          <a:p>
-            <a:pPr lvl="1">
-              <a:tabLst>
-                <a:tab pos="911225" algn="l"/>
-                <a:tab pos="1825625" algn="l"/>
-                <a:tab pos="2740025" algn="l"/>
-                <a:tab pos="3654425" algn="l"/>
-                <a:tab pos="4568825" algn="l"/>
-                <a:tab pos="5483225" algn="l"/>
-                <a:tab pos="6397625" algn="l"/>
-                <a:tab pos="7312025" algn="l"/>
-                <a:tab pos="8226425" algn="l"/>
-                <a:tab pos="9140825" algn="l"/>
-                <a:tab pos="10055225" algn="l"/>
-              </a:tabLst>
-            </a:pPr>
-            <a:r>
-              <a:rPr lang="en-US" altLang="ko-KR" sz="2400" dirty="0" smtClean="0">
+              <a:t>correclty</a:t>
+            </a:r>
+            <a:r>
+              <a:rPr lang="en-US" altLang="ko-KR" dirty="0" smtClean="0">
                 <a:solidFill>
                   <a:schemeClr val="tx1"/>
                 </a:solidFill>
                 <a:ea typeface="굴림" pitchFamily="50" charset="-127"/>
               </a:rPr>
-              <a:t>Cost of each technique: elapsed time for execution and the number of test runs</a:t>
-            </a:r>
-            <a:br>
-              <a:rPr lang="en-US" altLang="ko-KR" sz="2400" dirty="0" smtClean="0">
-                <a:solidFill>
-                  <a:schemeClr val="tx1"/>
-                </a:solidFill>
-                <a:ea typeface="굴림" pitchFamily="50" charset="-127"/>
-              </a:rPr>
-            </a:br>
-            <a:endParaRPr lang="en-US" altLang="ko-KR" dirty="0" smtClean="0">
-              <a:solidFill>
-                <a:schemeClr val="tx1"/>
-              </a:solidFill>
-              <a:ea typeface="굴림" pitchFamily="50" charset="-127"/>
-            </a:endParaRPr>
+              <a:t> T/ # collected T</a:t>
+            </a:r>
           </a:p>
           <a:p>
             <a:pPr>
@@ -13459,34 +13288,17 @@
               </a:tabLst>
             </a:pPr>
             <a:r>
-              <a:rPr lang="en-GB" altLang="ko-KR" sz="2800" dirty="0" smtClean="0">
+              <a:rPr lang="en-US" altLang="ko-KR" dirty="0" smtClean="0">
                 <a:solidFill>
                   <a:schemeClr val="tx1"/>
                 </a:solidFill>
                 <a:ea typeface="굴림" pitchFamily="50" charset="-127"/>
               </a:rPr>
-              <a:t>RQ2: </a:t>
-            </a:r>
-            <a:r>
-              <a:rPr lang="en-US" sz="2800" dirty="0"/>
-              <a:t>How </a:t>
-            </a:r>
-            <a:r>
-              <a:rPr lang="en-US" altLang="ko-KR" sz="2800" dirty="0" smtClean="0">
-                <a:solidFill>
-                  <a:schemeClr val="tx1"/>
-                </a:solidFill>
-                <a:ea typeface="굴림" pitchFamily="50" charset="-127"/>
-              </a:rPr>
-              <a:t>effectively our </a:t>
-            </a:r>
-            <a:r>
-              <a:rPr lang="en-US" sz="2800" dirty="0" smtClean="0"/>
-              <a:t>test augmentation technique suggests system test cases (which expose policy behavior differences) while existing system test cases cannot expose such differences?</a:t>
-            </a:r>
-          </a:p>
-          <a:p>
-            <a:pPr lvl="1">
+              <a:t>False Positive: System test cases as when they are selected</a:t>
+            </a:r>
+          </a:p>
+          <a:p>
+            <a:pPr>
               <a:tabLst>
                 <a:tab pos="911225" algn="l"/>
                 <a:tab pos="1825625" algn="l"/>
@@ -13502,14 +13314,185 @@
               </a:tabLst>
             </a:pPr>
             <a:r>
+              <a:rPr lang="en-US" altLang="ko-KR" dirty="0" smtClean="0">
+                <a:solidFill>
+                  <a:schemeClr val="tx1"/>
+                </a:solidFill>
+                <a:ea typeface="굴림" pitchFamily="50" charset="-127"/>
+              </a:rPr>
+              <a:t>the  entities predicted as vulnerable when they are not vulnerable</a:t>
+            </a:r>
+          </a:p>
+          <a:p>
+            <a:pPr>
+              <a:tabLst>
+                <a:tab pos="911225" algn="l"/>
+                <a:tab pos="1825625" algn="l"/>
+                <a:tab pos="2740025" algn="l"/>
+                <a:tab pos="3654425" algn="l"/>
+                <a:tab pos="4568825" algn="l"/>
+                <a:tab pos="5483225" algn="l"/>
+                <a:tab pos="6397625" algn="l"/>
+                <a:tab pos="7312025" algn="l"/>
+                <a:tab pos="8226425" algn="l"/>
+                <a:tab pos="9140825" algn="l"/>
+                <a:tab pos="10055225" algn="l"/>
+              </a:tabLst>
+            </a:pPr>
+            <a:r>
+              <a:rPr lang="en-US" altLang="ko-KR" dirty="0" smtClean="0">
+                <a:solidFill>
+                  <a:schemeClr val="tx1"/>
+                </a:solidFill>
+                <a:ea typeface="굴림" pitchFamily="50" charset="-127"/>
+              </a:rPr>
+              <a:t>False Negative: Selected Test cases</a:t>
+            </a:r>
+          </a:p>
+          <a:p>
+            <a:pPr>
+              <a:tabLst>
+                <a:tab pos="911225" algn="l"/>
+                <a:tab pos="1825625" algn="l"/>
+                <a:tab pos="2740025" algn="l"/>
+                <a:tab pos="3654425" algn="l"/>
+                <a:tab pos="4568825" algn="l"/>
+                <a:tab pos="5483225" algn="l"/>
+                <a:tab pos="6397625" algn="l"/>
+                <a:tab pos="7312025" algn="l"/>
+                <a:tab pos="8226425" algn="l"/>
+                <a:tab pos="9140825" algn="l"/>
+                <a:tab pos="10055225" algn="l"/>
+              </a:tabLst>
+            </a:pPr>
+            <a:r>
+              <a:rPr lang="en-US" altLang="ko-KR" dirty="0" smtClean="0">
+                <a:solidFill>
+                  <a:schemeClr val="tx1"/>
+                </a:solidFill>
+                <a:ea typeface="굴림" pitchFamily="50" charset="-127"/>
+              </a:rPr>
+              <a:t>entities predicted as non-vulnerable when they are vulnerable</a:t>
+            </a:r>
+          </a:p>
+          <a:p>
+            <a:pPr>
+              <a:tabLst>
+                <a:tab pos="911225" algn="l"/>
+                <a:tab pos="1825625" algn="l"/>
+                <a:tab pos="2740025" algn="l"/>
+                <a:tab pos="3654425" algn="l"/>
+                <a:tab pos="4568825" algn="l"/>
+                <a:tab pos="5483225" algn="l"/>
+                <a:tab pos="6397625" algn="l"/>
+                <a:tab pos="7312025" algn="l"/>
+                <a:tab pos="8226425" algn="l"/>
+                <a:tab pos="9140825" algn="l"/>
+                <a:tab pos="10055225" algn="l"/>
+              </a:tabLst>
+            </a:pPr>
+            <a:r>
+              <a:rPr lang="en-US" altLang="ko-KR" dirty="0" smtClean="0">
+                <a:solidFill>
+                  <a:schemeClr val="tx1"/>
+                </a:solidFill>
+                <a:ea typeface="굴림" pitchFamily="50" charset="-127"/>
+              </a:rPr>
+              <a:t>True Negative:  </a:t>
+            </a:r>
+          </a:p>
+          <a:p>
+            <a:pPr>
+              <a:tabLst>
+                <a:tab pos="911225" algn="l"/>
+                <a:tab pos="1825625" algn="l"/>
+                <a:tab pos="2740025" algn="l"/>
+                <a:tab pos="3654425" algn="l"/>
+                <a:tab pos="4568825" algn="l"/>
+                <a:tab pos="5483225" algn="l"/>
+                <a:tab pos="6397625" algn="l"/>
+                <a:tab pos="7312025" algn="l"/>
+                <a:tab pos="8226425" algn="l"/>
+                <a:tab pos="9140825" algn="l"/>
+                <a:tab pos="10055225" algn="l"/>
+              </a:tabLst>
+            </a:pPr>
+            <a:r>
+              <a:rPr lang="en-US" altLang="ko-KR" dirty="0" smtClean="0">
+                <a:solidFill>
+                  <a:schemeClr val="tx1"/>
+                </a:solidFill>
+                <a:ea typeface="굴림" pitchFamily="50" charset="-127"/>
+              </a:rPr>
+              <a:t>Elapsed time for execution</a:t>
+            </a:r>
+          </a:p>
+          <a:p>
+            <a:pPr>
+              <a:tabLst>
+                <a:tab pos="911225" algn="l"/>
+                <a:tab pos="1825625" algn="l"/>
+                <a:tab pos="2740025" algn="l"/>
+                <a:tab pos="3654425" algn="l"/>
+                <a:tab pos="4568825" algn="l"/>
+                <a:tab pos="5483225" algn="l"/>
+                <a:tab pos="6397625" algn="l"/>
+                <a:tab pos="7312025" algn="l"/>
+                <a:tab pos="8226425" algn="l"/>
+                <a:tab pos="9140825" algn="l"/>
+                <a:tab pos="10055225" algn="l"/>
+              </a:tabLst>
+            </a:pPr>
+            <a:r>
+              <a:rPr lang="en-US" altLang="ko-KR" dirty="0" smtClean="0">
+                <a:solidFill>
+                  <a:schemeClr val="tx1"/>
+                </a:solidFill>
+                <a:ea typeface="굴림" pitchFamily="50" charset="-127"/>
+              </a:rPr>
+              <a:t>The number of test runs</a:t>
+            </a:r>
+          </a:p>
+          <a:p>
+            <a:pPr lvl="1">
+              <a:buNone/>
+              <a:tabLst>
+                <a:tab pos="911225" algn="l"/>
+                <a:tab pos="1825625" algn="l"/>
+                <a:tab pos="2740025" algn="l"/>
+                <a:tab pos="3654425" algn="l"/>
+                <a:tab pos="4568825" algn="l"/>
+                <a:tab pos="5483225" algn="l"/>
+                <a:tab pos="6397625" algn="l"/>
+                <a:tab pos="7312025" algn="l"/>
+                <a:tab pos="8226425" algn="l"/>
+                <a:tab pos="9140825" algn="l"/>
+                <a:tab pos="10055225" algn="l"/>
+              </a:tabLst>
+            </a:pPr>
+            <a:r>
               <a:rPr lang="en-US" altLang="ko-KR" sz="2400" dirty="0" smtClean="0">
                 <a:solidFill>
                   <a:schemeClr val="tx1"/>
                 </a:solidFill>
                 <a:ea typeface="굴림" pitchFamily="50" charset="-127"/>
               </a:rPr>
-              <a:t>Precision and recall</a:t>
-            </a:r>
+              <a:t/>
+            </a:r>
+            <a:br>
+              <a:rPr lang="en-US" altLang="ko-KR" sz="2400" dirty="0" smtClean="0">
+                <a:solidFill>
+                  <a:schemeClr val="tx1"/>
+                </a:solidFill>
+                <a:ea typeface="굴림" pitchFamily="50" charset="-127"/>
+              </a:rPr>
+            </a:br>
+            <a:endParaRPr lang="en-US" altLang="ko-KR" dirty="0" smtClean="0">
+              <a:solidFill>
+                <a:schemeClr val="tx1"/>
+              </a:solidFill>
+              <a:ea typeface="굴림" pitchFamily="50" charset="-127"/>
+            </a:endParaRPr>
           </a:p>
         </p:txBody>
       </p:sp>
@@ -13548,58 +13531,237 @@
       </p:grpSpPr>
       <p:sp>
         <p:nvSpPr>
-          <p:cNvPr id="2" name="제목 1"/>
+          <p:cNvPr id="181250" name="Rectangle 2"/>
           <p:cNvSpPr>
-            <a:spLocks noGrp="1"/>
+            <a:spLocks noGrp="1" noChangeArrowheads="1"/>
           </p:cNvSpPr>
           <p:nvPr>
             <p:ph type="title"/>
           </p:nvPr>
         </p:nvSpPr>
-        <p:spPr/>
+        <p:spPr>
+          <a:xfrm>
+            <a:off x="609600" y="457200"/>
+            <a:ext cx="8242300" cy="526298"/>
+          </a:xfrm>
+          <a:ln/>
+        </p:spPr>
         <p:txBody>
-          <a:bodyPr/>
+          <a:bodyPr>
+            <a:spAutoFit/>
+          </a:bodyPr>
           <a:lstStyle/>
           <a:p>
-            <a:endParaRPr lang="ko-KR" altLang="en-US" dirty="0"/>
+            <a:pPr>
+              <a:tabLst>
+                <a:tab pos="0" algn="l"/>
+                <a:tab pos="914400" algn="l"/>
+                <a:tab pos="1828800" algn="l"/>
+                <a:tab pos="2743200" algn="l"/>
+                <a:tab pos="3657600" algn="l"/>
+                <a:tab pos="4572000" algn="l"/>
+                <a:tab pos="5486400" algn="l"/>
+                <a:tab pos="6400800" algn="l"/>
+                <a:tab pos="7315200" algn="l"/>
+                <a:tab pos="8229600" algn="l"/>
+                <a:tab pos="9144000" algn="l"/>
+                <a:tab pos="10058400" algn="l"/>
+              </a:tabLst>
+            </a:pPr>
+            <a:r>
+              <a:rPr lang="en-GB" altLang="ko-KR" dirty="0" smtClean="0">
+                <a:ea typeface="굴림" pitchFamily="50" charset="-127"/>
+              </a:rPr>
+              <a:t>Research Questions</a:t>
+            </a:r>
+            <a:endParaRPr lang="en-GB" altLang="ko-KR" dirty="0">
+              <a:ea typeface="굴림" pitchFamily="50" charset="-127"/>
+            </a:endParaRPr>
           </a:p>
         </p:txBody>
       </p:sp>
       <p:sp>
         <p:nvSpPr>
-          <p:cNvPr id="3" name="내용 개체 틀 2"/>
+          <p:cNvPr id="181251" name="Rectangle 3"/>
           <p:cNvSpPr>
-            <a:spLocks noGrp="1"/>
+            <a:spLocks noGrp="1" noChangeArrowheads="1"/>
           </p:cNvSpPr>
           <p:nvPr>
-            <p:ph sz="half" idx="1"/>
+            <p:ph type="body" idx="1"/>
           </p:nvPr>
         </p:nvSpPr>
-        <p:spPr/>
+        <p:spPr>
+          <a:xfrm>
+            <a:off x="609600" y="1219200"/>
+            <a:ext cx="8382000" cy="4640758"/>
+          </a:xfrm>
+          <a:ln/>
+        </p:spPr>
         <p:txBody>
-          <a:bodyPr/>
+          <a:bodyPr wrap="square">
+            <a:spAutoFit/>
+          </a:bodyPr>
           <a:lstStyle/>
           <a:p>
-            <a:endParaRPr lang="ko-KR" altLang="en-US" dirty="0"/>
-          </a:p>
-        </p:txBody>
-      </p:sp>
-      <p:sp>
-        <p:nvSpPr>
-          <p:cNvPr id="4" name="내용 개체 틀 3"/>
-          <p:cNvSpPr>
-            <a:spLocks noGrp="1"/>
-          </p:cNvSpPr>
-          <p:nvPr>
-            <p:ph sz="half" idx="2"/>
-          </p:nvPr>
-        </p:nvSpPr>
-        <p:spPr/>
-        <p:txBody>
-          <a:bodyPr/>
-          <a:lstStyle/>
-          <a:p>
-            <a:endParaRPr lang="ko-KR" altLang="en-US"/>
+            <a:pPr>
+              <a:tabLst>
+                <a:tab pos="911225" algn="l"/>
+                <a:tab pos="1825625" algn="l"/>
+                <a:tab pos="2740025" algn="l"/>
+                <a:tab pos="3654425" algn="l"/>
+                <a:tab pos="4568825" algn="l"/>
+                <a:tab pos="5483225" algn="l"/>
+                <a:tab pos="6397625" algn="l"/>
+                <a:tab pos="7312025" algn="l"/>
+                <a:tab pos="8226425" algn="l"/>
+                <a:tab pos="9140825" algn="l"/>
+                <a:tab pos="10055225" algn="l"/>
+              </a:tabLst>
+            </a:pPr>
+            <a:r>
+              <a:rPr lang="en-US" altLang="ko-KR" sz="2800" dirty="0" smtClean="0">
+                <a:solidFill>
+                  <a:schemeClr val="tx1"/>
+                </a:solidFill>
+                <a:ea typeface="굴림" pitchFamily="50" charset="-127"/>
+              </a:rPr>
+              <a:t>RQ1: How effectively our proposed techniques select system test cases with policy changes?</a:t>
+            </a:r>
+          </a:p>
+          <a:p>
+            <a:pPr lvl="1">
+              <a:tabLst>
+                <a:tab pos="911225" algn="l"/>
+                <a:tab pos="1825625" algn="l"/>
+                <a:tab pos="2740025" algn="l"/>
+                <a:tab pos="3654425" algn="l"/>
+                <a:tab pos="4568825" algn="l"/>
+                <a:tab pos="5483225" algn="l"/>
+                <a:tab pos="6397625" algn="l"/>
+                <a:tab pos="7312025" algn="l"/>
+                <a:tab pos="8226425" algn="l"/>
+                <a:tab pos="9140825" algn="l"/>
+                <a:tab pos="10055225" algn="l"/>
+              </a:tabLst>
+            </a:pPr>
+            <a:r>
+              <a:rPr lang="en-US" altLang="ko-KR" sz="2400" dirty="0" smtClean="0">
+                <a:solidFill>
+                  <a:schemeClr val="tx1"/>
+                </a:solidFill>
+                <a:ea typeface="굴림" pitchFamily="50" charset="-127"/>
+              </a:rPr>
+              <a:t>Precision and recall</a:t>
+            </a:r>
+          </a:p>
+          <a:p>
+            <a:pPr lvl="1">
+              <a:tabLst>
+                <a:tab pos="911225" algn="l"/>
+                <a:tab pos="1825625" algn="l"/>
+                <a:tab pos="2740025" algn="l"/>
+                <a:tab pos="3654425" algn="l"/>
+                <a:tab pos="4568825" algn="l"/>
+                <a:tab pos="5483225" algn="l"/>
+                <a:tab pos="6397625" algn="l"/>
+                <a:tab pos="7312025" algn="l"/>
+                <a:tab pos="8226425" algn="l"/>
+                <a:tab pos="9140825" algn="l"/>
+                <a:tab pos="10055225" algn="l"/>
+              </a:tabLst>
+            </a:pPr>
+            <a:r>
+              <a:rPr lang="en-US" altLang="ko-KR" sz="2400" dirty="0" smtClean="0">
+                <a:solidFill>
+                  <a:schemeClr val="tx1"/>
+                </a:solidFill>
+                <a:ea typeface="굴림" pitchFamily="50" charset="-127"/>
+              </a:rPr>
+              <a:t>Cost of each technique: elapsed time for execution and the number of test runs</a:t>
+            </a:r>
+            <a:br>
+              <a:rPr lang="en-US" altLang="ko-KR" sz="2400" dirty="0" smtClean="0">
+                <a:solidFill>
+                  <a:schemeClr val="tx1"/>
+                </a:solidFill>
+                <a:ea typeface="굴림" pitchFamily="50" charset="-127"/>
+              </a:rPr>
+            </a:br>
+            <a:endParaRPr lang="en-US" altLang="ko-KR" dirty="0" smtClean="0">
+              <a:solidFill>
+                <a:schemeClr val="tx1"/>
+              </a:solidFill>
+              <a:ea typeface="굴림" pitchFamily="50" charset="-127"/>
+            </a:endParaRPr>
+          </a:p>
+          <a:p>
+            <a:pPr>
+              <a:tabLst>
+                <a:tab pos="911225" algn="l"/>
+                <a:tab pos="1825625" algn="l"/>
+                <a:tab pos="2740025" algn="l"/>
+                <a:tab pos="3654425" algn="l"/>
+                <a:tab pos="4568825" algn="l"/>
+                <a:tab pos="5483225" algn="l"/>
+                <a:tab pos="6397625" algn="l"/>
+                <a:tab pos="7312025" algn="l"/>
+                <a:tab pos="8226425" algn="l"/>
+                <a:tab pos="9140825" algn="l"/>
+                <a:tab pos="10055225" algn="l"/>
+              </a:tabLst>
+            </a:pPr>
+            <a:r>
+              <a:rPr lang="en-GB" altLang="ko-KR" sz="2800" dirty="0" smtClean="0">
+                <a:solidFill>
+                  <a:schemeClr val="tx1"/>
+                </a:solidFill>
+                <a:ea typeface="굴림" pitchFamily="50" charset="-127"/>
+              </a:rPr>
+              <a:t>RQ2: </a:t>
+            </a:r>
+            <a:r>
+              <a:rPr lang="en-US" sz="2800" dirty="0"/>
+              <a:t>How </a:t>
+            </a:r>
+            <a:r>
+              <a:rPr lang="en-US" altLang="ko-KR" sz="2800" dirty="0" smtClean="0">
+                <a:solidFill>
+                  <a:schemeClr val="tx1"/>
+                </a:solidFill>
+                <a:ea typeface="굴림" pitchFamily="50" charset="-127"/>
+              </a:rPr>
+              <a:t>effectively our </a:t>
+            </a:r>
+            <a:r>
+              <a:rPr lang="en-US" sz="2800" dirty="0" smtClean="0"/>
+              <a:t>test augmentation technique suggests system test cases (which expose policy behavior differences) while existing system test cases cannot expose such differences?</a:t>
+            </a:r>
+          </a:p>
+          <a:p>
+            <a:pPr lvl="1">
+              <a:tabLst>
+                <a:tab pos="911225" algn="l"/>
+                <a:tab pos="1825625" algn="l"/>
+                <a:tab pos="2740025" algn="l"/>
+                <a:tab pos="3654425" algn="l"/>
+                <a:tab pos="4568825" algn="l"/>
+                <a:tab pos="5483225" algn="l"/>
+                <a:tab pos="6397625" algn="l"/>
+                <a:tab pos="7312025" algn="l"/>
+                <a:tab pos="8226425" algn="l"/>
+                <a:tab pos="9140825" algn="l"/>
+                <a:tab pos="10055225" algn="l"/>
+              </a:tabLst>
+            </a:pPr>
+            <a:r>
+              <a:rPr lang="en-US" altLang="ko-KR" sz="2400" dirty="0" smtClean="0">
+                <a:solidFill>
+                  <a:schemeClr val="tx1"/>
+                </a:solidFill>
+                <a:ea typeface="굴림" pitchFamily="50" charset="-127"/>
+              </a:rPr>
+              <a:t>Precision and recall</a:t>
+            </a:r>
           </a:p>
         </p:txBody>
       </p:sp>
@@ -13608,6 +13770,7 @@
   <p:clrMapOvr>
     <a:masterClrMapping/>
   </p:clrMapOvr>
+  <p:transition spd="med"/>
   <p:timing>
     <p:tnLst>
       <p:par>
@@ -13637,6 +13800,95 @@
       </p:grpSpPr>
       <p:sp>
         <p:nvSpPr>
+          <p:cNvPr id="2" name="제목 1"/>
+          <p:cNvSpPr>
+            <a:spLocks noGrp="1"/>
+          </p:cNvSpPr>
+          <p:nvPr>
+            <p:ph type="title"/>
+          </p:nvPr>
+        </p:nvSpPr>
+        <p:spPr/>
+        <p:txBody>
+          <a:bodyPr/>
+          <a:lstStyle/>
+          <a:p>
+            <a:endParaRPr lang="ko-KR" altLang="en-US" dirty="0"/>
+          </a:p>
+        </p:txBody>
+      </p:sp>
+      <p:sp>
+        <p:nvSpPr>
+          <p:cNvPr id="3" name="내용 개체 틀 2"/>
+          <p:cNvSpPr>
+            <a:spLocks noGrp="1"/>
+          </p:cNvSpPr>
+          <p:nvPr>
+            <p:ph sz="half" idx="1"/>
+          </p:nvPr>
+        </p:nvSpPr>
+        <p:spPr/>
+        <p:txBody>
+          <a:bodyPr/>
+          <a:lstStyle/>
+          <a:p>
+            <a:endParaRPr lang="ko-KR" altLang="en-US" dirty="0"/>
+          </a:p>
+        </p:txBody>
+      </p:sp>
+      <p:sp>
+        <p:nvSpPr>
+          <p:cNvPr id="4" name="내용 개체 틀 3"/>
+          <p:cNvSpPr>
+            <a:spLocks noGrp="1"/>
+          </p:cNvSpPr>
+          <p:nvPr>
+            <p:ph sz="half" idx="2"/>
+          </p:nvPr>
+        </p:nvSpPr>
+        <p:spPr/>
+        <p:txBody>
+          <a:bodyPr/>
+          <a:lstStyle/>
+          <a:p>
+            <a:endParaRPr lang="ko-KR" altLang="en-US"/>
+          </a:p>
+        </p:txBody>
+      </p:sp>
+    </p:spTree>
+  </p:cSld>
+  <p:clrMapOvr>
+    <a:masterClrMapping/>
+  </p:clrMapOvr>
+  <p:timing>
+    <p:tnLst>
+      <p:par>
+        <p:cTn id="1" dur="indefinite" restart="never" nodeType="tmRoot"/>
+      </p:par>
+    </p:tnLst>
+  </p:timing>
+</p:sld>
+</file>
+
+<file path=ppt/slides/slide24.xml><?xml version="1.0" encoding="utf-8"?>
+<p:sld xmlns:a="http://schemas.openxmlformats.org/drawingml/2006/main" xmlns:r="http://schemas.openxmlformats.org/officeDocument/2006/relationships" xmlns:p="http://schemas.openxmlformats.org/presentationml/2006/main">
+  <p:cSld>
+    <p:spTree>
+      <p:nvGrpSpPr>
+        <p:cNvPr id="1" name=""/>
+        <p:cNvGrpSpPr/>
+        <p:nvPr/>
+      </p:nvGrpSpPr>
+      <p:grpSpPr>
+        <a:xfrm>
+          <a:off x="0" y="0"/>
+          <a:ext cx="0" cy="0"/>
+          <a:chOff x="0" y="0"/>
+          <a:chExt cx="0" cy="0"/>
+        </a:xfrm>
+      </p:grpSpPr>
+      <p:sp>
+        <p:nvSpPr>
           <p:cNvPr id="181250" name="Rectangle 2"/>
           <p:cNvSpPr>
             <a:spLocks noGrp="1" noChangeArrowheads="1"/>
@@ -13833,7 +14085,7 @@
 </p:sld>
 </file>
 
-<file path=ppt/slides/slide24.xml><?xml version="1.0" encoding="utf-8"?>
+<file path=ppt/slides/slide25.xml><?xml version="1.0" encoding="utf-8"?>
 <p:sld xmlns:a="http://schemas.openxmlformats.org/drawingml/2006/main" xmlns:r="http://schemas.openxmlformats.org/officeDocument/2006/relationships" xmlns:p="http://schemas.openxmlformats.org/presentationml/2006/main">
   <p:cSld>
     <p:spTree>
@@ -14093,7 +14345,7 @@
                 <a:ea typeface="굴림" pitchFamily="50" charset="-127"/>
                 <a:cs typeface="Segoe UI" pitchFamily="34" charset="0"/>
               </a:rPr>
-              <a:t>Ideas</a:t>
+              <a:t>Example</a:t>
             </a:r>
             <a:endParaRPr lang="en-GB" altLang="ko-KR" dirty="0">
               <a:latin typeface="Segoe UI" pitchFamily="34" charset="0"/>
@@ -14116,7 +14368,7 @@
         <p:spPr>
           <a:xfrm>
             <a:off x="609600" y="1226484"/>
-            <a:ext cx="8001000" cy="7042570"/>
+            <a:ext cx="2971800" cy="1880131"/>
           </a:xfrm>
           <a:ln/>
         </p:spPr>
@@ -14128,91 +14380,15 @@
           <a:p>
             <a:r>
               <a:rPr lang="en-US" sz="3000" dirty="0" smtClean="0"/>
-              <a:t>Idea 1: Find various scenarios to cover certain </a:t>
+              <a:t>Test </a:t>
+            </a:r>
+            <a:r>
+              <a:rPr lang="en-US" altLang="ko-KR" sz="2800" dirty="0" err="1" smtClean="0"/>
+              <a:t>deleteUserAccount</a:t>
             </a:r>
             <a:r>
               <a:rPr lang="en-US" sz="3000" dirty="0" err="1" smtClean="0"/>
-              <a:t>coverages</a:t>
-            </a:r>
-            <a:endParaRPr lang="en-US" sz="3000" dirty="0" smtClean="0"/>
-          </a:p>
-          <a:p>
-            <a:endParaRPr lang="en-US" sz="3000" dirty="0" smtClean="0"/>
-          </a:p>
-          <a:p>
-            <a:r>
-              <a:rPr lang="en-US" sz="3000" dirty="0" smtClean="0"/>
-              <a:t>Ides 2: One test case, while changing variables to cover many policies (only </a:t>
-            </a:r>
-            <a:r>
-              <a:rPr lang="en-US" sz="3000" dirty="0" err="1" smtClean="0"/>
-              <a:t>chainging</a:t>
-            </a:r>
-            <a:r>
-              <a:rPr lang="en-US" sz="3000" dirty="0" smtClean="0"/>
-              <a:t>…variables) within context</a:t>
-            </a:r>
-          </a:p>
-          <a:p>
-            <a:r>
-              <a:rPr lang="en-US" sz="3000" dirty="0" smtClean="0"/>
-              <a:t>Idea 3: High </a:t>
-            </a:r>
-            <a:r>
-              <a:rPr lang="en-US" sz="3000" dirty="0" err="1" smtClean="0"/>
-              <a:t>covearge</a:t>
-            </a:r>
-            <a:r>
-              <a:rPr lang="en-US" sz="3000" dirty="0" smtClean="0"/>
-              <a:t> of code while </a:t>
-            </a:r>
-            <a:r>
-              <a:rPr lang="en-US" sz="3000" dirty="0" err="1" smtClean="0"/>
-              <a:t>maintaiing</a:t>
-            </a:r>
-            <a:r>
-              <a:rPr lang="en-US" sz="3000" dirty="0" smtClean="0"/>
-              <a:t> hig</a:t>
-            </a:r>
-            <a:r>
-              <a:rPr lang="en-US" sz="3000" dirty="0" smtClean="0"/>
-              <a:t>h coverage of ac</a:t>
-            </a:r>
-          </a:p>
-          <a:p>
-            <a:r>
-              <a:rPr lang="en-US" sz="3000" dirty="0" smtClean="0"/>
-              <a:t>Idea 4: find dead access code results</a:t>
-            </a:r>
-          </a:p>
-          <a:p>
-            <a:r>
-              <a:rPr lang="en-US" sz="3000" dirty="0" smtClean="0"/>
-              <a:t>Idea 5: formulate a request set</a:t>
-            </a:r>
-          </a:p>
-          <a:p>
-            <a:r>
-              <a:rPr lang="en-US" sz="3000" dirty="0" smtClean="0"/>
-              <a:t>Idea 6: flow test (after one thing A -&gt; A’) yes or no.</a:t>
-            </a:r>
-          </a:p>
-          <a:p>
-            <a:r>
-              <a:rPr lang="en-US" sz="3000" dirty="0" smtClean="0"/>
-              <a:t>Idea 7: Role combination -</a:t>
-            </a:r>
-            <a:r>
-              <a:rPr lang="en-US" sz="3000" dirty="0" smtClean="0">
-                <a:sym typeface="Wingdings" pitchFamily="2" charset="2"/>
-              </a:rPr>
-              <a:t> </a:t>
-            </a:r>
-            <a:r>
-              <a:rPr lang="en-US" sz="3000" smtClean="0">
-                <a:sym typeface="Wingdings" pitchFamily="2" charset="2"/>
-              </a:rPr>
-              <a:t>Similarility</a:t>
+              <a:t>Code</a:t>
             </a:r>
             <a:endParaRPr lang="en-US" dirty="0" smtClean="0"/>
           </a:p>
@@ -14320,7 +14496,7 @@
                 <a:ea typeface="굴림" pitchFamily="50" charset="-127"/>
                 <a:cs typeface="Segoe UI" pitchFamily="34" charset="0"/>
               </a:rPr>
-              <a:t>Example</a:t>
+              <a:t>Ideas</a:t>
             </a:r>
             <a:endParaRPr lang="en-GB" altLang="ko-KR" dirty="0">
               <a:latin typeface="Segoe UI" pitchFamily="34" charset="0"/>
@@ -14343,7 +14519,7 @@
         <p:spPr>
           <a:xfrm>
             <a:off x="609600" y="1226484"/>
-            <a:ext cx="7924800" cy="1470788"/>
+            <a:ext cx="8001000" cy="7042570"/>
           </a:xfrm>
           <a:ln/>
         </p:spPr>
@@ -14355,27 +14531,87 @@
           <a:p>
             <a:r>
               <a:rPr lang="en-US" sz="3000" dirty="0" smtClean="0"/>
-              <a:t>Test </a:t>
+              <a:t>Idea 1: Find various scenarios to cover certain </a:t>
             </a:r>
             <a:r>
               <a:rPr lang="en-US" sz="3000" dirty="0" err="1" smtClean="0"/>
-              <a:t>Covearage</a:t>
-            </a:r>
+              <a:t>coverages</a:t>
+            </a:r>
+            <a:endParaRPr lang="en-US" sz="3000" dirty="0" smtClean="0"/>
+          </a:p>
+          <a:p>
+            <a:endParaRPr lang="en-US" sz="3000" dirty="0" smtClean="0"/>
+          </a:p>
+          <a:p>
             <a:r>
               <a:rPr lang="en-US" sz="3000" dirty="0" smtClean="0"/>
-              <a:t> while </a:t>
+              <a:t>Ides 2: One test case, while changing variables to cover many policies (only </a:t>
             </a:r>
             <a:r>
               <a:rPr lang="en-US" sz="3000" dirty="0" err="1" smtClean="0"/>
-              <a:t>achiving</a:t>
+              <a:t>chainging</a:t>
             </a:r>
             <a:r>
               <a:rPr lang="en-US" sz="3000" dirty="0" smtClean="0"/>
-              <a:t> high coverage on acces</a:t>
-            </a:r>
+              <a:t>…variables) within context</a:t>
+            </a:r>
+          </a:p>
+          <a:p>
             <a:r>
               <a:rPr lang="en-US" sz="3000" dirty="0" smtClean="0"/>
-              <a:t>s control policies?</a:t>
+              <a:t>Idea 3: High </a:t>
+            </a:r>
+            <a:r>
+              <a:rPr lang="en-US" sz="3000" dirty="0" err="1" smtClean="0"/>
+              <a:t>covearge</a:t>
+            </a:r>
+            <a:r>
+              <a:rPr lang="en-US" sz="3000" dirty="0" smtClean="0"/>
+              <a:t> of code while </a:t>
+            </a:r>
+            <a:r>
+              <a:rPr lang="en-US" sz="3000" dirty="0" err="1" smtClean="0"/>
+              <a:t>maintaiing</a:t>
+            </a:r>
+            <a:r>
+              <a:rPr lang="en-US" sz="3000" dirty="0" smtClean="0"/>
+              <a:t> high coverage of ac</a:t>
+            </a:r>
+          </a:p>
+          <a:p>
+            <a:r>
+              <a:rPr lang="en-US" sz="3000" dirty="0" smtClean="0"/>
+              <a:t>Idea 4: find dead access code results</a:t>
+            </a:r>
+          </a:p>
+          <a:p>
+            <a:r>
+              <a:rPr lang="en-US" sz="3000" dirty="0" smtClean="0"/>
+              <a:t>Idea 5: formulate a request set</a:t>
+            </a:r>
+          </a:p>
+          <a:p>
+            <a:r>
+              <a:rPr lang="en-US" sz="3000" dirty="0" smtClean="0"/>
+              <a:t>Idea 6: flow test (after one thing A -&gt; A’) yes or no.</a:t>
+            </a:r>
+          </a:p>
+          <a:p>
+            <a:r>
+              <a:rPr lang="en-US" sz="3000" dirty="0" smtClean="0"/>
+              <a:t>Idea 7: Role combination -</a:t>
+            </a:r>
+            <a:r>
+              <a:rPr lang="en-US" sz="3000" dirty="0" smtClean="0">
+                <a:sym typeface="Wingdings" pitchFamily="2" charset="2"/>
+              </a:rPr>
+              <a:t> </a:t>
+            </a:r>
+            <a:r>
+              <a:rPr lang="en-US" sz="3000" smtClean="0">
+                <a:sym typeface="Wingdings" pitchFamily="2" charset="2"/>
+              </a:rPr>
+              <a:t>Similarility</a:t>
             </a:r>
             <a:endParaRPr lang="en-US" dirty="0" smtClean="0"/>
           </a:p>
@@ -14534,11 +14770,7 @@
             </a:r>
             <a:r>
               <a:rPr lang="en-US" sz="3000" dirty="0" smtClean="0"/>
-              <a:t> high coverage on acces</a:t>
-            </a:r>
-            <a:r>
-              <a:rPr lang="en-US" sz="3000" dirty="0" smtClean="0"/>
-              <a:t>s control policies?</a:t>
+              <a:t> high coverage on access control policies?</a:t>
             </a:r>
             <a:endParaRPr lang="en-US" dirty="0" smtClean="0"/>
           </a:p>
@@ -14646,7 +14878,7 @@
                 <a:ea typeface="굴림" pitchFamily="50" charset="-127"/>
                 <a:cs typeface="Segoe UI" pitchFamily="34" charset="0"/>
               </a:rPr>
-              <a:t>Access Control</a:t>
+              <a:t>Example</a:t>
             </a:r>
             <a:endParaRPr lang="en-GB" altLang="ko-KR" dirty="0">
               <a:latin typeface="Segoe UI" pitchFamily="34" charset="0"/>
@@ -14669,7 +14901,7 @@
         <p:spPr>
           <a:xfrm>
             <a:off x="609600" y="1226484"/>
-            <a:ext cx="8458200" cy="4879927"/>
+            <a:ext cx="7924800" cy="1470788"/>
           </a:xfrm>
           <a:ln/>
         </p:spPr>
@@ -14681,34 +14913,29 @@
           <a:p>
             <a:r>
               <a:rPr lang="en-US" sz="3000" dirty="0" smtClean="0"/>
-              <a:t>Access control is one of the most widely used privacy and security mechanisms</a:t>
-            </a:r>
-          </a:p>
-          <a:p>
-            <a:pPr lvl="1"/>
-            <a:r>
-              <a:rPr lang="en-US" dirty="0" smtClean="0"/>
-              <a:t>used to control which principals (e.g., users or processes) have access to which resources</a:t>
-            </a:r>
+              <a:t>Test </a:t>
+            </a:r>
+            <a:r>
+              <a:rPr lang="en-US" sz="3000" dirty="0" err="1" smtClean="0"/>
+              <a:t>Covearage</a:t>
+            </a:r>
+            <a:r>
+              <a:rPr lang="en-US" sz="3000" dirty="0" smtClean="0"/>
+              <a:t> while </a:t>
+            </a:r>
+            <a:r>
+              <a:rPr lang="en-US" sz="3000" dirty="0" err="1" smtClean="0"/>
+              <a:t>achiving</a:t>
+            </a:r>
+            <a:r>
+              <a:rPr lang="en-US" sz="3000" dirty="0" smtClean="0"/>
+              <a:t> high coverage on access control policies?</a:t>
+            </a:r>
+            <a:endParaRPr lang="en-US" dirty="0" smtClean="0"/>
           </a:p>
           <a:p>
             <a:pPr lvl="1"/>
             <a:endParaRPr lang="en-US" dirty="0" smtClean="0"/>
-          </a:p>
-          <a:p>
-            <a:r>
-              <a:rPr lang="en-US" sz="3000" dirty="0" smtClean="0"/>
-              <a:t>Access control is often governed by security policies called Access Control Policies (ACP)</a:t>
-            </a:r>
-          </a:p>
-          <a:p>
-            <a:endParaRPr lang="en-US" sz="3000" dirty="0" smtClean="0"/>
-          </a:p>
-          <a:p>
-            <a:r>
-              <a:rPr lang="en-US" sz="3000" dirty="0" smtClean="0"/>
-              <a:t>Security policies are often specified and maintained separately from application code</a:t>
-            </a:r>
           </a:p>
         </p:txBody>
       </p:sp>
@@ -14805,13 +15032,18 @@
               </a:tabLst>
             </a:pPr>
             <a:r>
-              <a:rPr lang="en-GB" altLang="ko-KR" dirty="0">
+              <a:rPr lang="en-GB" altLang="ko-KR" dirty="0" smtClean="0">
                 <a:latin typeface="Segoe UI" pitchFamily="34" charset="0"/>
                 <a:ea typeface="굴림" pitchFamily="50" charset="-127"/>
                 <a:cs typeface="Segoe UI" pitchFamily="34" charset="0"/>
               </a:rPr>
-              <a:t>Motivation</a:t>
-            </a:r>
+              <a:t>Access Control</a:t>
+            </a:r>
+            <a:endParaRPr lang="en-GB" altLang="ko-KR" dirty="0">
+              <a:latin typeface="Segoe UI" pitchFamily="34" charset="0"/>
+              <a:ea typeface="굴림" pitchFamily="50" charset="-127"/>
+              <a:cs typeface="Segoe UI" pitchFamily="34" charset="0"/>
+            </a:endParaRPr>
           </a:p>
         </p:txBody>
       </p:sp>
@@ -14828,7 +15060,7 @@
         <p:spPr>
           <a:xfrm>
             <a:off x="609600" y="1226484"/>
-            <a:ext cx="8458200" cy="5449826"/>
+            <a:ext cx="8458200" cy="4879927"/>
           </a:xfrm>
           <a:ln/>
         </p:spPr>
@@ -14838,138 +15070,36 @@
           </a:bodyPr>
           <a:lstStyle/>
           <a:p>
-            <a:pPr marL="342900" lvl="1" indent="-342900">
-              <a:lnSpc>
-                <a:spcPct val="100000"/>
-              </a:lnSpc>
-              <a:spcBef>
-                <a:spcPct val="0"/>
-              </a:spcBef>
-              <a:buFont typeface="Arial" pitchFamily="34" charset="0"/>
-              <a:buChar char="•"/>
-              <a:tabLst>
-                <a:tab pos="911225" algn="l"/>
-                <a:tab pos="1825625" algn="l"/>
-                <a:tab pos="2740025" algn="l"/>
-                <a:tab pos="3654425" algn="l"/>
-                <a:tab pos="4568825" algn="l"/>
-                <a:tab pos="5483225" algn="l"/>
-                <a:tab pos="6397625" algn="l"/>
-                <a:tab pos="7312025" algn="l"/>
-                <a:tab pos="8226425" algn="l"/>
-                <a:tab pos="9140825" algn="l"/>
-                <a:tab pos="10055225" algn="l"/>
-              </a:tabLst>
-            </a:pPr>
-            <a:r>
-              <a:rPr lang="en-US" sz="3200" dirty="0" smtClean="0">
-                <a:ea typeface="+mn-ea"/>
-              </a:rPr>
-              <a:t>Security requirements change over times -&gt; Security policies are often evolved</a:t>
-            </a:r>
-            <a:br>
-              <a:rPr lang="en-US" sz="3200" dirty="0" smtClean="0">
-                <a:ea typeface="+mn-ea"/>
-              </a:rPr>
-            </a:br>
-            <a:endParaRPr lang="en-US" sz="3200" dirty="0" smtClean="0">
-              <a:ea typeface="+mn-ea"/>
-            </a:endParaRPr>
-          </a:p>
-          <a:p>
-            <a:pPr marL="342900" lvl="1" indent="-342900">
-              <a:lnSpc>
-                <a:spcPct val="100000"/>
-              </a:lnSpc>
-              <a:spcBef>
-                <a:spcPct val="0"/>
-              </a:spcBef>
-              <a:buFont typeface="Arial" pitchFamily="34" charset="0"/>
-              <a:buChar char="•"/>
-              <a:tabLst>
-                <a:tab pos="911225" algn="l"/>
-                <a:tab pos="1825625" algn="l"/>
-                <a:tab pos="2740025" algn="l"/>
-                <a:tab pos="3654425" algn="l"/>
-                <a:tab pos="4568825" algn="l"/>
-                <a:tab pos="5483225" algn="l"/>
-                <a:tab pos="6397625" algn="l"/>
-                <a:tab pos="7312025" algn="l"/>
-                <a:tab pos="8226425" algn="l"/>
-                <a:tab pos="9140825" algn="l"/>
-                <a:tab pos="10055225" algn="l"/>
-              </a:tabLst>
-            </a:pPr>
-            <a:r>
-              <a:rPr lang="en-US" sz="3200" dirty="0" smtClean="0">
-                <a:ea typeface="+mn-ea"/>
-              </a:rPr>
-              <a:t>Security policy changes may introduce security faults (e.g., unauthorized access)</a:t>
-            </a:r>
-            <a:br>
-              <a:rPr lang="en-US" sz="3200" dirty="0" smtClean="0">
-                <a:ea typeface="+mn-ea"/>
-              </a:rPr>
-            </a:br>
-            <a:endParaRPr lang="en-US" sz="3200" dirty="0" smtClean="0">
-              <a:ea typeface="+mn-ea"/>
-            </a:endParaRPr>
-          </a:p>
-          <a:p>
-            <a:pPr marL="342900" lvl="1" indent="-342900">
-              <a:lnSpc>
-                <a:spcPct val="100000"/>
-              </a:lnSpc>
-              <a:spcBef>
-                <a:spcPct val="0"/>
-              </a:spcBef>
-              <a:buFont typeface="Arial" pitchFamily="34" charset="0"/>
-              <a:buChar char="•"/>
-              <a:tabLst>
-                <a:tab pos="911225" algn="l"/>
-                <a:tab pos="1825625" algn="l"/>
-                <a:tab pos="2740025" algn="l"/>
-                <a:tab pos="3654425" algn="l"/>
-                <a:tab pos="4568825" algn="l"/>
-                <a:tab pos="5483225" algn="l"/>
-                <a:tab pos="6397625" algn="l"/>
-                <a:tab pos="7312025" algn="l"/>
-                <a:tab pos="8226425" algn="l"/>
-                <a:tab pos="9140825" algn="l"/>
-                <a:tab pos="10055225" algn="l"/>
-              </a:tabLst>
-            </a:pPr>
-            <a:r>
-              <a:rPr lang="en-US" sz="3200" dirty="0" smtClean="0">
-                <a:ea typeface="+mn-ea"/>
-              </a:rPr>
-              <a:t>System developers execute system test cases to ensure that behavior changes (introduced by security policy changes) are expected</a:t>
-            </a:r>
-          </a:p>
-          <a:p>
-            <a:pPr marL="742950" lvl="1" indent="-342900">
-              <a:lnSpc>
-                <a:spcPct val="100000"/>
-              </a:lnSpc>
-              <a:spcBef>
-                <a:spcPct val="0"/>
-              </a:spcBef>
-              <a:buNone/>
-              <a:tabLst>
-                <a:tab pos="911225" algn="l"/>
-                <a:tab pos="1825625" algn="l"/>
-                <a:tab pos="2740025" algn="l"/>
-                <a:tab pos="3654425" algn="l"/>
-                <a:tab pos="4568825" algn="l"/>
-                <a:tab pos="5483225" algn="l"/>
-                <a:tab pos="6397625" algn="l"/>
-                <a:tab pos="7312025" algn="l"/>
-                <a:tab pos="8226425" algn="l"/>
-                <a:tab pos="9140825" algn="l"/>
-                <a:tab pos="10055225" algn="l"/>
-              </a:tabLst>
-            </a:pPr>
+            <a:r>
+              <a:rPr lang="en-US" sz="3000" dirty="0" smtClean="0"/>
+              <a:t>Access control is one of the most widely used privacy and security mechanisms</a:t>
+            </a:r>
+          </a:p>
+          <a:p>
+            <a:pPr lvl="1"/>
+            <a:r>
+              <a:rPr lang="en-US" dirty="0" smtClean="0"/>
+              <a:t>used to control which principals (e.g., users or processes) have access to which resources</a:t>
+            </a:r>
+          </a:p>
+          <a:p>
+            <a:pPr lvl="1"/>
             <a:endParaRPr lang="en-US" dirty="0" smtClean="0"/>
+          </a:p>
+          <a:p>
+            <a:r>
+              <a:rPr lang="en-US" sz="3000" dirty="0" smtClean="0"/>
+              <a:t>Access control is often governed by security policies called Access Control Policies (ACP)</a:t>
+            </a:r>
+          </a:p>
+          <a:p>
+            <a:endParaRPr lang="en-US" sz="3000" dirty="0" smtClean="0"/>
+          </a:p>
+          <a:p>
+            <a:r>
+              <a:rPr lang="en-US" sz="3000" dirty="0" smtClean="0"/>
+              <a:t>Security policies are often specified and maintained separately from application code</a:t>
+            </a:r>
           </a:p>
         </p:txBody>
       </p:sp>
@@ -15066,18 +15196,13 @@
               </a:tabLst>
             </a:pPr>
             <a:r>
-              <a:rPr lang="en-GB" altLang="ko-KR" dirty="0" smtClean="0">
+              <a:rPr lang="en-GB" altLang="ko-KR" dirty="0">
                 <a:latin typeface="Segoe UI" pitchFamily="34" charset="0"/>
                 <a:ea typeface="굴림" pitchFamily="50" charset="-127"/>
                 <a:cs typeface="Segoe UI" pitchFamily="34" charset="0"/>
               </a:rPr>
-              <a:t>Problem</a:t>
-            </a:r>
-            <a:endParaRPr lang="en-GB" altLang="ko-KR" dirty="0">
-              <a:latin typeface="Segoe UI" pitchFamily="34" charset="0"/>
-              <a:ea typeface="굴림" pitchFamily="50" charset="-127"/>
-              <a:cs typeface="Segoe UI" pitchFamily="34" charset="0"/>
-            </a:endParaRPr>
+              <a:t>Motivation</a:t>
+            </a:r>
           </a:p>
         </p:txBody>
       </p:sp>
@@ -15094,7 +15219,7 @@
         <p:spPr>
           <a:xfrm>
             <a:off x="609600" y="1226484"/>
-            <a:ext cx="8458200" cy="6126935"/>
+            <a:ext cx="8458200" cy="5449826"/>
           </a:xfrm>
           <a:ln/>
         </p:spPr>
@@ -15104,13 +15229,15 @@
           </a:bodyPr>
           <a:lstStyle/>
           <a:p>
-            <a:pPr marL="342900" indent="-342900">
+            <a:pPr marL="342900" lvl="1" indent="-342900">
               <a:lnSpc>
                 <a:spcPct val="100000"/>
               </a:lnSpc>
               <a:spcBef>
                 <a:spcPct val="0"/>
               </a:spcBef>
+              <a:buFont typeface="Arial" pitchFamily="34" charset="0"/>
+              <a:buChar char="•"/>
               <a:tabLst>
                 <a:tab pos="911225" algn="l"/>
                 <a:tab pos="1825625" algn="l"/>
@@ -15126,20 +15253,30 @@
               </a:tabLst>
             </a:pPr>
             <a:r>
-              <a:rPr lang="en-US" altLang="ko-KR" dirty="0" smtClean="0">
-                <a:ea typeface="굴림" pitchFamily="50" charset="-127"/>
+              <a:rPr lang="en-US" sz="3200" dirty="0" smtClean="0">
+                <a:ea typeface="+mn-ea"/>
               </a:rPr>
-              <a:t>Two pitfalls of executing all of existing system test cases</a:t>
-            </a:r>
-          </a:p>
-          <a:p>
-            <a:pPr marL="742950" lvl="1" indent="-342900">
+              <a:t>Security requirements change over times -&gt; Security policies are often evolved</a:t>
+            </a:r>
+            <a:br>
+              <a:rPr lang="en-US" sz="3200" dirty="0" smtClean="0">
+                <a:ea typeface="+mn-ea"/>
+              </a:rPr>
+            </a:br>
+            <a:endParaRPr lang="en-US" sz="3200" dirty="0" smtClean="0">
+              <a:ea typeface="+mn-ea"/>
+            </a:endParaRPr>
+          </a:p>
+          <a:p>
+            <a:pPr marL="342900" lvl="1" indent="-342900">
               <a:lnSpc>
                 <a:spcPct val="100000"/>
               </a:lnSpc>
               <a:spcBef>
                 <a:spcPct val="0"/>
               </a:spcBef>
+              <a:buFont typeface="Arial" pitchFamily="34" charset="0"/>
+              <a:buChar char="•"/>
               <a:tabLst>
                 <a:tab pos="911225" algn="l"/>
                 <a:tab pos="1825625" algn="l"/>
@@ -15155,20 +15292,30 @@
               </a:tabLst>
             </a:pPr>
             <a:r>
-              <a:rPr lang="en-US" altLang="ko-KR" dirty="0" smtClean="0">
-                <a:ea typeface="굴림" pitchFamily="50" charset="-127"/>
+              <a:rPr lang="en-US" sz="3200" dirty="0" smtClean="0">
+                <a:ea typeface="+mn-ea"/>
               </a:rPr>
-              <a:t>Executing all of existing system test cases is time consuming </a:t>
-            </a:r>
-          </a:p>
-          <a:p>
-            <a:pPr marL="742950" lvl="1" indent="-342900">
+              <a:t>Security policy changes may introduce security faults (e.g., unauthorized access)</a:t>
+            </a:r>
+            <a:br>
+              <a:rPr lang="en-US" sz="3200" dirty="0" smtClean="0">
+                <a:ea typeface="+mn-ea"/>
+              </a:rPr>
+            </a:br>
+            <a:endParaRPr lang="en-US" sz="3200" dirty="0" smtClean="0">
+              <a:ea typeface="+mn-ea"/>
+            </a:endParaRPr>
+          </a:p>
+          <a:p>
+            <a:pPr marL="342900" lvl="1" indent="-342900">
               <a:lnSpc>
                 <a:spcPct val="100000"/>
               </a:lnSpc>
               <a:spcBef>
                 <a:spcPct val="0"/>
               </a:spcBef>
+              <a:buFont typeface="Arial" pitchFamily="34" charset="0"/>
+              <a:buChar char="•"/>
               <a:tabLst>
                 <a:tab pos="911225" algn="l"/>
                 <a:tab pos="1825625" algn="l"/>
@@ -15184,10 +15331,10 @@
               </a:tabLst>
             </a:pPr>
             <a:r>
-              <a:rPr lang="en-US" altLang="ko-KR" dirty="0" smtClean="0">
-                <a:ea typeface="굴림" pitchFamily="50" charset="-127"/>
+              <a:rPr lang="en-US" sz="3200" dirty="0" smtClean="0">
+                <a:ea typeface="+mn-ea"/>
               </a:rPr>
-              <a:t>Existing system test cases may not expose behavior changes sufficiently induced by security policy changes</a:t>
+              <a:t>System developers execute system test cases to ensure that behavior changes (introduced by security policy changes) are expected</a:t>
             </a:r>
           </a:p>
           <a:p>
@@ -15198,6 +15345,7 @@
               <a:spcBef>
                 <a:spcPct val="0"/>
               </a:spcBef>
+              <a:buNone/>
               <a:tabLst>
                 <a:tab pos="911225" algn="l"/>
                 <a:tab pos="1825625" algn="l"/>
@@ -15212,90 +15360,7 @@
                 <a:tab pos="10055225" algn="l"/>
               </a:tabLst>
             </a:pPr>
-            <a:endParaRPr lang="en-US" altLang="ko-KR" dirty="0" smtClean="0">
-              <a:ea typeface="굴림" pitchFamily="50" charset="-127"/>
-            </a:endParaRPr>
-          </a:p>
-          <a:p>
-            <a:pPr marL="342900" lvl="2" indent="-342900">
-              <a:lnSpc>
-                <a:spcPct val="100000"/>
-              </a:lnSpc>
-              <a:spcBef>
-                <a:spcPct val="0"/>
-              </a:spcBef>
-              <a:tabLst>
-                <a:tab pos="911225" algn="l"/>
-                <a:tab pos="1825625" algn="l"/>
-                <a:tab pos="2740025" algn="l"/>
-                <a:tab pos="3654425" algn="l"/>
-                <a:tab pos="4568825" algn="l"/>
-                <a:tab pos="5483225" algn="l"/>
-                <a:tab pos="6397625" algn="l"/>
-                <a:tab pos="7312025" algn="l"/>
-                <a:tab pos="8226425" algn="l"/>
-                <a:tab pos="9140825" algn="l"/>
-                <a:tab pos="10055225" algn="l"/>
-              </a:tabLst>
-            </a:pPr>
-            <a:r>
-              <a:rPr lang="en-US" altLang="ko-KR" sz="3200" dirty="0" smtClean="0">
-                <a:ea typeface="굴림" pitchFamily="50" charset="-127"/>
-              </a:rPr>
-              <a:t>There are no existing approaches for testing applications effectively in the context of security policy evolution</a:t>
-            </a:r>
-          </a:p>
-          <a:p>
-            <a:pPr marL="342900" indent="-342900">
-              <a:lnSpc>
-                <a:spcPct val="100000"/>
-              </a:lnSpc>
-              <a:spcBef>
-                <a:spcPct val="0"/>
-              </a:spcBef>
-              <a:tabLst>
-                <a:tab pos="911225" algn="l"/>
-                <a:tab pos="1825625" algn="l"/>
-                <a:tab pos="2740025" algn="l"/>
-                <a:tab pos="3654425" algn="l"/>
-                <a:tab pos="4568825" algn="l"/>
-                <a:tab pos="5483225" algn="l"/>
-                <a:tab pos="6397625" algn="l"/>
-                <a:tab pos="7312025" algn="l"/>
-                <a:tab pos="8226425" algn="l"/>
-                <a:tab pos="9140825" algn="l"/>
-                <a:tab pos="10055225" algn="l"/>
-              </a:tabLst>
-            </a:pPr>
-            <a:endParaRPr lang="en-US" altLang="ko-KR" dirty="0" smtClean="0">
-              <a:ea typeface="굴림" pitchFamily="50" charset="-127"/>
-            </a:endParaRPr>
-          </a:p>
-          <a:p>
-            <a:pPr marL="742950" lvl="1" indent="-342900">
-              <a:lnSpc>
-                <a:spcPct val="100000"/>
-              </a:lnSpc>
-              <a:spcBef>
-                <a:spcPct val="0"/>
-              </a:spcBef>
-              <a:tabLst>
-                <a:tab pos="911225" algn="l"/>
-                <a:tab pos="1825625" algn="l"/>
-                <a:tab pos="2740025" algn="l"/>
-                <a:tab pos="3654425" algn="l"/>
-                <a:tab pos="4568825" algn="l"/>
-                <a:tab pos="5483225" algn="l"/>
-                <a:tab pos="6397625" algn="l"/>
-                <a:tab pos="7312025" algn="l"/>
-                <a:tab pos="8226425" algn="l"/>
-                <a:tab pos="9140825" algn="l"/>
-                <a:tab pos="10055225" algn="l"/>
-              </a:tabLst>
-            </a:pPr>
-            <a:endParaRPr lang="en-US" altLang="ko-KR" sz="3200" dirty="0" smtClean="0">
-              <a:ea typeface="굴림" pitchFamily="50" charset="-127"/>
-            </a:endParaRPr>
+            <a:endParaRPr lang="en-US" dirty="0" smtClean="0"/>
           </a:p>
         </p:txBody>
       </p:sp>
@@ -15397,7 +15462,7 @@
                 <a:ea typeface="굴림" pitchFamily="50" charset="-127"/>
                 <a:cs typeface="Segoe UI" pitchFamily="34" charset="0"/>
               </a:rPr>
-              <a:t>Our Goal </a:t>
+              <a:t>Problem</a:t>
             </a:r>
             <a:endParaRPr lang="en-GB" altLang="ko-KR" dirty="0">
               <a:latin typeface="Segoe UI" pitchFamily="34" charset="0"/>
@@ -15420,7 +15485,7 @@
         <p:spPr>
           <a:xfrm>
             <a:off x="609600" y="1226484"/>
-            <a:ext cx="8458200" cy="5277471"/>
+            <a:ext cx="8458200" cy="6126935"/>
           </a:xfrm>
           <a:ln/>
         </p:spPr>
@@ -15435,7 +15500,7 @@
                 <a:spcPct val="100000"/>
               </a:lnSpc>
               <a:spcBef>
-                <a:spcPct val="20000"/>
+                <a:spcPct val="0"/>
               </a:spcBef>
               <a:tabLst>
                 <a:tab pos="911225" algn="l"/>
@@ -15455,7 +15520,7 @@
               <a:rPr lang="en-US" altLang="ko-KR" dirty="0" smtClean="0">
                 <a:ea typeface="굴림" pitchFamily="50" charset="-127"/>
               </a:rPr>
-              <a:t>Regression system test cases for policy evolution</a:t>
+              <a:t>Two pitfalls of executing all of existing system test cases</a:t>
             </a:r>
           </a:p>
           <a:p>
@@ -15484,7 +15549,7 @@
               <a:rPr lang="en-US" altLang="ko-KR" dirty="0" smtClean="0">
                 <a:ea typeface="굴림" pitchFamily="50" charset="-127"/>
               </a:rPr>
-              <a:t>Select and execute only system test cases (from an existing test suite), which expose behavior changes</a:t>
+              <a:t>Executing all of existing system test cases is time consuming </a:t>
             </a:r>
           </a:p>
           <a:p>
@@ -15513,18 +15578,17 @@
               <a:rPr lang="en-US" altLang="ko-KR" dirty="0" smtClean="0">
                 <a:ea typeface="굴림" pitchFamily="50" charset="-127"/>
               </a:rPr>
-              <a:t>Augment system test cases to expose behavior changes (which are not exposed with existing system tests)</a:t>
-            </a:r>
-          </a:p>
-          <a:p>
-            <a:pPr marL="342900" indent="-342900">
+              <a:t>Existing system test cases may not expose behavior changes sufficiently induced by security policy changes</a:t>
+            </a:r>
+          </a:p>
+          <a:p>
+            <a:pPr marL="742950" lvl="1" indent="-342900">
               <a:lnSpc>
                 <a:spcPct val="100000"/>
               </a:lnSpc>
               <a:spcBef>
-                <a:spcPct val="20000"/>
+                <a:spcPct val="0"/>
               </a:spcBef>
-              <a:buNone/>
               <a:tabLst>
                 <a:tab pos="911225" algn="l"/>
                 <a:tab pos="1825625" algn="l"/>
@@ -15544,14 +15608,42 @@
             </a:endParaRPr>
           </a:p>
           <a:p>
+            <a:pPr marL="342900" lvl="2" indent="-342900">
+              <a:lnSpc>
+                <a:spcPct val="100000"/>
+              </a:lnSpc>
+              <a:spcBef>
+                <a:spcPct val="0"/>
+              </a:spcBef>
+              <a:tabLst>
+                <a:tab pos="911225" algn="l"/>
+                <a:tab pos="1825625" algn="l"/>
+                <a:tab pos="2740025" algn="l"/>
+                <a:tab pos="3654425" algn="l"/>
+                <a:tab pos="4568825" algn="l"/>
+                <a:tab pos="5483225" algn="l"/>
+                <a:tab pos="6397625" algn="l"/>
+                <a:tab pos="7312025" algn="l"/>
+                <a:tab pos="8226425" algn="l"/>
+                <a:tab pos="9140825" algn="l"/>
+                <a:tab pos="10055225" algn="l"/>
+              </a:tabLst>
+            </a:pPr>
+            <a:r>
+              <a:rPr lang="en-US" altLang="ko-KR" sz="3200" dirty="0" smtClean="0">
+                <a:ea typeface="굴림" pitchFamily="50" charset="-127"/>
+              </a:rPr>
+              <a:t>There are no existing approaches for testing applications effectively in the context of security policy evolution</a:t>
+            </a:r>
+          </a:p>
+          <a:p>
             <a:pPr marL="342900" indent="-342900">
               <a:lnSpc>
                 <a:spcPct val="100000"/>
               </a:lnSpc>
               <a:spcBef>
-                <a:spcPct val="20000"/>
+                <a:spcPct val="0"/>
               </a:spcBef>
-              <a:buNone/>
               <a:tabLst>
                 <a:tab pos="911225" algn="l"/>
                 <a:tab pos="1825625" algn="l"/>
@@ -15578,7 +15670,6 @@
               <a:spcBef>
                 <a:spcPct val="0"/>
               </a:spcBef>
-              <a:buNone/>
               <a:tabLst>
                 <a:tab pos="911225" algn="l"/>
                 <a:tab pos="1825625" algn="l"/>
@@ -15593,7 +15684,9 @@
                 <a:tab pos="10055225" algn="l"/>
               </a:tabLst>
             </a:pPr>
-            <a:endParaRPr lang="en-US" dirty="0" smtClean="0"/>
+            <a:endParaRPr lang="en-US" altLang="ko-KR" sz="3200" dirty="0" smtClean="0">
+              <a:ea typeface="굴림" pitchFamily="50" charset="-127"/>
+            </a:endParaRPr>
           </a:p>
         </p:txBody>
       </p:sp>
